--- a/chep2016-lhcbpr-posterA0-v1.pptx
+++ b/chep2016-lhcbpr-posterA0-v1.pptx
@@ -4197,7 +4197,7 @@
 </file>
 
 <file path=ppt/slides/slide1.xml><?xml version="1.0" encoding="utf-8"?>
-<p:sld xmlns:a="http://schemas.openxmlformats.org/drawingml/2006/main" xmlns:r="http://schemas.openxmlformats.org/officeDocument/2006/relationships" xmlns:p="http://schemas.openxmlformats.org/presentationml/2006/main">
+<p:sld xmlns:a="http://schemas.openxmlformats.org/drawingml/2006/main" xmlns:r="http://schemas.openxmlformats.org/officeDocument/2006/relationships" xmlns:p="http://schemas.openxmlformats.org/presentationml/2006/main" showMasterSp="0">
   <p:cSld>
     <p:bg>
       <p:bgPr>
@@ -4223,634 +4223,63 @@
       </p:grpSpPr>
       <p:sp>
         <p:nvSpPr>
-          <p:cNvPr id="2087" name="Rectangle 38"/>
-          <p:cNvSpPr>
-            <a:spLocks noChangeArrowheads="1"/>
-          </p:cNvSpPr>
+          <p:cNvPr id="117" name="Rectangle 116"/>
+          <p:cNvSpPr/>
           <p:nvPr/>
         </p:nvSpPr>
         <p:spPr bwMode="auto">
           <a:xfrm>
-            <a:off x="20726400" y="30181550"/>
-            <a:ext cx="8786813" cy="5693867"/>
+            <a:off x="19504021" y="22876449"/>
+            <a:ext cx="10493696" cy="13061747"/>
           </a:xfrm>
           <a:prstGeom prst="rect">
             <a:avLst/>
           </a:prstGeom>
-          <a:noFill/>
-          <a:ln w="9525">
+          <a:solidFill>
+            <a:schemeClr val="bg1"/>
+          </a:solidFill>
+          <a:ln w="9525" cap="flat" cmpd="sng" algn="ctr">
             <a:noFill/>
-            <a:miter lim="800000"/>
-            <a:headEnd/>
-            <a:tailEnd/>
+            <a:prstDash val="solid"/>
+            <a:round/>
+            <a:headEnd type="none" w="med" len="med"/>
+            <a:tailEnd type="none" w="med" len="med"/>
           </a:ln>
-        </p:spPr>
-        <p:txBody>
-          <a:bodyPr>
-            <a:spAutoFit/>
+          <a:effectLst/>
+        </p:spPr>
+        <p:txBody>
+          <a:bodyPr vert="horz" wrap="square" lIns="91440" tIns="45720" rIns="91440" bIns="45720" numCol="1" rtlCol="0" anchor="t" anchorCtr="0" compatLnSpc="1">
+            <a:prstTxWarp prst="textNoShape">
+              <a:avLst/>
+            </a:prstTxWarp>
           </a:bodyPr>
           <a:lstStyle/>
           <a:p>
-            <a:pPr defTabSz="911225" eaLnBrk="0" hangingPunct="0">
-              <a:buFont typeface="Wingdings" pitchFamily="2" charset="2"/>
-              <a:buChar char="§"/>
+            <a:pPr marL="0" marR="0" indent="0" algn="l" defTabSz="914400" rtl="0" eaLnBrk="0" fontAlgn="base" latinLnBrk="0" hangingPunct="0">
+              <a:lnSpc>
+                <a:spcPct val="100000"/>
+              </a:lnSpc>
+              <a:spcBef>
+                <a:spcPct val="0"/>
+              </a:spcBef>
+              <a:spcAft>
+                <a:spcPct val="0"/>
+              </a:spcAft>
+              <a:buClrTx/>
+              <a:buSzTx/>
+              <a:buFontTx/>
+              <a:buNone/>
+              <a:tabLst/>
             </a:pPr>
-            <a:r>
-              <a:rPr lang="en-GB" sz="2800" b="1" dirty="0" smtClean="0">
-                <a:latin typeface="Arial" charset="0"/>
-              </a:rPr>
-              <a:t> CASTORFS web page</a:t>
-            </a:r>
-          </a:p>
-          <a:p>
-            <a:pPr defTabSz="911225" eaLnBrk="0" hangingPunct="0"/>
-            <a:r>
-              <a:rPr lang="en-GB" sz="2800" dirty="0">
-                <a:latin typeface="Arial" charset="0"/>
-              </a:rPr>
-              <a:t>   </a:t>
-            </a:r>
-            <a:r>
-              <a:rPr lang="en-GB" sz="2800" dirty="0" smtClean="0">
-                <a:latin typeface="Arial" charset="0"/>
-              </a:rPr>
-              <a:t>- https://</a:t>
-            </a:r>
-            <a:r>
-              <a:rPr lang="en-GB" sz="2800" dirty="0" err="1" smtClean="0">
-                <a:latin typeface="Arial" charset="0"/>
-              </a:rPr>
-              <a:t>lbtwiki.cern.ch/bin/view/Online/CastorFS</a:t>
-            </a:r>
-            <a:endParaRPr lang="en-GB" sz="2800" dirty="0" smtClean="0">
-              <a:latin typeface="Arial" charset="0"/>
-            </a:endParaRPr>
-          </a:p>
-          <a:p>
-            <a:pPr defTabSz="911225"/>
-            <a:endParaRPr lang="en-GB" sz="2800" dirty="0">
-              <a:latin typeface="Arial" charset="0"/>
-            </a:endParaRPr>
-          </a:p>
-          <a:p>
-            <a:pPr defTabSz="911225">
-              <a:buFontTx/>
-              <a:buChar char="•"/>
-            </a:pPr>
-            <a:r>
-              <a:rPr lang="en-GB" sz="2800" b="1" dirty="0">
-                <a:latin typeface="Arial" charset="0"/>
-              </a:rPr>
-              <a:t> </a:t>
-            </a:r>
-            <a:r>
-              <a:rPr lang="en-GB" sz="2800" b="1" dirty="0" smtClean="0">
-                <a:latin typeface="Arial" charset="0"/>
-              </a:rPr>
-              <a:t> CASTOR web site</a:t>
-            </a:r>
-          </a:p>
-          <a:p>
-            <a:pPr defTabSz="911225"/>
-            <a:r>
-              <a:rPr lang="en-GB" sz="2800" dirty="0">
-                <a:latin typeface="Arial" charset="0"/>
-              </a:rPr>
-              <a:t>   </a:t>
-            </a:r>
-            <a:r>
-              <a:rPr lang="en-GB" sz="2800" dirty="0" smtClean="0">
-                <a:latin typeface="Arial" charset="0"/>
-              </a:rPr>
-              <a:t>- http://</a:t>
-            </a:r>
-            <a:r>
-              <a:rPr lang="en-GB" sz="2800" dirty="0" err="1" smtClean="0">
-                <a:latin typeface="Arial" charset="0"/>
-              </a:rPr>
-              <a:t>cern.ch</a:t>
-            </a:r>
-            <a:r>
-              <a:rPr lang="en-GB" sz="2800" dirty="0" smtClean="0">
-                <a:latin typeface="Arial" charset="0"/>
-              </a:rPr>
-              <a:t>/castor</a:t>
-            </a:r>
-          </a:p>
-          <a:p>
-            <a:pPr defTabSz="911225"/>
-            <a:endParaRPr lang="en-GB" sz="2800" dirty="0">
-              <a:latin typeface="Arial" charset="0"/>
-            </a:endParaRPr>
-          </a:p>
-          <a:p>
-            <a:pPr defTabSz="911225">
-              <a:buFontTx/>
-              <a:buChar char="•"/>
-            </a:pPr>
-            <a:r>
-              <a:rPr lang="en-GB" sz="2800" b="1" dirty="0" smtClean="0">
-                <a:latin typeface="Arial" charset="0"/>
-              </a:rPr>
-              <a:t> FUSE web site</a:t>
-            </a:r>
-          </a:p>
-          <a:p>
-            <a:pPr defTabSz="911225"/>
-            <a:r>
-              <a:rPr lang="en-GB" sz="2800" dirty="0">
-                <a:latin typeface="Arial" charset="0"/>
-              </a:rPr>
-              <a:t>   </a:t>
-            </a:r>
-            <a:r>
-              <a:rPr lang="en-GB" sz="2800" dirty="0" smtClean="0">
-                <a:latin typeface="Arial" charset="0"/>
-              </a:rPr>
-              <a:t>- http://</a:t>
-            </a:r>
-            <a:r>
-              <a:rPr lang="en-GB" sz="2800" dirty="0" err="1" smtClean="0">
-                <a:latin typeface="Arial" charset="0"/>
-              </a:rPr>
-              <a:t>fuse.sourceforge.net</a:t>
-            </a:r>
-            <a:endParaRPr lang="en-GB" sz="2800" dirty="0" smtClean="0">
-              <a:latin typeface="Arial" charset="0"/>
-            </a:endParaRPr>
-          </a:p>
-          <a:p>
-            <a:pPr defTabSz="911225"/>
-            <a:endParaRPr lang="en-GB" sz="2800" dirty="0" smtClean="0">
-              <a:latin typeface="Arial" charset="0"/>
-            </a:endParaRPr>
-          </a:p>
-          <a:p>
-            <a:pPr defTabSz="911225">
-              <a:buFont typeface="Arial" pitchFamily="34" charset="0"/>
-              <a:buChar char="•"/>
-            </a:pPr>
-            <a:r>
-              <a:rPr lang="en-GB" sz="2800" b="1" dirty="0" smtClean="0">
-                <a:latin typeface="Arial" charset="0"/>
-              </a:rPr>
-              <a:t> </a:t>
-            </a:r>
-            <a:r>
-              <a:rPr lang="en-GB" sz="2800" b="1" dirty="0" err="1" smtClean="0">
-                <a:latin typeface="Arial" charset="0"/>
-              </a:rPr>
-              <a:t>Quattor</a:t>
-            </a:r>
-            <a:r>
-              <a:rPr lang="en-GB" sz="2800" b="1" dirty="0" smtClean="0">
-                <a:latin typeface="Arial" charset="0"/>
-              </a:rPr>
-              <a:t> web site</a:t>
-            </a:r>
-          </a:p>
-          <a:p>
-            <a:pPr lvl="1" defTabSz="911225"/>
-            <a:r>
-              <a:rPr lang="en-GB" sz="2800" dirty="0" smtClean="0">
-                <a:latin typeface="Arial" charset="0"/>
-              </a:rPr>
-              <a:t>- http://</a:t>
-            </a:r>
-            <a:r>
-              <a:rPr lang="en-GB" sz="2800" dirty="0" err="1" smtClean="0">
-                <a:latin typeface="Arial" charset="0"/>
-              </a:rPr>
-              <a:t>apps.sourceforge.net/mediawiki/quattor/index.php?title</a:t>
-            </a:r>
-            <a:r>
-              <a:rPr lang="en-GB" sz="2800" dirty="0" smtClean="0">
-                <a:latin typeface="Arial" charset="0"/>
-              </a:rPr>
-              <a:t>=</a:t>
-            </a:r>
-            <a:r>
-              <a:rPr lang="en-GB" sz="2800" dirty="0" err="1" smtClean="0">
-                <a:latin typeface="Arial" charset="0"/>
-              </a:rPr>
-              <a:t>Main_Page</a:t>
-            </a:r>
-            <a:r>
-              <a:rPr lang="en-GB" sz="2800" dirty="0" smtClean="0">
-                <a:latin typeface="Arial" charset="0"/>
-              </a:rPr>
-              <a:t>	</a:t>
-            </a:r>
-            <a:endParaRPr lang="en-GB" sz="2800" dirty="0">
-              <a:latin typeface="Arial" charset="0"/>
-            </a:endParaRPr>
-          </a:p>
-          <a:p>
-            <a:pPr defTabSz="911225" eaLnBrk="0" hangingPunct="0"/>
-            <a:endParaRPr lang="en-GB" sz="2800" dirty="0">
-              <a:latin typeface="Arial" charset="0"/>
-            </a:endParaRPr>
-          </a:p>
-        </p:txBody>
-      </p:sp>
-      <p:sp>
-        <p:nvSpPr>
-          <p:cNvPr id="2093" name="Text Box 18"/>
-          <p:cNvSpPr txBox="1">
-            <a:spLocks noChangeArrowheads="1"/>
-          </p:cNvSpPr>
-          <p:nvPr/>
-        </p:nvSpPr>
-        <p:spPr bwMode="auto">
-          <a:xfrm>
-            <a:off x="20802600" y="13030200"/>
-            <a:ext cx="8713788" cy="5447646"/>
-          </a:xfrm>
-          <a:prstGeom prst="rect">
-            <a:avLst/>
-          </a:prstGeom>
-          <a:noFill/>
-          <a:ln w="9525">
-            <a:noFill/>
-            <a:miter lim="800000"/>
-            <a:headEnd/>
-            <a:tailEnd/>
-          </a:ln>
-        </p:spPr>
-        <p:txBody>
-          <a:bodyPr>
-            <a:spAutoFit/>
-          </a:bodyPr>
-          <a:lstStyle/>
-          <a:p>
-            <a:pPr eaLnBrk="0" hangingPunct="0"/>
-            <a:r>
-              <a:rPr lang="en-US" sz="2800" dirty="0">
-                <a:latin typeface="Arial" charset="0"/>
-              </a:rPr>
-              <a:t>Due to some limitation </a:t>
-            </a:r>
-            <a:r>
-              <a:rPr lang="en-US" sz="2800" dirty="0" smtClean="0">
-                <a:latin typeface="Arial" charset="0"/>
-              </a:rPr>
-              <a:t>in the </a:t>
-            </a:r>
-            <a:r>
-              <a:rPr lang="en-US" sz="2800" dirty="0">
-                <a:latin typeface="Arial" charset="0"/>
-              </a:rPr>
-              <a:t>Linux </a:t>
-            </a:r>
-          </a:p>
-          <a:p>
-            <a:pPr eaLnBrk="0" hangingPunct="0"/>
-            <a:r>
-              <a:rPr lang="en-US" sz="2800" dirty="0" smtClean="0">
-                <a:latin typeface="Arial" charset="0"/>
-              </a:rPr>
-              <a:t>kernels </a:t>
-            </a:r>
-            <a:r>
-              <a:rPr lang="en-US" sz="2800" dirty="0">
-                <a:latin typeface="Arial" charset="0"/>
-              </a:rPr>
-              <a:t>prior 2.6.27,  we have </a:t>
-            </a:r>
-          </a:p>
-          <a:p>
-            <a:pPr eaLnBrk="0" hangingPunct="0"/>
-            <a:r>
-              <a:rPr lang="en-US" sz="2800" dirty="0">
-                <a:latin typeface="Arial" charset="0"/>
-              </a:rPr>
-              <a:t>a performance </a:t>
-            </a:r>
-            <a:r>
-              <a:rPr lang="en-US" sz="2800" dirty="0" smtClean="0">
-                <a:latin typeface="Arial" charset="0"/>
-              </a:rPr>
-              <a:t>problem </a:t>
-            </a:r>
-            <a:r>
-              <a:rPr lang="en-US" sz="2800" dirty="0">
-                <a:latin typeface="Arial" charset="0"/>
-              </a:rPr>
-              <a:t>for writing</a:t>
-            </a:r>
-          </a:p>
-          <a:p>
-            <a:pPr eaLnBrk="0" hangingPunct="0"/>
-            <a:r>
-              <a:rPr lang="en-US" sz="2800" dirty="0">
-                <a:latin typeface="Arial" charset="0"/>
-              </a:rPr>
-              <a:t>and reading files to/from CASTOR</a:t>
-            </a:r>
-            <a:r>
-              <a:rPr lang="en-US" sz="2800" dirty="0" smtClean="0">
-                <a:latin typeface="Arial" charset="0"/>
-              </a:rPr>
-              <a:t> </a:t>
-            </a:r>
-            <a:br>
-              <a:rPr lang="en-US" sz="2800" dirty="0" smtClean="0">
-                <a:latin typeface="Arial" charset="0"/>
-              </a:rPr>
-            </a:br>
-            <a:r>
-              <a:rPr lang="en-US" sz="2800" dirty="0" smtClean="0">
-                <a:latin typeface="Arial" charset="0"/>
-              </a:rPr>
-              <a:t>compared to native RFIO </a:t>
-            </a:r>
-          </a:p>
-          <a:p>
-            <a:pPr eaLnBrk="0" hangingPunct="0"/>
-            <a:r>
-              <a:rPr lang="en-US" sz="2800" dirty="0" smtClean="0">
-                <a:latin typeface="Arial" charset="0"/>
-              </a:rPr>
-              <a:t>about </a:t>
-            </a:r>
-            <a:r>
-              <a:rPr lang="en-US" sz="2800" dirty="0">
-                <a:latin typeface="Arial" charset="0"/>
-              </a:rPr>
-              <a:t>5 times slower for </a:t>
-            </a:r>
-          </a:p>
-          <a:p>
-            <a:pPr eaLnBrk="0" hangingPunct="0"/>
-            <a:r>
-              <a:rPr lang="en-US" sz="2800" dirty="0">
-                <a:latin typeface="Arial" charset="0"/>
-              </a:rPr>
-              <a:t>writing and 2 times slower for </a:t>
-            </a:r>
-            <a:r>
-              <a:rPr lang="en-US" sz="2800" dirty="0" smtClean="0">
-                <a:latin typeface="Arial" charset="0"/>
-              </a:rPr>
-              <a:t>reading</a:t>
-            </a:r>
-            <a:r>
-              <a:rPr lang="en-US" sz="2800" baseline="30000" dirty="0" smtClean="0">
-                <a:latin typeface="Arial" charset="0"/>
-              </a:rPr>
-              <a:t>(*)</a:t>
-            </a:r>
-            <a:r>
-              <a:rPr lang="en-US" sz="2800" dirty="0" smtClean="0">
-                <a:latin typeface="Arial" charset="0"/>
-              </a:rPr>
-              <a:t>.</a:t>
-            </a:r>
-            <a:endParaRPr lang="en-US" sz="2800" dirty="0">
-              <a:latin typeface="Arial" charset="0"/>
-            </a:endParaRPr>
-          </a:p>
-          <a:p>
-            <a:pPr eaLnBrk="0" hangingPunct="0"/>
-            <a:endParaRPr lang="en-US" sz="2800" dirty="0">
-              <a:latin typeface="Arial" charset="0"/>
-            </a:endParaRPr>
-          </a:p>
-          <a:p>
-            <a:pPr eaLnBrk="0" hangingPunct="0"/>
-            <a:r>
-              <a:rPr lang="en-US" sz="2800" dirty="0" smtClean="0">
-                <a:latin typeface="Arial" charset="0"/>
-              </a:rPr>
-              <a:t>When testing  </a:t>
-            </a:r>
-            <a:r>
-              <a:rPr lang="en-US" sz="2800" dirty="0">
-                <a:latin typeface="Arial" charset="0"/>
-              </a:rPr>
-              <a:t>CASTORFS </a:t>
-            </a:r>
-            <a:r>
-              <a:rPr lang="en-US" sz="2800" dirty="0" smtClean="0">
-                <a:latin typeface="Arial" charset="0"/>
-              </a:rPr>
-              <a:t>with the latest </a:t>
-            </a:r>
-            <a:r>
-              <a:rPr lang="en-US" sz="2800" dirty="0">
-                <a:latin typeface="Arial" charset="0"/>
-              </a:rPr>
-              <a:t>kernels</a:t>
-            </a:r>
-            <a:r>
-              <a:rPr lang="en-US" sz="2800" dirty="0" smtClean="0">
-                <a:latin typeface="Arial" charset="0"/>
-              </a:rPr>
-              <a:t> we observe significantly better </a:t>
-            </a:r>
-            <a:r>
-              <a:rPr lang="en-US" sz="2800" dirty="0">
-                <a:latin typeface="Arial" charset="0"/>
-              </a:rPr>
-              <a:t>performance</a:t>
-            </a:r>
-            <a:r>
-              <a:rPr lang="en-US" sz="2800" dirty="0" smtClean="0">
-                <a:latin typeface="Arial" charset="0"/>
-              </a:rPr>
-              <a:t>.</a:t>
-            </a:r>
-          </a:p>
-          <a:p>
-            <a:pPr eaLnBrk="0" hangingPunct="0"/>
-            <a:endParaRPr lang="en-US" sz="2800" dirty="0" smtClean="0">
-              <a:latin typeface="Arial" charset="0"/>
-            </a:endParaRPr>
-          </a:p>
-          <a:p>
-            <a:pPr eaLnBrk="0" hangingPunct="0"/>
-            <a:r>
-              <a:rPr lang="en-US" sz="2000" baseline="30000" dirty="0" smtClean="0">
-                <a:latin typeface="Arial" charset="0"/>
-              </a:rPr>
-              <a:t>(*)</a:t>
-            </a:r>
-            <a:r>
-              <a:rPr lang="en-US" sz="2000" dirty="0" smtClean="0">
-                <a:latin typeface="Arial" charset="0"/>
-              </a:rPr>
-              <a:t> This is for the first read, subsequent reads are much faster, as they go through the buffer-cache</a:t>
-            </a:r>
-            <a:endParaRPr lang="en-US" sz="2000" baseline="30000" dirty="0">
-              <a:latin typeface="Arial" charset="0"/>
-            </a:endParaRPr>
-          </a:p>
-        </p:txBody>
-      </p:sp>
-      <p:sp>
-        <p:nvSpPr>
-          <p:cNvPr id="33797" name="Text Box 5"/>
-          <p:cNvSpPr txBox="1">
-            <a:spLocks noChangeArrowheads="1"/>
-          </p:cNvSpPr>
-          <p:nvPr/>
-        </p:nvSpPr>
-        <p:spPr bwMode="auto">
-          <a:xfrm>
-            <a:off x="1135063" y="8491538"/>
-            <a:ext cx="8920162" cy="6424612"/>
-          </a:xfrm>
-          <a:prstGeom prst="rect">
-            <a:avLst/>
-          </a:prstGeom>
-          <a:noFill/>
-          <a:ln w="9525">
-            <a:noFill/>
-            <a:miter lim="800000"/>
-            <a:headEnd/>
-            <a:tailEnd/>
-          </a:ln>
-          <a:effectLst/>
-        </p:spPr>
-        <p:txBody>
-          <a:bodyPr lIns="180000" tIns="180000" rIns="180000" bIns="180000">
-            <a:spAutoFit/>
-          </a:bodyPr>
-          <a:lstStyle/>
-          <a:p>
-            <a:pPr eaLnBrk="0" hangingPunct="0"/>
-            <a:r>
-              <a:rPr lang="en-US" sz="2800" b="1" dirty="0">
-                <a:latin typeface="Arial" charset="0"/>
-              </a:rPr>
-              <a:t>CASTOR:</a:t>
-            </a:r>
-          </a:p>
-          <a:p>
-            <a:pPr lvl="1" indent="455613" eaLnBrk="0" hangingPunct="0">
-              <a:spcBef>
-                <a:spcPct val="20000"/>
-              </a:spcBef>
-              <a:buFont typeface="Wingdings" pitchFamily="2" charset="2"/>
-              <a:buChar char="§"/>
-            </a:pPr>
-            <a:r>
-              <a:rPr lang="en-US" sz="2800" dirty="0">
-                <a:latin typeface="Arial" charset="0"/>
-              </a:rPr>
-              <a:t> stands for the </a:t>
-            </a:r>
-            <a:r>
-              <a:rPr lang="en-US" sz="2800" b="1" dirty="0">
-                <a:latin typeface="Arial" charset="0"/>
-              </a:rPr>
-              <a:t>C</a:t>
-            </a:r>
-            <a:r>
-              <a:rPr lang="en-US" sz="2800" dirty="0">
-                <a:latin typeface="Arial" charset="0"/>
-              </a:rPr>
-              <a:t>ERN </a:t>
-            </a:r>
-            <a:r>
-              <a:rPr lang="en-US" sz="2800" b="1" dirty="0">
-                <a:latin typeface="Arial" charset="0"/>
-              </a:rPr>
-              <a:t>A</a:t>
-            </a:r>
-            <a:r>
-              <a:rPr lang="en-US" sz="2800" dirty="0">
-                <a:latin typeface="Arial" charset="0"/>
-              </a:rPr>
-              <a:t>dvanced </a:t>
-            </a:r>
-            <a:r>
-              <a:rPr lang="en-US" sz="2800" b="1" dirty="0" err="1">
-                <a:latin typeface="Arial" charset="0"/>
-              </a:rPr>
-              <a:t>STOR</a:t>
-            </a:r>
-            <a:r>
-              <a:rPr lang="en-US" sz="2800" dirty="0" err="1">
-                <a:latin typeface="Arial" charset="0"/>
-              </a:rPr>
-              <a:t>age</a:t>
-            </a:r>
-            <a:r>
-              <a:rPr lang="en-US" sz="2800" dirty="0">
-                <a:latin typeface="Arial" charset="0"/>
-              </a:rPr>
-              <a:t> manager;</a:t>
-            </a:r>
-          </a:p>
-          <a:p>
-            <a:pPr lvl="1" indent="455613" eaLnBrk="0" hangingPunct="0">
-              <a:spcBef>
-                <a:spcPct val="20000"/>
-              </a:spcBef>
-              <a:buFont typeface="Wingdings" pitchFamily="2" charset="2"/>
-              <a:buChar char="§"/>
-            </a:pPr>
-            <a:r>
-              <a:rPr lang="en-US" sz="2800" dirty="0">
-                <a:latin typeface="Arial" charset="0"/>
-              </a:rPr>
-              <a:t>is a hierarchical storage management (HSM) system developed at CERN used to store physics production files and user files;</a:t>
-            </a:r>
-          </a:p>
-          <a:p>
-            <a:pPr lvl="1" indent="455613" eaLnBrk="0" hangingPunct="0">
-              <a:spcBef>
-                <a:spcPct val="20000"/>
-              </a:spcBef>
-              <a:buFont typeface="Wingdings" pitchFamily="2" charset="2"/>
-              <a:buChar char="§"/>
-            </a:pPr>
-            <a:r>
-              <a:rPr lang="en-US" sz="2800" dirty="0">
-                <a:latin typeface="Arial" charset="0"/>
-              </a:rPr>
-              <a:t>manages disk cache(s) and the data on tertiary storage or tapes.</a:t>
-            </a:r>
-          </a:p>
-          <a:p>
-            <a:pPr lvl="1" indent="455613" eaLnBrk="0" hangingPunct="0">
-              <a:spcBef>
-                <a:spcPct val="20000"/>
-              </a:spcBef>
-              <a:buFont typeface="Wingdings" pitchFamily="2" charset="2"/>
-              <a:buNone/>
-            </a:pPr>
-            <a:endParaRPr lang="en-US" sz="2800" dirty="0">
-              <a:latin typeface="Arial" charset="0"/>
-            </a:endParaRPr>
-          </a:p>
-          <a:p>
-            <a:pPr eaLnBrk="0" hangingPunct="0">
-              <a:spcBef>
-                <a:spcPct val="20000"/>
-              </a:spcBef>
-              <a:buFont typeface="Wingdings" pitchFamily="2" charset="2"/>
-              <a:buNone/>
-            </a:pPr>
-            <a:r>
-              <a:rPr lang="en-US" sz="2800" dirty="0">
-                <a:latin typeface="Arial" charset="0"/>
-              </a:rPr>
-              <a:t>Files can be stored, listed, retrieved and accessed in CASTOR using command line tools or applications built on top of the different data transfer protocols.</a:t>
-            </a:r>
-            <a:endParaRPr lang="en-GB" sz="2800" dirty="0">
-              <a:latin typeface="Arial" charset="0"/>
-            </a:endParaRPr>
-          </a:p>
-          <a:p>
-            <a:pPr lvl="1" indent="455613" eaLnBrk="0" hangingPunct="0">
-              <a:spcBef>
-                <a:spcPct val="20000"/>
-              </a:spcBef>
-            </a:pPr>
-            <a:endParaRPr lang="en-US" sz="2800" dirty="0">
-              <a:latin typeface="Arial" charset="0"/>
+            <a:endParaRPr kumimoji="0" lang="en-US" sz="2400" b="0" i="0" u="none" strike="noStrike" cap="none" normalizeH="0" baseline="0" smtClean="0">
+              <a:ln>
+                <a:noFill/>
+              </a:ln>
+              <a:solidFill>
+                <a:schemeClr val="tx1"/>
+              </a:solidFill>
+              <a:effectLst/>
+              <a:latin typeface="Times New Roman" pitchFamily="18" charset="0"/>
             </a:endParaRPr>
           </a:p>
         </p:txBody>
@@ -4886,18 +4315,96 @@
           </a:ln>
         </p:spPr>
         <p:txBody>
-          <a:bodyPr lIns="538866" tIns="900000" rIns="538866" bIns="538866"/>
+          <a:bodyPr lIns="538866" tIns="251999" rIns="538866" bIns="538866"/>
           <a:lstStyle/>
           <a:p>
             <a:pPr algn="ctr" defTabSz="911225" eaLnBrk="0" hangingPunct="0"/>
             <a:r>
-              <a:rPr lang="en-GB" sz="9600" b="1" dirty="0" smtClean="0">
-                <a:latin typeface="Arial" charset="0"/>
-              </a:rPr>
-              <a:t>LHCbPR2- Regression Testing Framework</a:t>
+              <a:rPr lang="en-US" sz="9600" b="1" dirty="0">
+                <a:latin typeface="+mj-lt"/>
+              </a:rPr>
+              <a:t>Microservices </a:t>
+            </a:r>
+            <a:r>
+              <a:rPr lang="en-US" sz="9600" b="1" dirty="0">
+                <a:latin typeface="+mj-lt"/>
+              </a:rPr>
+              <a:t>f</a:t>
+            </a:r>
+            <a:r>
+              <a:rPr lang="en-US" sz="9600" b="1" dirty="0" smtClean="0">
+                <a:latin typeface="+mj-lt"/>
+              </a:rPr>
+              <a:t>or </a:t>
+            </a:r>
+            <a:r>
+              <a:rPr lang="en-US" sz="9600" b="1" dirty="0">
+                <a:latin typeface="+mj-lt"/>
+              </a:rPr>
+              <a:t>S</a:t>
+            </a:r>
+            <a:r>
+              <a:rPr lang="en-US" sz="9600" b="1" dirty="0" smtClean="0">
+                <a:latin typeface="+mj-lt"/>
+              </a:rPr>
+              <a:t>ystematic </a:t>
+            </a:r>
+            <a:r>
+              <a:rPr lang="en-US" sz="9600" b="1" dirty="0">
+                <a:latin typeface="+mj-lt"/>
+              </a:rPr>
+              <a:t>P</a:t>
+            </a:r>
+            <a:r>
+              <a:rPr lang="en-US" sz="9600" b="1" dirty="0" smtClean="0">
+                <a:latin typeface="+mj-lt"/>
+              </a:rPr>
+              <a:t>rofiling </a:t>
+            </a:r>
+            <a:r>
+              <a:rPr lang="en-US" sz="9600" b="1" dirty="0">
+                <a:latin typeface="+mj-lt"/>
+              </a:rPr>
+              <a:t>a</a:t>
+            </a:r>
+            <a:r>
+              <a:rPr lang="en-US" sz="9600" b="1" dirty="0" smtClean="0">
+                <a:latin typeface="+mj-lt"/>
+              </a:rPr>
+              <a:t>nd </a:t>
+            </a:r>
+            <a:r>
+              <a:rPr lang="en-US" sz="9600" b="1" dirty="0">
+                <a:latin typeface="+mj-lt"/>
+              </a:rPr>
+              <a:t>M</a:t>
+            </a:r>
+            <a:r>
+              <a:rPr lang="en-US" sz="9600" b="1" dirty="0" smtClean="0">
+                <a:latin typeface="+mj-lt"/>
+              </a:rPr>
+              <a:t>onitoring </a:t>
+            </a:r>
+            <a:r>
+              <a:rPr lang="en-US" sz="9600" b="1" dirty="0">
+                <a:latin typeface="+mj-lt"/>
+              </a:rPr>
+              <a:t>of the </a:t>
+            </a:r>
+            <a:r>
+              <a:rPr lang="en-US" sz="9600" b="1" dirty="0">
+                <a:latin typeface="+mj-lt"/>
+              </a:rPr>
+              <a:t>R</a:t>
+            </a:r>
+            <a:r>
+              <a:rPr lang="en-US" sz="9600" b="1" dirty="0" smtClean="0">
+                <a:latin typeface="+mj-lt"/>
+              </a:rPr>
+              <a:t>efactoring</a:t>
             </a:r>
             <a:endParaRPr lang="en-GB" sz="9600" b="1" dirty="0">
-              <a:latin typeface="Arial" charset="0"/>
+              <a:latin typeface="+mj-lt"/>
             </a:endParaRPr>
           </a:p>
         </p:txBody>
@@ -4959,22 +4466,16 @@
               </a:rPr>
             </a:br>
             <a:r>
+              <a:rPr lang="en-GB" sz="2800" b="1" smtClean="0">
+                <a:latin typeface="Arial" charset="0"/>
+              </a:rPr>
+              <a:t>* Corresponding </a:t>
+            </a:r>
+            <a:r>
               <a:rPr lang="en-GB" sz="2800" b="1" dirty="0" smtClean="0">
                 <a:latin typeface="Arial" charset="0"/>
               </a:rPr>
-              <a:t>(*) corresponding author: </a:t>
-            </a:r>
-            <a:r>
-              <a:rPr lang="en-GB" sz="2800" b="1" dirty="0" err="1" smtClean="0">
-                <a:latin typeface="Arial" charset="0"/>
-              </a:rPr>
-              <a:t>alexander.mazurov@cern.ch</a:t>
-            </a:r>
-            <a:r>
-              <a:rPr lang="en-GB" sz="2800" b="1" dirty="0" smtClean="0">
-                <a:latin typeface="Arial" charset="0"/>
-              </a:rPr>
-              <a:t>, University of Birmingham</a:t>
+              <a:t>author: alexander.mazurov@cern.ch, University of Birmingham</a:t>
             </a:r>
           </a:p>
           <a:p>
@@ -4987,7 +4488,19 @@
               <a:rPr lang="en-GB" sz="2800" b="1" dirty="0" smtClean="0">
                 <a:latin typeface="Arial" charset="0"/>
               </a:rPr>
-              <a:t>                                                                                   (**) CERN              </a:t>
+              <a:t>                                                                                   </a:t>
+            </a:r>
+            <a:r>
+              <a:rPr lang="en-GB" sz="2800" b="1" dirty="0" smtClean="0">
+                <a:latin typeface="Arial" charset="0"/>
+              </a:rPr>
+              <a:t> ** </a:t>
+            </a:r>
+            <a:r>
+              <a:rPr lang="en-GB" sz="2800" b="1" dirty="0" smtClean="0">
+                <a:latin typeface="Arial" charset="0"/>
+              </a:rPr>
+              <a:t>CERN              </a:t>
             </a:r>
             <a:endParaRPr lang="en-GB" sz="5000" dirty="0">
               <a:latin typeface="Arial" charset="0"/>
@@ -5030,434 +4543,6 @@
           </a:p>
         </p:txBody>
       </p:sp>
-      <p:sp>
-        <p:nvSpPr>
-          <p:cNvPr id="2055" name="Text Box 7"/>
-          <p:cNvSpPr txBox="1">
-            <a:spLocks noChangeArrowheads="1"/>
-          </p:cNvSpPr>
-          <p:nvPr/>
-        </p:nvSpPr>
-        <p:spPr bwMode="auto">
-          <a:xfrm>
-            <a:off x="1143000" y="6972300"/>
-            <a:ext cx="8991600" cy="1497013"/>
-          </a:xfrm>
-          <a:prstGeom prst="rect">
-            <a:avLst/>
-          </a:prstGeom>
-          <a:solidFill>
-            <a:schemeClr val="hlink"/>
-          </a:solidFill>
-          <a:ln w="9525">
-            <a:noFill/>
-            <a:miter lim="800000"/>
-            <a:headEnd/>
-            <a:tailEnd/>
-          </a:ln>
-        </p:spPr>
-        <p:txBody>
-          <a:bodyPr lIns="360000" tIns="360000" rIns="360000" bIns="360000">
-            <a:spAutoFit/>
-          </a:bodyPr>
-          <a:lstStyle/>
-          <a:p>
-            <a:pPr eaLnBrk="0" hangingPunct="0">
-              <a:spcBef>
-                <a:spcPct val="50000"/>
-              </a:spcBef>
-            </a:pPr>
-            <a:r>
-              <a:rPr lang="en-US" sz="5000" b="1">
-                <a:solidFill>
-                  <a:schemeClr val="bg1"/>
-                </a:solidFill>
-                <a:latin typeface="Arial" charset="0"/>
-              </a:rPr>
-              <a:t>1. CASTOR</a:t>
-            </a:r>
-          </a:p>
-        </p:txBody>
-      </p:sp>
-      <p:sp>
-        <p:nvSpPr>
-          <p:cNvPr id="2056" name="Text Box 13"/>
-          <p:cNvSpPr txBox="1">
-            <a:spLocks noChangeArrowheads="1"/>
-          </p:cNvSpPr>
-          <p:nvPr/>
-        </p:nvSpPr>
-        <p:spPr bwMode="auto">
-          <a:xfrm>
-            <a:off x="1219200" y="21959888"/>
-            <a:ext cx="7848600" cy="1552575"/>
-          </a:xfrm>
-          <a:prstGeom prst="rect">
-            <a:avLst/>
-          </a:prstGeom>
-          <a:noFill/>
-          <a:ln w="9525">
-            <a:noFill/>
-            <a:miter lim="800000"/>
-            <a:headEnd/>
-            <a:tailEnd/>
-          </a:ln>
-        </p:spPr>
-        <p:txBody>
-          <a:bodyPr>
-            <a:spAutoFit/>
-          </a:bodyPr>
-          <a:lstStyle/>
-          <a:p>
-            <a:pPr eaLnBrk="0" hangingPunct="0"/>
-            <a:endParaRPr lang="en-GB" b="1"/>
-          </a:p>
-          <a:p>
-            <a:pPr eaLnBrk="0" hangingPunct="0"/>
-            <a:endParaRPr lang="en-GB" b="1"/>
-          </a:p>
-          <a:p>
-            <a:pPr eaLnBrk="0" hangingPunct="0"/>
-            <a:endParaRPr lang="en-GB" b="1"/>
-          </a:p>
-          <a:p>
-            <a:pPr eaLnBrk="0" hangingPunct="0"/>
-            <a:endParaRPr lang="en-GB"/>
-          </a:p>
-        </p:txBody>
-      </p:sp>
-      <p:sp>
-        <p:nvSpPr>
-          <p:cNvPr id="2057" name="Text Box 18"/>
-          <p:cNvSpPr txBox="1">
-            <a:spLocks noChangeArrowheads="1"/>
-          </p:cNvSpPr>
-          <p:nvPr/>
-        </p:nvSpPr>
-        <p:spPr bwMode="auto">
-          <a:xfrm>
-            <a:off x="11071225" y="14630400"/>
-            <a:ext cx="8713788" cy="1373188"/>
-          </a:xfrm>
-          <a:prstGeom prst="rect">
-            <a:avLst/>
-          </a:prstGeom>
-          <a:noFill/>
-          <a:ln w="9525">
-            <a:noFill/>
-            <a:miter lim="800000"/>
-            <a:headEnd/>
-            <a:tailEnd/>
-          </a:ln>
-        </p:spPr>
-        <p:txBody>
-          <a:bodyPr>
-            <a:spAutoFit/>
-          </a:bodyPr>
-          <a:lstStyle/>
-          <a:p>
-            <a:pPr eaLnBrk="0" hangingPunct="0"/>
-            <a:r>
-              <a:rPr lang="en-US" sz="2800" dirty="0" smtClean="0">
-                <a:latin typeface="Arial" charset="0"/>
-                <a:cs typeface="Arial" charset="0"/>
-              </a:rPr>
-              <a:t>An example </a:t>
-            </a:r>
-            <a:r>
-              <a:rPr lang="en-US" sz="2800" dirty="0">
-                <a:latin typeface="Arial" charset="0"/>
-                <a:cs typeface="Arial" charset="0"/>
-              </a:rPr>
-              <a:t>of using </a:t>
-            </a:r>
-            <a:r>
-              <a:rPr lang="en-US" sz="2800" dirty="0" smtClean="0">
-                <a:latin typeface="Arial" charset="0"/>
-                <a:cs typeface="Arial" charset="0"/>
-              </a:rPr>
-              <a:t>CASTORFS, </a:t>
-            </a:r>
-            <a:r>
-              <a:rPr lang="en-US" sz="2800" dirty="0">
-                <a:latin typeface="Arial" charset="0"/>
-                <a:cs typeface="Arial" charset="0"/>
-              </a:rPr>
-              <a:t>which </a:t>
-            </a:r>
-            <a:r>
-              <a:rPr lang="en-US" sz="2800" dirty="0" smtClean="0">
-                <a:latin typeface="Arial" charset="0"/>
-                <a:cs typeface="Arial" charset="0"/>
-              </a:rPr>
-              <a:t>mounts a  </a:t>
-            </a:r>
-            <a:r>
-              <a:rPr lang="en-US" sz="2800" dirty="0">
-                <a:latin typeface="Arial" charset="0"/>
-                <a:cs typeface="Arial" charset="0"/>
-              </a:rPr>
-              <a:t>new </a:t>
-            </a:r>
-            <a:r>
-              <a:rPr lang="en-US" sz="2800" dirty="0" err="1">
-                <a:latin typeface="Arial" charset="0"/>
-                <a:cs typeface="Arial" charset="0"/>
-              </a:rPr>
-              <a:t>filesystem</a:t>
-            </a:r>
-            <a:r>
-              <a:rPr lang="en-US" sz="2800" dirty="0">
-                <a:latin typeface="Arial" charset="0"/>
-                <a:cs typeface="Arial" charset="0"/>
-              </a:rPr>
-              <a:t> </a:t>
-            </a:r>
-            <a:r>
-              <a:rPr lang="en-US" sz="2800" dirty="0" smtClean="0">
-                <a:latin typeface="Arial" charset="0"/>
-                <a:cs typeface="Arial" charset="0"/>
-              </a:rPr>
-              <a:t>to a </a:t>
-            </a:r>
-            <a:r>
-              <a:rPr lang="en-US" sz="2800" dirty="0">
-                <a:latin typeface="Arial" charset="0"/>
-                <a:cs typeface="Arial" charset="0"/>
-              </a:rPr>
-              <a:t>/</a:t>
-            </a:r>
-            <a:r>
-              <a:rPr lang="en-US" sz="2800" dirty="0" err="1">
-                <a:latin typeface="Arial" charset="0"/>
-                <a:cs typeface="Arial" charset="0"/>
-              </a:rPr>
-              <a:t>castorfs</a:t>
-            </a:r>
-            <a:r>
-              <a:rPr lang="en-US" sz="2800" dirty="0">
-                <a:latin typeface="Arial" charset="0"/>
-                <a:cs typeface="Arial" charset="0"/>
-              </a:rPr>
-              <a:t> </a:t>
-            </a:r>
-            <a:r>
-              <a:rPr lang="en-US" sz="2800" dirty="0" smtClean="0">
-                <a:latin typeface="Arial" charset="0"/>
-                <a:cs typeface="Arial" charset="0"/>
-              </a:rPr>
-              <a:t>local directory:</a:t>
-            </a:r>
-            <a:endParaRPr lang="en-US" sz="2800" dirty="0">
-              <a:latin typeface="Arial" charset="0"/>
-              <a:cs typeface="Arial" charset="0"/>
-            </a:endParaRPr>
-          </a:p>
-          <a:p>
-            <a:pPr eaLnBrk="0" hangingPunct="0"/>
-            <a:endParaRPr lang="en-US" sz="2800" b="1" dirty="0">
-              <a:latin typeface="Arial" charset="0"/>
-            </a:endParaRPr>
-          </a:p>
-        </p:txBody>
-      </p:sp>
-      <p:sp>
-        <p:nvSpPr>
-          <p:cNvPr id="2058" name="Text Box 19"/>
-          <p:cNvSpPr txBox="1">
-            <a:spLocks noChangeArrowheads="1"/>
-          </p:cNvSpPr>
-          <p:nvPr/>
-        </p:nvSpPr>
-        <p:spPr bwMode="auto">
-          <a:xfrm>
-            <a:off x="11049000" y="24512588"/>
-            <a:ext cx="8458200" cy="944562"/>
-          </a:xfrm>
-          <a:prstGeom prst="rect">
-            <a:avLst/>
-          </a:prstGeom>
-          <a:noFill/>
-          <a:ln w="38100">
-            <a:noFill/>
-            <a:miter lim="800000"/>
-            <a:headEnd/>
-            <a:tailEnd/>
-          </a:ln>
-        </p:spPr>
-        <p:txBody>
-          <a:bodyPr>
-            <a:spAutoFit/>
-          </a:bodyPr>
-          <a:lstStyle/>
-          <a:p>
-            <a:pPr eaLnBrk="0" hangingPunct="0"/>
-            <a:endParaRPr lang="en-US" sz="2000"/>
-          </a:p>
-          <a:p>
-            <a:pPr eaLnBrk="0" hangingPunct="0">
-              <a:spcBef>
-                <a:spcPct val="50000"/>
-              </a:spcBef>
-            </a:pPr>
-            <a:endParaRPr lang="en-US"/>
-          </a:p>
-        </p:txBody>
-      </p:sp>
-      <p:sp>
-        <p:nvSpPr>
-          <p:cNvPr id="2059" name="Text Box 74"/>
-          <p:cNvSpPr txBox="1">
-            <a:spLocks noChangeArrowheads="1"/>
-          </p:cNvSpPr>
-          <p:nvPr/>
-        </p:nvSpPr>
-        <p:spPr bwMode="auto">
-          <a:xfrm>
-            <a:off x="10914063" y="12954000"/>
-            <a:ext cx="8991600" cy="1482725"/>
-          </a:xfrm>
-          <a:prstGeom prst="rect">
-            <a:avLst/>
-          </a:prstGeom>
-          <a:solidFill>
-            <a:schemeClr val="hlink"/>
-          </a:solidFill>
-          <a:ln w="9525">
-            <a:noFill/>
-            <a:miter lim="800000"/>
-            <a:headEnd/>
-            <a:tailEnd/>
-          </a:ln>
-        </p:spPr>
-        <p:txBody>
-          <a:bodyPr lIns="360000" tIns="360000" rIns="360000" bIns="360000">
-            <a:spAutoFit/>
-          </a:bodyPr>
-          <a:lstStyle/>
-          <a:p>
-            <a:pPr eaLnBrk="0" hangingPunct="0">
-              <a:spcBef>
-                <a:spcPct val="50000"/>
-              </a:spcBef>
-            </a:pPr>
-            <a:r>
-              <a:rPr lang="en-US" sz="5000" b="1">
-                <a:solidFill>
-                  <a:schemeClr val="bg1"/>
-                </a:solidFill>
-                <a:latin typeface="Arial" charset="0"/>
-              </a:rPr>
-              <a:t>4. Usage</a:t>
-            </a:r>
-          </a:p>
-        </p:txBody>
-      </p:sp>
-      <p:pic>
-        <p:nvPicPr>
-          <p:cNvPr id="2060" name="Picture 87" descr="j0078711[1]"/>
-          <p:cNvPicPr>
-            <a:picLocks noChangeAspect="1" noChangeArrowheads="1"/>
-          </p:cNvPicPr>
-          <p:nvPr/>
-        </p:nvPicPr>
-        <p:blipFill>
-          <a:blip r:embed="rId3"/>
-          <a:srcRect/>
-          <a:stretch>
-            <a:fillRect/>
-          </a:stretch>
-        </p:blipFill>
-        <p:spPr bwMode="auto">
-          <a:xfrm>
-            <a:off x="27508200" y="34813875"/>
-            <a:ext cx="1622425" cy="3933825"/>
-          </a:xfrm>
-          <a:prstGeom prst="rect">
-            <a:avLst/>
-          </a:prstGeom>
-          <a:noFill/>
-          <a:ln w="9525">
-            <a:noFill/>
-            <a:miter lim="800000"/>
-            <a:headEnd/>
-            <a:tailEnd/>
-          </a:ln>
-        </p:spPr>
-      </p:pic>
-      <p:sp>
-        <p:nvSpPr>
-          <p:cNvPr id="2061" name="Text Box 93"/>
-          <p:cNvSpPr txBox="1">
-            <a:spLocks noChangeArrowheads="1"/>
-          </p:cNvSpPr>
-          <p:nvPr/>
-        </p:nvSpPr>
-        <p:spPr bwMode="auto">
-          <a:xfrm>
-            <a:off x="20648613" y="28565475"/>
-            <a:ext cx="8991600" cy="1482725"/>
-          </a:xfrm>
-          <a:prstGeom prst="rect">
-            <a:avLst/>
-          </a:prstGeom>
-          <a:solidFill>
-            <a:schemeClr val="hlink"/>
-          </a:solidFill>
-          <a:ln w="9525">
-            <a:noFill/>
-            <a:miter lim="800000"/>
-            <a:headEnd/>
-            <a:tailEnd/>
-          </a:ln>
-        </p:spPr>
-        <p:txBody>
-          <a:bodyPr lIns="360000" tIns="360000" rIns="360000" bIns="360000">
-            <a:spAutoFit/>
-          </a:bodyPr>
-          <a:lstStyle/>
-          <a:p>
-            <a:pPr eaLnBrk="0" hangingPunct="0">
-              <a:spcBef>
-                <a:spcPct val="50000"/>
-              </a:spcBef>
-            </a:pPr>
-            <a:r>
-              <a:rPr lang="en-GB" sz="5000" b="1" dirty="0">
-                <a:solidFill>
-                  <a:schemeClr val="bg1"/>
-                </a:solidFill>
-                <a:latin typeface="Arial" charset="0"/>
-              </a:rPr>
-              <a:t>9</a:t>
-            </a:r>
-            <a:r>
-              <a:rPr lang="en-GB" sz="5000" b="1" dirty="0" smtClean="0">
-                <a:solidFill>
-                  <a:schemeClr val="bg1"/>
-                </a:solidFill>
-                <a:latin typeface="Arial" charset="0"/>
-              </a:rPr>
-              <a:t>. </a:t>
-            </a:r>
-            <a:r>
-              <a:rPr lang="en-GB" sz="5000" b="1" dirty="0">
-                <a:solidFill>
-                  <a:schemeClr val="bg1"/>
-                </a:solidFill>
-                <a:latin typeface="Arial" charset="0"/>
-              </a:rPr>
-              <a:t>Useful resources</a:t>
-            </a:r>
-            <a:endParaRPr lang="en-US" sz="5000" b="1" dirty="0">
-              <a:solidFill>
-                <a:schemeClr val="bg1"/>
-              </a:solidFill>
-              <a:latin typeface="Arial" charset="0"/>
-            </a:endParaRPr>
-          </a:p>
-        </p:txBody>
-      </p:sp>
       <p:pic>
         <p:nvPicPr>
           <p:cNvPr id="2063" name="Picture 2"/>
@@ -5467,7 +4552,7 @@
           <p:nvPr/>
         </p:nvPicPr>
         <p:blipFill>
-          <a:blip r:embed="rId4"/>
+          <a:blip r:embed="rId3"/>
           <a:srcRect/>
           <a:stretch>
             <a:fillRect/>
@@ -5490,132 +4575,84 @@
           </a:ln>
         </p:spPr>
       </p:pic>
-      <p:sp>
-        <p:nvSpPr>
-          <p:cNvPr id="34" name="TextBox 33"/>
-          <p:cNvSpPr txBox="1"/>
+      <p:pic>
+        <p:nvPicPr>
+          <p:cNvPr id="8" name="Picture 7"/>
+          <p:cNvPicPr>
+            <a:picLocks noChangeAspect="1"/>
+          </p:cNvPicPr>
           <p:nvPr/>
-        </p:nvSpPr>
+        </p:nvPicPr>
+        <p:blipFill>
+          <a:blip r:embed="rId4"/>
+          <a:stretch>
+            <a:fillRect/>
+          </a:stretch>
+        </p:blipFill>
         <p:spPr>
           <a:xfrm>
-            <a:off x="1219200" y="15474950"/>
-            <a:ext cx="8763000" cy="2852738"/>
+            <a:off x="3733800" y="3809472"/>
+            <a:ext cx="4692648" cy="1173162"/>
+          </a:xfrm>
+          <a:prstGeom prst="rect">
+            <a:avLst/>
+          </a:prstGeom>
+        </p:spPr>
+      </p:pic>
+      <p:pic>
+        <p:nvPicPr>
+          <p:cNvPr id="10" name="Picture 9"/>
+          <p:cNvPicPr>
+            <a:picLocks noChangeAspect="1"/>
+          </p:cNvPicPr>
+          <p:nvPr/>
+        </p:nvPicPr>
+        <p:blipFill>
+          <a:blip r:embed="rId5"/>
+          <a:stretch>
+            <a:fillRect/>
+          </a:stretch>
+        </p:blipFill>
+        <p:spPr>
+          <a:xfrm>
+            <a:off x="25906413" y="3773488"/>
+            <a:ext cx="3733800" cy="2489200"/>
+          </a:xfrm>
+          <a:prstGeom prst="rect">
+            <a:avLst/>
+          </a:prstGeom>
+        </p:spPr>
+      </p:pic>
+      <p:pic>
+        <p:nvPicPr>
+          <p:cNvPr id="7" name="Picture 6"/>
+          <p:cNvPicPr>
+            <a:picLocks noChangeAspect="1"/>
+          </p:cNvPicPr>
+          <p:nvPr/>
+        </p:nvPicPr>
+        <p:blipFill>
+          <a:blip r:embed="rId6"/>
+          <a:stretch>
+            <a:fillRect/>
+          </a:stretch>
+        </p:blipFill>
+        <p:spPr>
+          <a:xfrm>
+            <a:off x="10515599" y="8469042"/>
+            <a:ext cx="19482119" cy="12557059"/>
           </a:xfrm>
           <a:prstGeom prst="rect">
             <a:avLst/>
           </a:prstGeom>
           <a:solidFill>
-            <a:schemeClr val="bg2">
-              <a:lumMod val="20000"/>
-              <a:lumOff val="80000"/>
-              <a:alpha val="50000"/>
-            </a:schemeClr>
+            <a:schemeClr val="bg1"/>
           </a:solidFill>
-          <a:ln>
-            <a:solidFill>
-              <a:schemeClr val="accent3"/>
-            </a:solidFill>
-          </a:ln>
-        </p:spPr>
-        <p:txBody>
-          <a:bodyPr lIns="182880" tIns="182880" rIns="182880" bIns="182880">
-            <a:spAutoFit/>
-          </a:bodyPr>
-          <a:lstStyle/>
-          <a:p>
-            <a:pPr lvl="1" eaLnBrk="0" hangingPunct="0">
-              <a:spcBef>
-                <a:spcPct val="20000"/>
-              </a:spcBef>
-              <a:defRPr/>
-            </a:pPr>
-            <a:r>
-              <a:rPr lang="en-US" sz="2800" dirty="0">
-                <a:latin typeface="Arial" pitchFamily="34" charset="0"/>
-                <a:cs typeface="Arial" pitchFamily="34" charset="0"/>
-              </a:rPr>
-              <a:t>Example of using command line tools:</a:t>
-            </a:r>
-          </a:p>
-          <a:p>
-            <a:pPr lvl="1" eaLnBrk="0" hangingPunct="0">
-              <a:spcBef>
-                <a:spcPct val="20000"/>
-              </a:spcBef>
-              <a:defRPr/>
-            </a:pPr>
-            <a:r>
-              <a:rPr lang="en-US" sz="2800" b="1" dirty="0">
-                <a:latin typeface="Courier New" pitchFamily="49" charset="0"/>
-                <a:cs typeface="Courier New" pitchFamily="49" charset="0"/>
-              </a:rPr>
-              <a:t>rfdir</a:t>
-            </a:r>
-            <a:r>
-              <a:rPr lang="en-US" sz="2800" dirty="0">
-                <a:latin typeface="Courier New" pitchFamily="49" charset="0"/>
-                <a:cs typeface="Courier New" pitchFamily="49" charset="0"/>
-              </a:rPr>
-              <a:t> /castor/cern.ch </a:t>
-            </a:r>
-          </a:p>
-          <a:p>
-            <a:pPr lvl="1" eaLnBrk="0" hangingPunct="0">
-              <a:spcBef>
-                <a:spcPct val="20000"/>
-              </a:spcBef>
-              <a:defRPr/>
-            </a:pPr>
-            <a:r>
-              <a:rPr lang="en-US" sz="2800" dirty="0">
-                <a:latin typeface="Arial" pitchFamily="34" charset="0"/>
-                <a:cs typeface="Arial" pitchFamily="34" charset="0"/>
-              </a:rPr>
-              <a:t> - List  directory contents</a:t>
-            </a:r>
-          </a:p>
-          <a:p>
-            <a:pPr lvl="1" eaLnBrk="0" hangingPunct="0">
-              <a:spcBef>
-                <a:spcPct val="20000"/>
-              </a:spcBef>
-              <a:defRPr/>
-            </a:pPr>
-            <a:r>
-              <a:rPr lang="en-US" sz="2800" b="1" dirty="0">
-                <a:latin typeface="Courier New" pitchFamily="49" charset="0"/>
-                <a:cs typeface="Courier New" pitchFamily="49" charset="0"/>
-              </a:rPr>
-              <a:t>rfcp</a:t>
-            </a:r>
-            <a:r>
-              <a:rPr lang="en-US" sz="2800" dirty="0">
-                <a:latin typeface="Courier New" pitchFamily="49" charset="0"/>
-                <a:cs typeface="Courier New" pitchFamily="49" charset="0"/>
-              </a:rPr>
-              <a:t>  /castor/path/to/file /tmp</a:t>
-            </a:r>
-          </a:p>
-          <a:p>
-            <a:pPr lvl="1" eaLnBrk="0" hangingPunct="0">
-              <a:spcBef>
-                <a:spcPct val="20000"/>
-              </a:spcBef>
-              <a:defRPr/>
-            </a:pPr>
-            <a:r>
-              <a:rPr lang="en-US" sz="2800" dirty="0">
-                <a:latin typeface="Arial" pitchFamily="34" charset="0"/>
-                <a:cs typeface="Arial" pitchFamily="34" charset="0"/>
-              </a:rPr>
-              <a:t> - Copy files from CASTOR to local filesystem</a:t>
-            </a:r>
-          </a:p>
-        </p:txBody>
-      </p:sp>
-      <p:sp>
-        <p:nvSpPr>
-          <p:cNvPr id="2066" name="Text Box 7"/>
+        </p:spPr>
+      </p:pic>
+      <p:sp>
+        <p:nvSpPr>
+          <p:cNvPr id="96" name="Text Box 7"/>
           <p:cNvSpPr txBox="1">
             <a:spLocks noChangeArrowheads="1"/>
           </p:cNvSpPr>
@@ -5623,8 +4660,8 @@
         </p:nvSpPr>
         <p:spPr bwMode="auto">
           <a:xfrm>
-            <a:off x="1143000" y="18721388"/>
-            <a:ext cx="8991600" cy="1482725"/>
+            <a:off x="1143000" y="6972300"/>
+            <a:ext cx="8991600" cy="1497013"/>
           </a:xfrm>
           <a:prstGeom prst="rect">
             <a:avLst/>
@@ -5651,343 +4688,341 @@
               </a:spcBef>
             </a:pPr>
             <a:r>
-              <a:rPr lang="en-US" sz="5000" b="1">
+              <a:rPr lang="en-US" sz="5000" b="1" dirty="0">
                 <a:solidFill>
                   <a:schemeClr val="bg1"/>
                 </a:solidFill>
                 <a:latin typeface="Arial" charset="0"/>
               </a:rPr>
-              <a:t>2. CASTOR filesystem</a:t>
-            </a:r>
-          </a:p>
-        </p:txBody>
-      </p:sp>
-      <p:sp>
-        <p:nvSpPr>
-          <p:cNvPr id="2067" name="Text Box 5"/>
-          <p:cNvSpPr txBox="1">
-            <a:spLocks noChangeArrowheads="1"/>
-          </p:cNvSpPr>
-          <p:nvPr/>
-        </p:nvSpPr>
-        <p:spPr bwMode="auto">
-          <a:xfrm>
-            <a:off x="1143000" y="20169188"/>
-            <a:ext cx="8920163" cy="2921000"/>
-          </a:xfrm>
-          <a:prstGeom prst="rect">
-            <a:avLst/>
-          </a:prstGeom>
-          <a:noFill/>
-          <a:ln w="9525">
-            <a:noFill/>
-            <a:miter lim="800000"/>
-            <a:headEnd/>
-            <a:tailEnd/>
-          </a:ln>
-        </p:spPr>
-        <p:txBody>
-          <a:bodyPr lIns="180000" tIns="180000" rIns="180000" bIns="180000">
-            <a:spAutoFit/>
-          </a:bodyPr>
-          <a:lstStyle/>
-          <a:p>
-            <a:pPr lvl="1" eaLnBrk="0" hangingPunct="0">
-              <a:spcBef>
-                <a:spcPct val="20000"/>
-              </a:spcBef>
-            </a:pPr>
-            <a:r>
-              <a:rPr lang="en-US" sz="2800" dirty="0">
+              <a:t>1. </a:t>
+            </a:r>
+            <a:r>
+              <a:rPr lang="en-US" sz="5000" b="1" dirty="0" smtClean="0">
+                <a:solidFill>
+                  <a:schemeClr val="bg1"/>
+                </a:solidFill>
                 <a:latin typeface="Arial" charset="0"/>
               </a:rPr>
-              <a:t>CASTOR </a:t>
-            </a:r>
-            <a:r>
-              <a:rPr lang="en-US" sz="2800" dirty="0" smtClean="0">
-                <a:latin typeface="Arial" charset="0"/>
-              </a:rPr>
-              <a:t>logically presents files in </a:t>
-            </a:r>
-            <a:r>
-              <a:rPr lang="en-US" sz="2800" dirty="0">
-                <a:latin typeface="Arial" charset="0"/>
-              </a:rPr>
-              <a:t>a UNIX </a:t>
-            </a:r>
-            <a:r>
-              <a:rPr lang="en-US" sz="2800" dirty="0" smtClean="0">
-                <a:latin typeface="Arial" charset="0"/>
-              </a:rPr>
-              <a:t>like directory </a:t>
-            </a:r>
-            <a:r>
-              <a:rPr lang="en-US" sz="2800" dirty="0">
-                <a:latin typeface="Arial" charset="0"/>
-              </a:rPr>
-              <a:t>hierarchy of file </a:t>
-            </a:r>
-            <a:r>
-              <a:rPr lang="en-US" sz="2800" dirty="0" smtClean="0">
-                <a:latin typeface="Arial" charset="0"/>
-              </a:rPr>
-              <a:t>names. </a:t>
-            </a:r>
-            <a:r>
-              <a:rPr lang="en-US" sz="2800" dirty="0">
-                <a:latin typeface="Arial" charset="0"/>
-              </a:rPr>
-              <a:t> </a:t>
-            </a:r>
-            <a:r>
-              <a:rPr lang="en-US" sz="2800" dirty="0" smtClean="0">
-                <a:latin typeface="Arial" charset="0"/>
-              </a:rPr>
-              <a:t>This suggests  </a:t>
-            </a:r>
-            <a:r>
-              <a:rPr lang="en-US" sz="2800" dirty="0">
-                <a:latin typeface="Arial" charset="0"/>
-              </a:rPr>
-              <a:t>to implement a new </a:t>
-            </a:r>
-            <a:r>
-              <a:rPr lang="en-US" sz="2800" dirty="0" err="1">
-                <a:latin typeface="Arial" charset="0"/>
-              </a:rPr>
-              <a:t>filesystem</a:t>
-            </a:r>
-            <a:r>
-              <a:rPr lang="en-US" sz="2800" dirty="0">
-                <a:latin typeface="Arial" charset="0"/>
-              </a:rPr>
-              <a:t> capable of operating on files stored </a:t>
-            </a:r>
-            <a:r>
-              <a:rPr lang="en-US" sz="2800" dirty="0" smtClean="0">
-                <a:latin typeface="Arial" charset="0"/>
-              </a:rPr>
-              <a:t>on </a:t>
-            </a:r>
-            <a:r>
-              <a:rPr lang="en-US" sz="2800" dirty="0">
-                <a:latin typeface="Arial" charset="0"/>
-              </a:rPr>
-              <a:t>CASTOR using standard Unix operation system calls and commands like open, read, cp, </a:t>
-            </a:r>
-            <a:r>
-              <a:rPr lang="en-US" sz="2800" dirty="0" err="1">
-                <a:latin typeface="Arial" charset="0"/>
-              </a:rPr>
-              <a:t>rm</a:t>
-            </a:r>
-            <a:r>
-              <a:rPr lang="en-US" sz="2800" dirty="0">
-                <a:latin typeface="Arial" charset="0"/>
-              </a:rPr>
-              <a:t>, </a:t>
-            </a:r>
-            <a:r>
-              <a:rPr lang="en-US" sz="2800" dirty="0" err="1">
-                <a:latin typeface="Arial" charset="0"/>
-              </a:rPr>
-              <a:t>mkdir</a:t>
-            </a:r>
-            <a:r>
-              <a:rPr lang="en-US" sz="2800" dirty="0">
-                <a:latin typeface="Arial" charset="0"/>
-              </a:rPr>
-              <a:t>, </a:t>
-            </a:r>
-            <a:r>
-              <a:rPr lang="en-US" sz="2800" dirty="0" err="1">
-                <a:latin typeface="Arial" charset="0"/>
-              </a:rPr>
-              <a:t>ls</a:t>
-            </a:r>
-            <a:r>
-              <a:rPr lang="en-US" sz="2800" dirty="0">
-                <a:latin typeface="Arial" charset="0"/>
-              </a:rPr>
-              <a:t>, </a:t>
-            </a:r>
-            <a:r>
-              <a:rPr lang="en-US" sz="2800" dirty="0" smtClean="0">
-                <a:latin typeface="Arial" charset="0"/>
-              </a:rPr>
-              <a:t>cat and find.</a:t>
-            </a:r>
-            <a:endParaRPr lang="en-US" sz="2800" dirty="0">
+              <a:t>LHCbPR</a:t>
+            </a:r>
+            <a:endParaRPr lang="en-US" sz="5000" b="1" dirty="0">
+              <a:solidFill>
+                <a:schemeClr val="bg1"/>
+              </a:solidFill>
               <a:latin typeface="Arial" charset="0"/>
             </a:endParaRPr>
           </a:p>
         </p:txBody>
       </p:sp>
-      <p:pic>
-        <p:nvPicPr>
-          <p:cNvPr id="2068" name="Picture 89" descr="j0078732[1]"/>
-          <p:cNvPicPr>
-            <a:picLocks noChangeAspect="1" noChangeArrowheads="1"/>
-          </p:cNvPicPr>
-          <p:nvPr/>
-        </p:nvPicPr>
-        <p:blipFill>
-          <a:blip r:embed="rId5"/>
-          <a:srcRect/>
-          <a:stretch>
-            <a:fillRect/>
-          </a:stretch>
-        </p:blipFill>
-        <p:spPr bwMode="auto">
-          <a:xfrm>
-            <a:off x="1900238" y="23674388"/>
-            <a:ext cx="1376362" cy="1966912"/>
-          </a:xfrm>
-          <a:prstGeom prst="rect">
-            <a:avLst/>
-          </a:prstGeom>
-          <a:noFill/>
-          <a:ln w="9525">
-            <a:noFill/>
-            <a:miter lim="800000"/>
-            <a:headEnd/>
-            <a:tailEnd/>
-          </a:ln>
-        </p:spPr>
-      </p:pic>
-      <p:sp>
-        <p:nvSpPr>
-          <p:cNvPr id="41" name="Rectangle 40"/>
-          <p:cNvSpPr/>
+      <p:sp>
+        <p:nvSpPr>
+          <p:cNvPr id="12" name="TextBox 11"/>
+          <p:cNvSpPr txBox="1"/>
           <p:nvPr/>
         </p:nvSpPr>
         <p:spPr>
           <a:xfrm>
-            <a:off x="3733800" y="23220363"/>
-            <a:ext cx="5791200" cy="4938712"/>
+            <a:off x="1143000" y="8455775"/>
+            <a:ext cx="8991600" cy="12588061"/>
           </a:xfrm>
           <a:prstGeom prst="rect">
             <a:avLst/>
           </a:prstGeom>
           <a:solidFill>
-            <a:schemeClr val="accent1">
-              <a:lumMod val="20000"/>
-              <a:lumOff val="80000"/>
-              <a:alpha val="50000"/>
-            </a:schemeClr>
+            <a:schemeClr val="bg1"/>
           </a:solidFill>
-          <a:ln>
-            <a:solidFill>
-              <a:schemeClr val="accent3"/>
-            </a:solidFill>
-          </a:ln>
-        </p:spPr>
-        <p:txBody>
-          <a:bodyPr lIns="457200" tIns="457200" rIns="457200" bIns="457200">
+        </p:spPr>
+        <p:txBody>
+          <a:bodyPr wrap="square" rtlCol="0">
             <a:spAutoFit/>
           </a:bodyPr>
           <a:lstStyle/>
           <a:p>
-            <a:pPr eaLnBrk="0" hangingPunct="0">
-              <a:spcBef>
-                <a:spcPct val="20000"/>
-              </a:spcBef>
+            <a:r>
+              <a:rPr lang="en-US" sz="2800" b="1" dirty="0" smtClean="0">
+                <a:latin typeface="+mn-lt"/>
+              </a:rPr>
+              <a:t>LHCb</a:t>
+            </a:r>
+            <a:r>
+              <a:rPr lang="en-US" sz="2800" dirty="0" smtClean="0">
+                <a:latin typeface="+mn-lt"/>
+              </a:rPr>
+              <a:t> </a:t>
+            </a:r>
+            <a:r>
+              <a:rPr lang="en-US" sz="2800" b="1" dirty="0" smtClean="0">
+                <a:latin typeface="+mn-lt"/>
+              </a:rPr>
+              <a:t>P</a:t>
+            </a:r>
+            <a:r>
+              <a:rPr lang="en-US" sz="2800" dirty="0" smtClean="0">
+                <a:latin typeface="+mn-lt"/>
+              </a:rPr>
+              <a:t>erformance and </a:t>
+            </a:r>
+            <a:r>
+              <a:rPr lang="en-US" sz="2800" b="1" dirty="0" smtClean="0">
+                <a:latin typeface="+mn-lt"/>
+              </a:rPr>
+              <a:t>R</a:t>
+            </a:r>
+            <a:r>
+              <a:rPr lang="en-US" sz="2800" dirty="0" smtClean="0">
+                <a:latin typeface="+mn-lt"/>
+              </a:rPr>
+              <a:t>egression Tests (LHCbPR) -  systematize </a:t>
+            </a:r>
+            <a:r>
+              <a:rPr lang="en-US" sz="2800" dirty="0">
+                <a:latin typeface="+mn-lt"/>
+              </a:rPr>
+              <a:t>profiling </a:t>
+            </a:r>
+            <a:r>
+              <a:rPr lang="en-US" sz="2800" dirty="0" smtClean="0">
+                <a:latin typeface="+mn-lt"/>
+              </a:rPr>
+              <a:t>that helps </a:t>
+            </a:r>
+            <a:r>
+              <a:rPr lang="en-US" sz="2800" dirty="0">
+                <a:latin typeface="+mn-lt"/>
+              </a:rPr>
+              <a:t>developers to evaluate how their recent </a:t>
+            </a:r>
+            <a:r>
+              <a:rPr lang="en-US" sz="2800" b="1" dirty="0" smtClean="0">
+                <a:latin typeface="+mn-lt"/>
+              </a:rPr>
+              <a:t>code changes </a:t>
+            </a:r>
+            <a:r>
+              <a:rPr lang="en-US" sz="2800" dirty="0">
+                <a:latin typeface="+mn-lt"/>
+              </a:rPr>
+              <a:t>behave in </a:t>
+            </a:r>
+            <a:r>
+              <a:rPr lang="en-US" sz="2800" dirty="0" smtClean="0">
+                <a:latin typeface="+mn-lt"/>
+              </a:rPr>
+              <a:t>provided test cases for </a:t>
+            </a:r>
+            <a:r>
+              <a:rPr lang="en-US" sz="2800" b="1" dirty="0" smtClean="0">
+                <a:latin typeface="+mn-lt"/>
+              </a:rPr>
+              <a:t>different setup environments</a:t>
+            </a:r>
+            <a:r>
+              <a:rPr lang="en-US" sz="2800" dirty="0" smtClean="0">
+                <a:latin typeface="+mn-lt"/>
+              </a:rPr>
+              <a:t>.</a:t>
+            </a:r>
+          </a:p>
+          <a:p>
+            <a:endParaRPr lang="en-US" sz="2800" dirty="0">
+              <a:latin typeface="+mn-lt"/>
+            </a:endParaRPr>
+          </a:p>
+          <a:p>
+            <a:r>
+              <a:rPr lang="en-US" sz="2800" b="1" dirty="0" smtClean="0">
+                <a:latin typeface="+mn-lt"/>
+              </a:rPr>
+              <a:t>Main use cases</a:t>
+            </a:r>
+          </a:p>
+          <a:p>
+            <a:pPr marL="457200" indent="-457200">
+              <a:buFont typeface="Arial" charset="0"/>
+              <a:buChar char="•"/>
             </a:pPr>
             <a:r>
               <a:rPr lang="en-US" sz="2800" dirty="0">
-                <a:latin typeface="Arial" charset="0"/>
-              </a:rPr>
-              <a:t>We have implemented a complete POSIX </a:t>
-            </a:r>
-            <a:r>
-              <a:rPr lang="en-US" sz="2800" dirty="0" err="1">
-                <a:latin typeface="Arial" charset="0"/>
-              </a:rPr>
-              <a:t>filesystem</a:t>
-            </a:r>
+                <a:latin typeface="+mn-lt"/>
+              </a:rPr>
+              <a:t>Monitor regression in memory and CPU consumption</a:t>
+            </a:r>
+          </a:p>
+          <a:p>
+            <a:pPr marL="457200" indent="-457200">
+              <a:buFont typeface="Arial" charset="0"/>
+              <a:buChar char="•"/>
+            </a:pPr>
             <a:r>
               <a:rPr lang="en-US" sz="2800" dirty="0">
-                <a:latin typeface="Arial" charset="0"/>
-              </a:rPr>
-              <a:t> to access CASTOR using </a:t>
-            </a:r>
-            <a:r>
-              <a:rPr lang="en-US" sz="2800" b="1" dirty="0">
-                <a:latin typeface="Arial" charset="0"/>
-              </a:rPr>
-              <a:t>FUSE</a:t>
-            </a:r>
+                <a:latin typeface="+mn-lt"/>
+              </a:rPr>
+              <a:t>Histogram comparison</a:t>
+            </a:r>
+          </a:p>
+          <a:p>
+            <a:pPr marL="457200" indent="-457200">
+              <a:buFont typeface="Arial" charset="0"/>
+              <a:buChar char="•"/>
+            </a:pPr>
             <a:r>
               <a:rPr lang="en-US" sz="2800" dirty="0">
-                <a:latin typeface="Arial" charset="0"/>
-              </a:rPr>
-              <a:t> (</a:t>
-            </a:r>
-            <a:r>
-              <a:rPr lang="en-US" sz="2800" dirty="0" err="1">
-                <a:latin typeface="Arial" charset="0"/>
-              </a:rPr>
-              <a:t>Filesystem</a:t>
-            </a:r>
-            <a:r>
-              <a:rPr lang="en-US" sz="2800" dirty="0">
-                <a:latin typeface="Arial" charset="0"/>
-              </a:rPr>
-              <a:t> in </a:t>
-            </a:r>
-            <a:r>
-              <a:rPr lang="en-US" sz="2800" dirty="0" err="1">
-                <a:latin typeface="Arial" charset="0"/>
-              </a:rPr>
-              <a:t>Userspace</a:t>
-            </a:r>
-            <a:r>
-              <a:rPr lang="en-US" sz="2800" dirty="0">
-                <a:latin typeface="Arial" charset="0"/>
-              </a:rPr>
-              <a:t>) and have successfully tested and used this on SLC4 and SLC5 (both in 32 and 64 bit). </a:t>
-            </a:r>
-          </a:p>
-          <a:p>
-            <a:pPr eaLnBrk="0" hangingPunct="0">
-              <a:spcBef>
-                <a:spcPct val="20000"/>
-              </a:spcBef>
+                <a:latin typeface="+mn-lt"/>
+              </a:rPr>
+              <a:t>Trend analysis </a:t>
+            </a:r>
+            <a:r>
+              <a:rPr lang="en-US" sz="2800" dirty="0" smtClean="0">
+                <a:latin typeface="+mn-lt"/>
+              </a:rPr>
+              <a:t>for selected attribute.</a:t>
+            </a:r>
+            <a:endParaRPr lang="en-US" sz="2800" dirty="0">
+              <a:latin typeface="+mn-lt"/>
+            </a:endParaRPr>
+          </a:p>
+          <a:p>
+            <a:endParaRPr lang="en-US" sz="2800" dirty="0" smtClean="0">
+              <a:latin typeface="+mn-lt"/>
+            </a:endParaRPr>
+          </a:p>
+          <a:p>
+            <a:r>
+              <a:rPr lang="en-US" sz="2800" b="1" dirty="0" smtClean="0">
+                <a:latin typeface="+mn-lt"/>
+              </a:rPr>
+              <a:t>Possible setup environments</a:t>
+            </a:r>
+          </a:p>
+          <a:p>
+            <a:pPr marL="457200" indent="-457200">
+              <a:buFont typeface="Arial" charset="0"/>
+              <a:buChar char="•"/>
+            </a:pPr>
+            <a:r>
+              <a:rPr lang="en-US" sz="2800" dirty="0" smtClean="0">
+                <a:latin typeface="+mn-lt"/>
+              </a:rPr>
+              <a:t>Versions of application</a:t>
+            </a:r>
+          </a:p>
+          <a:p>
+            <a:pPr marL="457200" indent="-457200">
+              <a:buFont typeface="Arial" charset="0"/>
+              <a:buChar char="•"/>
+            </a:pPr>
+            <a:r>
+              <a:rPr lang="en-US" sz="2800" dirty="0" smtClean="0">
+                <a:latin typeface="+mn-lt"/>
+              </a:rPr>
+              <a:t>Operating Systems (SLC6, CentOS7)</a:t>
+            </a:r>
+          </a:p>
+          <a:p>
+            <a:pPr marL="457200" indent="-457200">
+              <a:buFont typeface="Arial" charset="0"/>
+              <a:buChar char="•"/>
+            </a:pPr>
+            <a:r>
+              <a:rPr lang="en-US" sz="2800" dirty="0" smtClean="0">
+                <a:latin typeface="+mn-lt"/>
+              </a:rPr>
+              <a:t>Architecture (x86_64, x86)</a:t>
+            </a:r>
+          </a:p>
+          <a:p>
+            <a:pPr marL="457200" indent="-457200">
+              <a:buFont typeface="Arial" charset="0"/>
+              <a:buChar char="•"/>
+            </a:pPr>
+            <a:r>
+              <a:rPr lang="en-US" sz="2800" dirty="0" smtClean="0">
+                <a:latin typeface="+mn-lt"/>
+              </a:rPr>
+              <a:t>Build system (CMT or CMake)</a:t>
+            </a:r>
+          </a:p>
+          <a:p>
+            <a:pPr marL="457200" indent="-457200">
+              <a:buFont typeface="Arial" charset="0"/>
+              <a:buChar char="•"/>
+            </a:pPr>
+            <a:endParaRPr lang="en-US" sz="2800" dirty="0" smtClean="0">
+              <a:latin typeface="+mn-lt"/>
+            </a:endParaRPr>
+          </a:p>
+          <a:p>
+            <a:pPr marL="457200" indent="-457200">
+              <a:buFont typeface="Arial" charset="0"/>
+              <a:buChar char="•"/>
             </a:pPr>
             <a:endParaRPr lang="en-US" sz="2800" dirty="0">
-              <a:latin typeface="Arial" charset="0"/>
+              <a:latin typeface="+mn-lt"/>
             </a:endParaRPr>
           </a:p>
           <a:p>
-            <a:pPr eaLnBrk="0" hangingPunct="0">
-              <a:spcBef>
-                <a:spcPct val="20000"/>
-              </a:spcBef>
-            </a:pPr>
-            <a:r>
-              <a:rPr lang="en-US" sz="2800" dirty="0">
-                <a:latin typeface="Arial" charset="0"/>
-              </a:rPr>
-              <a:t>We call it </a:t>
-            </a:r>
-            <a:r>
-              <a:rPr lang="en-US" sz="2800" b="1" dirty="0">
-                <a:latin typeface="Arial" charset="0"/>
-              </a:rPr>
-              <a:t>CASTORFS</a:t>
-            </a:r>
-            <a:r>
-              <a:rPr lang="en-US" sz="2800" dirty="0">
-                <a:latin typeface="Arial" charset="0"/>
-              </a:rPr>
-              <a:t>.</a:t>
-            </a:r>
-          </a:p>
-        </p:txBody>
-      </p:sp>
-      <p:sp>
-        <p:nvSpPr>
-          <p:cNvPr id="2070" name="Text Box 7"/>
+            <a:r>
+              <a:rPr lang="en-US" sz="2800" b="1" dirty="0" smtClean="0">
+                <a:latin typeface="+mn-lt"/>
+              </a:rPr>
+              <a:t>Example of regression tests matrix</a:t>
+            </a:r>
+          </a:p>
+          <a:p>
+            <a:endParaRPr lang="en-US" sz="2800" dirty="0">
+              <a:latin typeface="+mn-lt"/>
+            </a:endParaRPr>
+          </a:p>
+          <a:p>
+            <a:endParaRPr lang="en-US" sz="2800" dirty="0" smtClean="0">
+              <a:latin typeface="+mn-lt"/>
+            </a:endParaRPr>
+          </a:p>
+          <a:p>
+            <a:endParaRPr lang="en-US" sz="2800" dirty="0">
+              <a:latin typeface="+mn-lt"/>
+            </a:endParaRPr>
+          </a:p>
+          <a:p>
+            <a:endParaRPr lang="en-US" sz="2800" dirty="0" smtClean="0">
+              <a:latin typeface="+mn-lt"/>
+            </a:endParaRPr>
+          </a:p>
+          <a:p>
+            <a:endParaRPr lang="en-US" sz="2800" dirty="0">
+              <a:latin typeface="+mn-lt"/>
+            </a:endParaRPr>
+          </a:p>
+          <a:p>
+            <a:endParaRPr lang="en-US" sz="2800" dirty="0" smtClean="0">
+              <a:latin typeface="+mn-lt"/>
+            </a:endParaRPr>
+          </a:p>
+          <a:p>
+            <a:endParaRPr lang="en-US" sz="2800" dirty="0">
+              <a:latin typeface="+mn-lt"/>
+            </a:endParaRPr>
+          </a:p>
+          <a:p>
+            <a:endParaRPr lang="en-US" sz="2800" dirty="0" smtClean="0">
+              <a:latin typeface="+mn-lt"/>
+            </a:endParaRPr>
+          </a:p>
+          <a:p>
+            <a:endParaRPr lang="en-US" sz="2800" dirty="0">
+              <a:latin typeface="+mn-lt"/>
+            </a:endParaRPr>
+          </a:p>
+          <a:p>
+            <a:endParaRPr lang="en-US" sz="2800" dirty="0" smtClean="0">
+              <a:latin typeface="+mn-lt"/>
+            </a:endParaRPr>
+          </a:p>
+        </p:txBody>
+      </p:sp>
+      <p:sp>
+        <p:nvSpPr>
+          <p:cNvPr id="98" name="Text Box 7"/>
           <p:cNvSpPr txBox="1">
             <a:spLocks noChangeArrowheads="1"/>
           </p:cNvSpPr>
@@ -5995,8 +5030,8 @@
         </p:nvSpPr>
         <p:spPr bwMode="auto">
           <a:xfrm>
-            <a:off x="1143000" y="28830588"/>
-            <a:ext cx="8991600" cy="1497012"/>
+            <a:off x="1095375" y="21387596"/>
+            <a:ext cx="8991600" cy="1496473"/>
           </a:xfrm>
           <a:prstGeom prst="rect">
             <a:avLst/>
@@ -6023,732 +5058,724 @@
               </a:spcBef>
             </a:pPr>
             <a:r>
-              <a:rPr lang="en-US" sz="5000" b="1">
+              <a:rPr lang="en-US" sz="5000" b="1" dirty="0">
                 <a:solidFill>
                   <a:schemeClr val="bg1"/>
                 </a:solidFill>
                 <a:latin typeface="Arial" charset="0"/>
               </a:rPr>
-              <a:t>3. Implementation</a:t>
-            </a:r>
-          </a:p>
-        </p:txBody>
-      </p:sp>
-      <p:sp>
-        <p:nvSpPr>
-          <p:cNvPr id="2071" name="Text Box 5"/>
-          <p:cNvSpPr txBox="1">
-            <a:spLocks noChangeArrowheads="1"/>
-          </p:cNvSpPr>
-          <p:nvPr/>
-        </p:nvSpPr>
-        <p:spPr bwMode="auto">
-          <a:xfrm>
-            <a:off x="1143000" y="30327600"/>
-            <a:ext cx="8920163" cy="2493963"/>
-          </a:xfrm>
-          <a:prstGeom prst="rect">
-            <a:avLst/>
-          </a:prstGeom>
-          <a:noFill/>
-          <a:ln w="9525">
-            <a:noFill/>
-            <a:miter lim="800000"/>
-            <a:headEnd/>
-            <a:tailEnd/>
-          </a:ln>
-        </p:spPr>
-        <p:txBody>
-          <a:bodyPr lIns="180000" tIns="180000" rIns="180000" bIns="180000">
-            <a:spAutoFit/>
-          </a:bodyPr>
-          <a:lstStyle/>
-          <a:p>
-            <a:pPr eaLnBrk="0" hangingPunct="0">
-              <a:spcBef>
-                <a:spcPct val="20000"/>
-              </a:spcBef>
-            </a:pPr>
-            <a:r>
-              <a:rPr lang="en-US" sz="2800" dirty="0" smtClean="0">
+              <a:t>3</a:t>
+            </a:r>
+            <a:r>
+              <a:rPr lang="en-US" sz="5000" b="1" dirty="0" smtClean="0">
+                <a:solidFill>
+                  <a:schemeClr val="bg1"/>
+                </a:solidFill>
                 <a:latin typeface="Arial" charset="0"/>
-                <a:cs typeface="Arial" charset="0"/>
-              </a:rPr>
-              <a:t>The FUSE </a:t>
-            </a:r>
-            <a:r>
-              <a:rPr lang="en-US" sz="2800" dirty="0">
-                <a:latin typeface="Arial" charset="0"/>
-                <a:cs typeface="Arial" charset="0"/>
-              </a:rPr>
-              <a:t>library is the main component of </a:t>
-            </a:r>
-            <a:r>
-              <a:rPr lang="en-US" sz="2800" b="1" dirty="0">
-                <a:latin typeface="Arial" charset="0"/>
-                <a:cs typeface="Arial" charset="0"/>
-              </a:rPr>
-              <a:t>CASTORFS</a:t>
-            </a:r>
-            <a:r>
-              <a:rPr lang="en-US" sz="2800" dirty="0">
-                <a:latin typeface="Arial" charset="0"/>
-                <a:cs typeface="Arial" charset="0"/>
-              </a:rPr>
-              <a:t>. Using it with </a:t>
-            </a:r>
-            <a:r>
-              <a:rPr lang="en-US" sz="2800" dirty="0" smtClean="0">
-                <a:latin typeface="Arial" charset="0"/>
-                <a:cs typeface="Arial" charset="0"/>
-              </a:rPr>
-              <a:t>the CASTOR </a:t>
-            </a:r>
-            <a:r>
-              <a:rPr lang="en-US" sz="2800" b="1" dirty="0">
-                <a:latin typeface="Arial" charset="0"/>
-                <a:cs typeface="Arial" charset="0"/>
-              </a:rPr>
-              <a:t>RFIO</a:t>
-            </a:r>
-            <a:r>
-              <a:rPr lang="en-US" sz="2800" dirty="0">
-                <a:latin typeface="Arial" charset="0"/>
-                <a:cs typeface="Arial" charset="0"/>
-              </a:rPr>
-              <a:t> (Remote File I/O) and CASTOR </a:t>
-            </a:r>
-            <a:r>
-              <a:rPr lang="en-US" sz="2800" b="1" dirty="0">
-                <a:latin typeface="Arial" charset="0"/>
-                <a:cs typeface="Arial" charset="0"/>
-              </a:rPr>
-              <a:t>NS</a:t>
-            </a:r>
-            <a:r>
-              <a:rPr lang="en-US" sz="2800" dirty="0">
-                <a:latin typeface="Arial" charset="0"/>
-                <a:cs typeface="Arial" charset="0"/>
-              </a:rPr>
-              <a:t> (Name Server) libraries allows </a:t>
-            </a:r>
-            <a:r>
-              <a:rPr lang="en-US" sz="2800" dirty="0" smtClean="0">
-                <a:latin typeface="Arial" charset="0"/>
-                <a:cs typeface="Arial" charset="0"/>
-              </a:rPr>
-              <a:t>implementing a </a:t>
-            </a:r>
-            <a:r>
-              <a:rPr lang="en-US" sz="2800" dirty="0">
-                <a:latin typeface="Arial" charset="0"/>
-                <a:cs typeface="Arial" charset="0"/>
-              </a:rPr>
-              <a:t>fully functional </a:t>
-            </a:r>
-            <a:r>
-              <a:rPr lang="en-US" sz="2800" dirty="0" err="1">
-                <a:latin typeface="Arial" charset="0"/>
-                <a:cs typeface="Arial" charset="0"/>
-              </a:rPr>
-              <a:t>filesystem</a:t>
-            </a:r>
-            <a:r>
-              <a:rPr lang="en-US" sz="2800" dirty="0">
-                <a:latin typeface="Arial" charset="0"/>
-                <a:cs typeface="Arial" charset="0"/>
-              </a:rPr>
-              <a:t> in a </a:t>
-            </a:r>
-            <a:r>
-              <a:rPr lang="en-US" sz="2800" dirty="0" err="1">
-                <a:latin typeface="Arial" charset="0"/>
-                <a:cs typeface="Arial" charset="0"/>
-              </a:rPr>
-              <a:t>userspace</a:t>
-            </a:r>
-            <a:r>
-              <a:rPr lang="en-US" sz="2800" dirty="0">
-                <a:latin typeface="Arial" charset="0"/>
-                <a:cs typeface="Arial" charset="0"/>
-              </a:rPr>
-              <a:t> program.</a:t>
-            </a:r>
-          </a:p>
-        </p:txBody>
-      </p:sp>
-      <p:sp>
-        <p:nvSpPr>
-          <p:cNvPr id="54" name="Rectangle 53"/>
-          <p:cNvSpPr/>
+              </a:rPr>
+              <a:t>. Components </a:t>
+            </a:r>
+            <a:endParaRPr lang="en-US" sz="5000" b="1" dirty="0">
+              <a:solidFill>
+                <a:schemeClr val="bg1"/>
+              </a:solidFill>
+              <a:latin typeface="Arial" charset="0"/>
+            </a:endParaRPr>
+          </a:p>
+        </p:txBody>
+      </p:sp>
+      <p:graphicFrame>
+        <p:nvGraphicFramePr>
+          <p:cNvPr id="13" name="Table 12"/>
+          <p:cNvGraphicFramePr>
+            <a:graphicFrameLocks noGrp="1"/>
+          </p:cNvGraphicFramePr>
+          <p:nvPr>
+            <p:extLst>
+              <p:ext uri="{D42A27DB-BD31-4B8C-83A1-F6EECF244321}">
+                <p14:modId xmlns:p14="http://schemas.microsoft.com/office/powerpoint/2010/main" val="1202186306"/>
+              </p:ext>
+            </p:extLst>
+          </p:nvPr>
+        </p:nvGraphicFramePr>
+        <p:xfrm>
+          <a:off x="1371600" y="16948730"/>
+          <a:ext cx="8534400" cy="3627120"/>
+        </p:xfrm>
+        <a:graphic>
+          <a:graphicData uri="http://schemas.openxmlformats.org/drawingml/2006/table">
+            <a:tbl>
+              <a:tblPr firstRow="1" bandRow="1">
+                <a:tableStyleId>{21E4AEA4-8DFA-4A89-87EB-49C32662AFE0}</a:tableStyleId>
+              </a:tblPr>
+              <a:tblGrid>
+                <a:gridCol w="3429000"/>
+                <a:gridCol w="2429750"/>
+                <a:gridCol w="2675650"/>
+              </a:tblGrid>
+              <a:tr h="370840">
+                <a:tc>
+                  <a:txBody>
+                    <a:bodyPr/>
+                    <a:lstStyle/>
+                    <a:p>
+                      <a:endParaRPr lang="en-US" sz="2800" dirty="0"/>
+                    </a:p>
+                  </a:txBody>
+                  <a:tcPr/>
+                </a:tc>
+                <a:tc>
+                  <a:txBody>
+                    <a:bodyPr/>
+                    <a:lstStyle/>
+                    <a:p>
+                      <a:pPr algn="ctr"/>
+                      <a:r>
+                        <a:rPr lang="en-US" sz="2800" dirty="0" smtClean="0"/>
+                        <a:t>Geant</a:t>
+                      </a:r>
+                      <a:r>
+                        <a:rPr lang="en-US" sz="2800" baseline="0" dirty="0" smtClean="0"/>
+                        <a:t> v96r4</a:t>
+                      </a:r>
+                      <a:endParaRPr lang="en-US" sz="2800" dirty="0"/>
+                    </a:p>
+                  </a:txBody>
+                  <a:tcPr/>
+                </a:tc>
+                <a:tc>
+                  <a:txBody>
+                    <a:bodyPr/>
+                    <a:lstStyle/>
+                    <a:p>
+                      <a:pPr algn="ctr"/>
+                      <a:r>
+                        <a:rPr lang="en-US" sz="2800" dirty="0" smtClean="0"/>
+                        <a:t>Geant v10r2</a:t>
+                      </a:r>
+                      <a:endParaRPr lang="en-US" sz="2800" dirty="0"/>
+                    </a:p>
+                  </a:txBody>
+                  <a:tcPr/>
+                </a:tc>
+              </a:tr>
+              <a:tr h="370840">
+                <a:tc>
+                  <a:txBody>
+                    <a:bodyPr/>
+                    <a:lstStyle/>
+                    <a:p>
+                      <a:pPr algn="r"/>
+                      <a:r>
+                        <a:rPr lang="en-US" sz="2800" dirty="0" smtClean="0"/>
+                        <a:t>CMT</a:t>
+                      </a:r>
+                      <a:endParaRPr lang="en-US" sz="2800" dirty="0"/>
+                    </a:p>
+                  </a:txBody>
+                  <a:tcPr/>
+                </a:tc>
+                <a:tc>
+                  <a:txBody>
+                    <a:bodyPr/>
+                    <a:lstStyle/>
+                    <a:p>
+                      <a:pPr algn="ctr"/>
+                      <a:r>
+                        <a:rPr lang="en-US" sz="2800" dirty="0" smtClean="0"/>
+                        <a:t>x</a:t>
+                      </a:r>
+                      <a:endParaRPr lang="en-US" sz="2800" dirty="0"/>
+                    </a:p>
+                  </a:txBody>
+                  <a:tcPr/>
+                </a:tc>
+                <a:tc>
+                  <a:txBody>
+                    <a:bodyPr/>
+                    <a:lstStyle/>
+                    <a:p>
+                      <a:pPr algn="ctr"/>
+                      <a:r>
+                        <a:rPr lang="en-US" sz="2800" dirty="0" smtClean="0"/>
+                        <a:t>x</a:t>
+                      </a:r>
+                      <a:endParaRPr lang="en-US" sz="2800" dirty="0"/>
+                    </a:p>
+                  </a:txBody>
+                  <a:tcPr/>
+                </a:tc>
+              </a:tr>
+              <a:tr h="370840">
+                <a:tc>
+                  <a:txBody>
+                    <a:bodyPr/>
+                    <a:lstStyle/>
+                    <a:p>
+                      <a:pPr algn="r"/>
+                      <a:r>
+                        <a:rPr lang="en-US" sz="2800" dirty="0" smtClean="0"/>
+                        <a:t>CMake</a:t>
+                      </a:r>
+                    </a:p>
+                  </a:txBody>
+                  <a:tcPr/>
+                </a:tc>
+                <a:tc>
+                  <a:txBody>
+                    <a:bodyPr/>
+                    <a:lstStyle/>
+                    <a:p>
+                      <a:pPr algn="ctr"/>
+                      <a:r>
+                        <a:rPr lang="en-US" sz="2800" dirty="0" smtClean="0"/>
+                        <a:t>x</a:t>
+                      </a:r>
+                      <a:endParaRPr lang="en-US" sz="2800" dirty="0"/>
+                    </a:p>
+                  </a:txBody>
+                  <a:tcPr/>
+                </a:tc>
+                <a:tc>
+                  <a:txBody>
+                    <a:bodyPr/>
+                    <a:lstStyle/>
+                    <a:p>
+                      <a:pPr algn="ctr"/>
+                      <a:r>
+                        <a:rPr lang="en-US" sz="2800" dirty="0" smtClean="0"/>
+                        <a:t>x</a:t>
+                      </a:r>
+                      <a:endParaRPr lang="en-US" sz="2800" dirty="0"/>
+                    </a:p>
+                  </a:txBody>
+                  <a:tcPr/>
+                </a:tc>
+              </a:tr>
+              <a:tr h="370840">
+                <a:tc>
+                  <a:txBody>
+                    <a:bodyPr/>
+                    <a:lstStyle/>
+                    <a:p>
+                      <a:pPr algn="r"/>
+                      <a:r>
+                        <a:rPr lang="en-US" sz="2800" dirty="0" smtClean="0"/>
+                        <a:t>SLC6</a:t>
+                      </a:r>
+                      <a:endParaRPr lang="en-US" sz="2800" dirty="0"/>
+                    </a:p>
+                  </a:txBody>
+                  <a:tcPr/>
+                </a:tc>
+                <a:tc>
+                  <a:txBody>
+                    <a:bodyPr/>
+                    <a:lstStyle/>
+                    <a:p>
+                      <a:pPr algn="ctr"/>
+                      <a:r>
+                        <a:rPr lang="en-US" sz="2800" dirty="0" smtClean="0"/>
+                        <a:t>x</a:t>
+                      </a:r>
+                      <a:endParaRPr lang="en-US" sz="2800" dirty="0"/>
+                    </a:p>
+                  </a:txBody>
+                  <a:tcPr/>
+                </a:tc>
+                <a:tc>
+                  <a:txBody>
+                    <a:bodyPr/>
+                    <a:lstStyle/>
+                    <a:p>
+                      <a:pPr algn="ctr"/>
+                      <a:r>
+                        <a:rPr lang="en-US" sz="2800" dirty="0" smtClean="0"/>
+                        <a:t>x</a:t>
+                      </a:r>
+                      <a:endParaRPr lang="en-US" sz="2800" dirty="0"/>
+                    </a:p>
+                  </a:txBody>
+                  <a:tcPr/>
+                </a:tc>
+              </a:tr>
+              <a:tr h="370840">
+                <a:tc>
+                  <a:txBody>
+                    <a:bodyPr/>
+                    <a:lstStyle/>
+                    <a:p>
+                      <a:pPr algn="r"/>
+                      <a:r>
+                        <a:rPr lang="en-US" sz="2800" dirty="0" smtClean="0"/>
+                        <a:t>CentOS7</a:t>
+                      </a:r>
+                      <a:endParaRPr lang="en-US" sz="2800" dirty="0"/>
+                    </a:p>
+                  </a:txBody>
+                  <a:tcPr/>
+                </a:tc>
+                <a:tc>
+                  <a:txBody>
+                    <a:bodyPr/>
+                    <a:lstStyle/>
+                    <a:p>
+                      <a:pPr algn="ctr"/>
+                      <a:r>
+                        <a:rPr lang="en-US" sz="2800" dirty="0" smtClean="0"/>
+                        <a:t>x</a:t>
+                      </a:r>
+                      <a:endParaRPr lang="en-US" sz="2800" dirty="0"/>
+                    </a:p>
+                  </a:txBody>
+                  <a:tcPr/>
+                </a:tc>
+                <a:tc>
+                  <a:txBody>
+                    <a:bodyPr/>
+                    <a:lstStyle/>
+                    <a:p>
+                      <a:pPr algn="ctr"/>
+                      <a:r>
+                        <a:rPr lang="en-US" sz="2800" dirty="0" smtClean="0"/>
+                        <a:t>x</a:t>
+                      </a:r>
+                      <a:endParaRPr lang="en-US" sz="2800" dirty="0"/>
+                    </a:p>
+                  </a:txBody>
+                  <a:tcPr/>
+                </a:tc>
+              </a:tr>
+              <a:tr h="370840">
+                <a:tc>
+                  <a:txBody>
+                    <a:bodyPr/>
+                    <a:lstStyle/>
+                    <a:p>
+                      <a:pPr algn="r"/>
+                      <a:r>
+                        <a:rPr lang="en-US" sz="2800" dirty="0" smtClean="0"/>
+                        <a:t>X86_64 optimized</a:t>
+                      </a:r>
+                      <a:endParaRPr lang="en-US" sz="2800" dirty="0"/>
+                    </a:p>
+                  </a:txBody>
+                  <a:tcPr/>
+                </a:tc>
+                <a:tc>
+                  <a:txBody>
+                    <a:bodyPr/>
+                    <a:lstStyle/>
+                    <a:p>
+                      <a:pPr algn="ctr"/>
+                      <a:r>
+                        <a:rPr lang="en-US" sz="2800" dirty="0" smtClean="0"/>
+                        <a:t>x</a:t>
+                      </a:r>
+                      <a:endParaRPr lang="en-US" sz="2800" dirty="0"/>
+                    </a:p>
+                  </a:txBody>
+                  <a:tcPr/>
+                </a:tc>
+                <a:tc>
+                  <a:txBody>
+                    <a:bodyPr/>
+                    <a:lstStyle/>
+                    <a:p>
+                      <a:pPr algn="ctr"/>
+                      <a:r>
+                        <a:rPr lang="en-US" sz="2800" dirty="0" smtClean="0"/>
+                        <a:t>x</a:t>
+                      </a:r>
+                      <a:endParaRPr lang="en-US" sz="2800" dirty="0"/>
+                    </a:p>
+                  </a:txBody>
+                  <a:tcPr/>
+                </a:tc>
+              </a:tr>
+              <a:tr h="370840">
+                <a:tc>
+                  <a:txBody>
+                    <a:bodyPr/>
+                    <a:lstStyle/>
+                    <a:p>
+                      <a:pPr algn="r"/>
+                      <a:r>
+                        <a:rPr lang="en-US" sz="2800" dirty="0" smtClean="0"/>
+                        <a:t>X86_64 debug</a:t>
+                      </a:r>
+                      <a:endParaRPr lang="en-US" sz="2800" dirty="0"/>
+                    </a:p>
+                  </a:txBody>
+                  <a:tcPr/>
+                </a:tc>
+                <a:tc>
+                  <a:txBody>
+                    <a:bodyPr/>
+                    <a:lstStyle/>
+                    <a:p>
+                      <a:pPr algn="ctr"/>
+                      <a:r>
+                        <a:rPr lang="en-US" sz="2800" dirty="0" smtClean="0"/>
+                        <a:t>x</a:t>
+                      </a:r>
+                      <a:endParaRPr lang="en-US" sz="2800" dirty="0"/>
+                    </a:p>
+                  </a:txBody>
+                  <a:tcPr/>
+                </a:tc>
+                <a:tc>
+                  <a:txBody>
+                    <a:bodyPr/>
+                    <a:lstStyle/>
+                    <a:p>
+                      <a:pPr algn="ctr"/>
+                      <a:r>
+                        <a:rPr lang="en-US" sz="2800" dirty="0" smtClean="0"/>
+                        <a:t>x</a:t>
+                      </a:r>
+                      <a:endParaRPr lang="en-US" sz="2800" dirty="0"/>
+                    </a:p>
+                  </a:txBody>
+                  <a:tcPr/>
+                </a:tc>
+              </a:tr>
+            </a:tbl>
+          </a:graphicData>
+        </a:graphic>
+      </p:graphicFrame>
+      <p:sp>
+        <p:nvSpPr>
+          <p:cNvPr id="101" name="TextBox 100"/>
+          <p:cNvSpPr txBox="1"/>
           <p:nvPr/>
         </p:nvSpPr>
         <p:spPr>
           <a:xfrm>
-            <a:off x="1852613" y="33223200"/>
-            <a:ext cx="4419600" cy="6553200"/>
-          </a:xfrm>
-          <a:prstGeom prst="rect">
-            <a:avLst/>
-          </a:prstGeom>
-          <a:noFill/>
-          <a:ln>
-            <a:solidFill>
-              <a:schemeClr val="accent2"/>
-            </a:solidFill>
-          </a:ln>
-        </p:spPr>
-        <p:style>
-          <a:lnRef idx="2">
-            <a:schemeClr val="accent1">
-              <a:shade val="50000"/>
-            </a:schemeClr>
-          </a:lnRef>
-          <a:fillRef idx="1">
-            <a:schemeClr val="accent1"/>
-          </a:fillRef>
-          <a:effectRef idx="0">
-            <a:schemeClr val="accent1"/>
-          </a:effectRef>
-          <a:fontRef idx="minor">
-            <a:schemeClr val="lt1"/>
-          </a:fontRef>
-        </p:style>
-        <p:txBody>
-          <a:bodyPr anchor="ctr"/>
-          <a:lstStyle/>
-          <a:p>
-            <a:pPr algn="ctr" eaLnBrk="0" hangingPunct="0"/>
-            <a:endParaRPr lang="ru-RU">
-              <a:solidFill>
-                <a:srgbClr val="FFFFFF"/>
-              </a:solidFill>
-            </a:endParaRPr>
-          </a:p>
-        </p:txBody>
-      </p:sp>
-      <p:sp>
-        <p:nvSpPr>
-          <p:cNvPr id="55" name="Rounded Rectangle 54"/>
-          <p:cNvSpPr/>
-          <p:nvPr/>
-        </p:nvSpPr>
-        <p:spPr>
-          <a:xfrm>
-            <a:off x="2005013" y="35737800"/>
-            <a:ext cx="4114800" cy="1500188"/>
-          </a:xfrm>
-          <a:prstGeom prst="roundRect">
-            <a:avLst/>
-          </a:prstGeom>
-          <a:solidFill>
-            <a:schemeClr val="accent6">
-              <a:lumMod val="20000"/>
-              <a:lumOff val="80000"/>
-            </a:schemeClr>
-          </a:solidFill>
-        </p:spPr>
-        <p:style>
-          <a:lnRef idx="2">
-            <a:schemeClr val="accent3">
-              <a:shade val="50000"/>
-            </a:schemeClr>
-          </a:lnRef>
-          <a:fillRef idx="1">
-            <a:schemeClr val="accent3"/>
-          </a:fillRef>
-          <a:effectRef idx="0">
-            <a:schemeClr val="accent3"/>
-          </a:effectRef>
-          <a:fontRef idx="minor">
-            <a:schemeClr val="lt1"/>
-          </a:fontRef>
-        </p:style>
-        <p:txBody>
-          <a:bodyPr anchor="ctr"/>
-          <a:lstStyle/>
-          <a:p>
-            <a:pPr algn="ctr" eaLnBrk="0" hangingPunct="0">
-              <a:defRPr/>
-            </a:pPr>
-            <a:r>
-              <a:rPr lang="en-US" sz="2800" dirty="0">
-                <a:solidFill>
-                  <a:schemeClr val="tx1"/>
-                </a:solidFill>
-                <a:cs typeface="Arial" pitchFamily="34" charset="0"/>
-              </a:rPr>
-              <a:t>CASTOR</a:t>
-            </a:r>
-            <a:r>
-              <a:rPr lang="en-US" sz="3200" dirty="0">
-                <a:solidFill>
-                  <a:schemeClr val="tx1"/>
-                </a:solidFill>
-                <a:cs typeface="Arial" pitchFamily="34" charset="0"/>
-              </a:rPr>
-              <a:t> RFIO library</a:t>
-            </a:r>
-          </a:p>
-        </p:txBody>
-      </p:sp>
-      <p:sp>
-        <p:nvSpPr>
-          <p:cNvPr id="56" name="Rounded Rectangle 55"/>
-          <p:cNvSpPr/>
-          <p:nvPr/>
-        </p:nvSpPr>
-        <p:spPr>
-          <a:xfrm>
-            <a:off x="1925638" y="33504188"/>
-            <a:ext cx="4114800" cy="1500187"/>
-          </a:xfrm>
-          <a:prstGeom prst="roundRect">
-            <a:avLst/>
-          </a:prstGeom>
-          <a:solidFill>
-            <a:schemeClr val="accent6">
-              <a:lumMod val="20000"/>
-              <a:lumOff val="80000"/>
-            </a:schemeClr>
-          </a:solidFill>
-        </p:spPr>
-        <p:style>
-          <a:lnRef idx="2">
-            <a:schemeClr val="accent3">
-              <a:shade val="50000"/>
-            </a:schemeClr>
-          </a:lnRef>
-          <a:fillRef idx="1">
-            <a:schemeClr val="accent3"/>
-          </a:fillRef>
-          <a:effectRef idx="0">
-            <a:schemeClr val="accent3"/>
-          </a:effectRef>
-          <a:fontRef idx="minor">
-            <a:schemeClr val="lt1"/>
-          </a:fontRef>
-        </p:style>
-        <p:txBody>
-          <a:bodyPr anchor="ctr"/>
-          <a:lstStyle/>
-          <a:p>
-            <a:pPr algn="ctr" eaLnBrk="0" hangingPunct="0">
-              <a:defRPr/>
-            </a:pPr>
-            <a:r>
-              <a:rPr lang="en-US" sz="2800" dirty="0">
-                <a:solidFill>
-                  <a:schemeClr val="tx1"/>
-                </a:solidFill>
-                <a:cs typeface="Arial" pitchFamily="34" charset="0"/>
-              </a:rPr>
-              <a:t>FUSE</a:t>
-            </a:r>
-            <a:r>
-              <a:rPr lang="en-US" sz="3200" dirty="0">
-                <a:solidFill>
-                  <a:schemeClr val="tx1"/>
-                </a:solidFill>
-                <a:cs typeface="Arial" pitchFamily="34" charset="0"/>
-              </a:rPr>
-              <a:t> library</a:t>
-            </a:r>
-          </a:p>
-        </p:txBody>
-      </p:sp>
-      <p:sp>
-        <p:nvSpPr>
-          <p:cNvPr id="57" name="Rounded Rectangle 56"/>
-          <p:cNvSpPr/>
-          <p:nvPr/>
-        </p:nvSpPr>
-        <p:spPr>
-          <a:xfrm>
-            <a:off x="7415784" y="33451800"/>
-            <a:ext cx="1499616" cy="6019800"/>
-          </a:xfrm>
-          <a:prstGeom prst="roundRect">
-            <a:avLst/>
-          </a:prstGeom>
-          <a:solidFill>
-            <a:schemeClr val="accent1">
-              <a:lumMod val="20000"/>
-              <a:lumOff val="80000"/>
-            </a:schemeClr>
-          </a:solidFill>
-        </p:spPr>
-        <p:style>
-          <a:lnRef idx="2">
-            <a:schemeClr val="accent1">
-              <a:shade val="50000"/>
-            </a:schemeClr>
-          </a:lnRef>
-          <a:fillRef idx="1">
-            <a:schemeClr val="accent1"/>
-          </a:fillRef>
-          <a:effectRef idx="0">
-            <a:schemeClr val="accent1"/>
-          </a:effectRef>
-          <a:fontRef idx="minor">
-            <a:schemeClr val="lt1"/>
-          </a:fontRef>
-        </p:style>
-        <p:txBody>
-          <a:bodyPr vert="wordArtVert" anchor="ctr"/>
-          <a:lstStyle/>
-          <a:p>
-            <a:pPr algn="ctr" eaLnBrk="0" hangingPunct="0">
-              <a:defRPr/>
-            </a:pPr>
-            <a:r>
-              <a:rPr lang="en-US" sz="3200" dirty="0">
-                <a:solidFill>
-                  <a:schemeClr val="tx1"/>
-                </a:solidFill>
-                <a:cs typeface="Arial" pitchFamily="34" charset="0"/>
-              </a:rPr>
-              <a:t>CASTORFS</a:t>
-            </a:r>
-          </a:p>
-        </p:txBody>
-      </p:sp>
-      <p:sp>
-        <p:nvSpPr>
-          <p:cNvPr id="2076" name="TextBox 57"/>
-          <p:cNvSpPr txBox="1">
-            <a:spLocks noChangeArrowheads="1"/>
-          </p:cNvSpPr>
-          <p:nvPr/>
-        </p:nvSpPr>
-        <p:spPr bwMode="auto">
-          <a:xfrm>
-            <a:off x="3624263" y="34718625"/>
-            <a:ext cx="1428750" cy="1323975"/>
-          </a:xfrm>
-          <a:prstGeom prst="rect">
-            <a:avLst/>
-          </a:prstGeom>
-          <a:noFill/>
-          <a:ln w="9525">
-            <a:noFill/>
-            <a:miter lim="800000"/>
-            <a:headEnd/>
-            <a:tailEnd/>
-          </a:ln>
-        </p:spPr>
-        <p:txBody>
-          <a:bodyPr>
-            <a:spAutoFit/>
-          </a:bodyPr>
-          <a:lstStyle/>
-          <a:p>
-            <a:pPr eaLnBrk="0" hangingPunct="0"/>
-            <a:r>
-              <a:rPr lang="en-US" sz="8000" b="1"/>
-              <a:t>+</a:t>
-            </a:r>
-          </a:p>
-        </p:txBody>
-      </p:sp>
-      <p:sp>
-        <p:nvSpPr>
-          <p:cNvPr id="60" name="Rounded Rectangle 59"/>
-          <p:cNvSpPr/>
-          <p:nvPr/>
-        </p:nvSpPr>
-        <p:spPr>
-          <a:xfrm>
-            <a:off x="1925638" y="38023800"/>
-            <a:ext cx="4114800" cy="1500188"/>
-          </a:xfrm>
-          <a:prstGeom prst="roundRect">
-            <a:avLst/>
-          </a:prstGeom>
-          <a:solidFill>
-            <a:schemeClr val="accent6">
-              <a:lumMod val="20000"/>
-              <a:lumOff val="80000"/>
-            </a:schemeClr>
-          </a:solidFill>
-        </p:spPr>
-        <p:style>
-          <a:lnRef idx="2">
-            <a:schemeClr val="accent3">
-              <a:shade val="50000"/>
-            </a:schemeClr>
-          </a:lnRef>
-          <a:fillRef idx="1">
-            <a:schemeClr val="accent3"/>
-          </a:fillRef>
-          <a:effectRef idx="0">
-            <a:schemeClr val="accent3"/>
-          </a:effectRef>
-          <a:fontRef idx="minor">
-            <a:schemeClr val="lt1"/>
-          </a:fontRef>
-        </p:style>
-        <p:txBody>
-          <a:bodyPr anchor="ctr"/>
-          <a:lstStyle/>
-          <a:p>
-            <a:pPr algn="ctr" eaLnBrk="0" hangingPunct="0">
-              <a:defRPr/>
-            </a:pPr>
-            <a:r>
-              <a:rPr lang="en-US" sz="2800" dirty="0">
-                <a:solidFill>
-                  <a:schemeClr val="tx1"/>
-                </a:solidFill>
-                <a:cs typeface="Arial" pitchFamily="34" charset="0"/>
-              </a:rPr>
-              <a:t>CASTOR</a:t>
-            </a:r>
-            <a:r>
-              <a:rPr lang="en-US" sz="3200" dirty="0">
-                <a:solidFill>
-                  <a:schemeClr val="tx1"/>
-                </a:solidFill>
-                <a:cs typeface="Arial" pitchFamily="34" charset="0"/>
-              </a:rPr>
-              <a:t> NS library</a:t>
-            </a:r>
-          </a:p>
-        </p:txBody>
-      </p:sp>
-      <p:sp>
-        <p:nvSpPr>
-          <p:cNvPr id="2078" name="TextBox 60"/>
-          <p:cNvSpPr txBox="1">
-            <a:spLocks noChangeArrowheads="1"/>
-          </p:cNvSpPr>
-          <p:nvPr/>
-        </p:nvSpPr>
-        <p:spPr bwMode="auto">
-          <a:xfrm>
-            <a:off x="3605213" y="36928425"/>
-            <a:ext cx="838200" cy="1323975"/>
-          </a:xfrm>
-          <a:prstGeom prst="rect">
-            <a:avLst/>
-          </a:prstGeom>
-          <a:noFill/>
-          <a:ln w="9525">
-            <a:noFill/>
-            <a:miter lim="800000"/>
-            <a:headEnd/>
-            <a:tailEnd/>
-          </a:ln>
-        </p:spPr>
-        <p:txBody>
-          <a:bodyPr>
-            <a:spAutoFit/>
-          </a:bodyPr>
-          <a:lstStyle/>
-          <a:p>
-            <a:pPr eaLnBrk="0" hangingPunct="0"/>
-            <a:r>
-              <a:rPr lang="en-US" sz="8000" b="1"/>
-              <a:t>+</a:t>
-            </a:r>
-          </a:p>
-        </p:txBody>
-      </p:sp>
-      <p:sp>
-        <p:nvSpPr>
-          <p:cNvPr id="62" name="Down Arrow 61"/>
-          <p:cNvSpPr/>
-          <p:nvPr/>
-        </p:nvSpPr>
-        <p:spPr bwMode="auto">
-          <a:xfrm rot="16200000">
-            <a:off x="6424613" y="36118800"/>
-            <a:ext cx="762000" cy="609600"/>
-          </a:xfrm>
-          <a:prstGeom prst="downArrow">
-            <a:avLst/>
-          </a:prstGeom>
-          <a:solidFill>
-            <a:schemeClr val="accent5"/>
-          </a:solidFill>
-          <a:ln w="9525" cap="flat" cmpd="sng" algn="ctr">
-            <a:solidFill>
-              <a:schemeClr val="tx1"/>
-            </a:solidFill>
-            <a:prstDash val="solid"/>
-            <a:round/>
-            <a:headEnd type="none" w="med" len="med"/>
-            <a:tailEnd type="none" w="med" len="med"/>
-          </a:ln>
-          <a:effectLst/>
-        </p:spPr>
-        <p:txBody>
-          <a:bodyPr/>
-          <a:lstStyle/>
-          <a:p>
-            <a:pPr eaLnBrk="0" hangingPunct="0"/>
-            <a:endParaRPr lang="ru-RU"/>
-          </a:p>
-        </p:txBody>
-      </p:sp>
-      <p:sp>
-        <p:nvSpPr>
-          <p:cNvPr id="64" name="TextBox 63"/>
-          <p:cNvSpPr txBox="1"/>
-          <p:nvPr/>
-        </p:nvSpPr>
-        <p:spPr>
-          <a:xfrm>
-            <a:off x="11353800" y="15621000"/>
-            <a:ext cx="8077200" cy="3913188"/>
+            <a:off x="1095375" y="22919247"/>
+            <a:ext cx="8991600" cy="13018949"/>
           </a:xfrm>
           <a:prstGeom prst="rect">
             <a:avLst/>
           </a:prstGeom>
           <a:solidFill>
-            <a:schemeClr val="bg2">
-              <a:lumMod val="20000"/>
-              <a:lumOff val="80000"/>
-              <a:alpha val="50000"/>
-            </a:schemeClr>
+            <a:schemeClr val="bg1"/>
           </a:solidFill>
-          <a:ln>
-            <a:solidFill>
-              <a:schemeClr val="accent3"/>
-            </a:solidFill>
-          </a:ln>
-        </p:spPr>
-        <p:txBody>
-          <a:bodyPr lIns="457200" tIns="457200" rIns="457200" bIns="457200">
+        </p:spPr>
+        <p:txBody>
+          <a:bodyPr wrap="square" rtlCol="0" anchor="t">
             <a:spAutoFit/>
           </a:bodyPr>
           <a:lstStyle/>
           <a:p>
-            <a:pPr eaLnBrk="0" hangingPunct="0">
-              <a:defRPr/>
+            <a:pPr marL="514350" indent="-514350">
+              <a:buFont typeface="+mj-lt"/>
+              <a:buAutoNum type="arabicPeriod"/>
             </a:pPr>
             <a:r>
+              <a:rPr lang="en-US" sz="2800" b="1" dirty="0" smtClean="0">
+                <a:latin typeface="+mn-lt"/>
+              </a:rPr>
+              <a:t>Build and Test Services </a:t>
+            </a:r>
+          </a:p>
+          <a:p>
+            <a:pPr marL="612000" lvl="1" indent="-442350">
+              <a:buFont typeface="Arial" charset="0"/>
+              <a:buChar char="•"/>
+            </a:pPr>
+            <a:r>
+              <a:rPr lang="en-US" sz="2800" b="1" dirty="0" smtClean="0">
+                <a:latin typeface="+mn-lt"/>
+              </a:rPr>
+              <a:t>Continuous Integration (CI) Service </a:t>
+            </a:r>
+            <a:r>
+              <a:rPr lang="en-US" sz="2800" dirty="0" smtClean="0">
+                <a:latin typeface="+mn-lt"/>
+              </a:rPr>
+              <a:t>– schedule and initiate test runs</a:t>
+            </a:r>
+          </a:p>
+          <a:p>
+            <a:pPr marL="612000" lvl="1" indent="-442350">
+              <a:buFont typeface="Arial" charset="0"/>
+              <a:buChar char="•"/>
+            </a:pPr>
+            <a:r>
+              <a:rPr lang="en-US" sz="2800" b="1" dirty="0" smtClean="0">
+                <a:latin typeface="+mn-lt"/>
+              </a:rPr>
+              <a:t>Artifacts Storage</a:t>
+            </a:r>
+            <a:r>
+              <a:rPr lang="en-US" sz="2800" dirty="0" smtClean="0">
+                <a:latin typeface="+mn-lt"/>
+              </a:rPr>
+              <a:t>– </a:t>
+            </a:r>
+            <a:r>
               <a:rPr lang="en-US" sz="2800" dirty="0">
-                <a:latin typeface="Courier New" pitchFamily="49" charset="0"/>
-                <a:cs typeface="Courier New" pitchFamily="49" charset="0"/>
-              </a:rPr>
-              <a:t>$&gt; </a:t>
-            </a:r>
-            <a:r>
-              <a:rPr lang="en-US" sz="2800" b="1" dirty="0">
-                <a:latin typeface="Courier New" pitchFamily="49" charset="0"/>
-                <a:cs typeface="Courier New" pitchFamily="49" charset="0"/>
-              </a:rPr>
-              <a:t>/opt/castorfs/bin/castorfs /castorfs</a:t>
+                <a:latin typeface="+mn-lt"/>
+              </a:rPr>
+              <a:t>s</a:t>
+            </a:r>
+            <a:r>
+              <a:rPr lang="en-US" sz="2800" dirty="0" smtClean="0">
+                <a:latin typeface="+mn-lt"/>
+              </a:rPr>
+              <a:t>tore projects builds for different  configurations</a:t>
+            </a:r>
+          </a:p>
+          <a:p>
+            <a:pPr marL="612000" lvl="1" indent="-442350">
+              <a:buFont typeface="Arial" charset="0"/>
+              <a:buChar char="•"/>
+            </a:pPr>
+            <a:r>
+              <a:rPr lang="en-US" sz="2800" b="1" dirty="0" smtClean="0">
+                <a:latin typeface="+mn-lt"/>
+              </a:rPr>
+              <a:t>Test service </a:t>
+            </a:r>
+            <a:r>
+              <a:rPr lang="en-US" sz="2800" dirty="0" smtClean="0">
+                <a:latin typeface="+mn-lt"/>
+              </a:rPr>
+              <a:t>– read LHCbPR configuration for tests, download the corresponding builds, execute tests and transfer it to the Storage Element</a:t>
+            </a:r>
+          </a:p>
+          <a:p>
+            <a:pPr marL="612000" lvl="1" indent="-442350">
+              <a:buFont typeface="Arial" charset="0"/>
+              <a:buChar char="•"/>
+            </a:pPr>
+            <a:r>
+              <a:rPr lang="en-US" sz="2800" b="1" dirty="0" smtClean="0">
+                <a:latin typeface="+mn-lt"/>
+              </a:rPr>
+              <a:t>Storage Element </a:t>
+            </a:r>
+            <a:r>
+              <a:rPr lang="en-US" sz="2800" dirty="0" smtClean="0">
+                <a:latin typeface="+mn-lt"/>
+              </a:rPr>
+              <a:t>– virtual storage for jobs output with the interface </a:t>
             </a:r>
             <a:r>
               <a:rPr lang="en-US" sz="2800" dirty="0">
-                <a:latin typeface="Courier New" pitchFamily="49" charset="0"/>
-                <a:cs typeface="Courier New" pitchFamily="49" charset="0"/>
-              </a:rPr>
-              <a:t>  -o </a:t>
-            </a:r>
-            <a:r>
-              <a:rPr lang="en-US" sz="2800" dirty="0" err="1">
-                <a:latin typeface="Courier New" pitchFamily="49" charset="0"/>
-                <a:cs typeface="Courier New" pitchFamily="49" charset="0"/>
-              </a:rPr>
-              <a:t>allow_other</a:t>
+                <a:latin typeface="+mn-lt"/>
+              </a:rPr>
+              <a:t>to quite diverse </a:t>
+            </a:r>
+            <a:r>
+              <a:rPr lang="en-US" sz="2800" dirty="0" smtClean="0">
+                <a:latin typeface="+mn-lt"/>
+              </a:rPr>
+              <a:t>real storage systems.</a:t>
+            </a:r>
+          </a:p>
+          <a:p>
+            <a:pPr marL="514350" indent="-514350">
+              <a:buFont typeface="+mj-lt"/>
+              <a:buAutoNum type="arabicPeriod"/>
+            </a:pPr>
+            <a:r>
+              <a:rPr lang="en-US" sz="2800" b="1" dirty="0" smtClean="0">
+                <a:latin typeface="+mn-lt"/>
+              </a:rPr>
+              <a:t>LHCbPR</a:t>
+            </a:r>
+          </a:p>
+          <a:p>
+            <a:pPr marL="971550" lvl="1" indent="-514350">
+              <a:buFont typeface="Arial" charset="0"/>
+              <a:buChar char="•"/>
+            </a:pPr>
+            <a:r>
+              <a:rPr lang="en-US" sz="2800" b="1" dirty="0" smtClean="0">
+                <a:latin typeface="+mn-lt"/>
+              </a:rPr>
+              <a:t>Database – </a:t>
+            </a:r>
+            <a:r>
+              <a:rPr lang="en-US" sz="2800" dirty="0" smtClean="0">
+                <a:latin typeface="+mn-lt"/>
+              </a:rPr>
+              <a:t>relational database for job descriptions and job outputs.</a:t>
+            </a:r>
+            <a:r>
+              <a:rPr lang="ru-RU" sz="2800" dirty="0" smtClean="0">
+                <a:latin typeface="+mn-lt"/>
+              </a:rPr>
+              <a:t> </a:t>
+            </a:r>
+            <a:r>
+              <a:rPr lang="en-US" sz="2800" dirty="0" smtClean="0">
+                <a:latin typeface="+mn-lt"/>
+              </a:rPr>
+              <a:t>We use </a:t>
+            </a:r>
+            <a:r>
+              <a:rPr lang="en-US" sz="2800" b="1" dirty="0" smtClean="0">
+                <a:latin typeface="+mn-lt"/>
+              </a:rPr>
+              <a:t>MySQL</a:t>
+            </a:r>
+            <a:r>
+              <a:rPr lang="en-US" sz="2800" dirty="0" smtClean="0">
+                <a:latin typeface="+mn-lt"/>
+              </a:rPr>
+              <a:t>, but it can be any other.</a:t>
+            </a:r>
+          </a:p>
+          <a:p>
+            <a:pPr marL="971550" lvl="1" indent="-514350">
+              <a:buFont typeface="Arial" charset="0"/>
+              <a:buChar char="•"/>
+            </a:pPr>
+            <a:r>
+              <a:rPr lang="en-US" sz="2800" b="1" dirty="0" smtClean="0">
+                <a:latin typeface="+mn-lt"/>
+              </a:rPr>
+              <a:t>REST API service </a:t>
+            </a:r>
+            <a:r>
+              <a:rPr lang="en-US" sz="2800" dirty="0" smtClean="0">
+                <a:latin typeface="+mn-lt"/>
+              </a:rPr>
+              <a:t>– provides REST access to the database and adds some business logic for special API requests. </a:t>
+            </a:r>
+            <a:r>
+              <a:rPr lang="en-US" sz="2800" u="sng" dirty="0" smtClean="0">
+                <a:latin typeface="+mn-lt"/>
+              </a:rPr>
+              <a:t>Technologies</a:t>
+            </a:r>
+            <a:r>
+              <a:rPr lang="en-US" sz="2800" dirty="0" smtClean="0">
+                <a:latin typeface="+mn-lt"/>
+              </a:rPr>
+              <a:t>: python, Django + REST Framework.</a:t>
+            </a:r>
+          </a:p>
+          <a:p>
+            <a:pPr marL="971550" lvl="1" indent="-514350">
+              <a:buFont typeface="Arial" charset="0"/>
+              <a:buChar char="•"/>
+            </a:pPr>
+            <a:r>
+              <a:rPr lang="en-US" sz="2800" b="1" dirty="0" smtClean="0">
+                <a:latin typeface="+mn-lt"/>
+              </a:rPr>
+              <a:t>ROOT HTTP service – </a:t>
+            </a:r>
+            <a:r>
+              <a:rPr lang="en-US" sz="2800" dirty="0" smtClean="0">
+                <a:latin typeface="+mn-lt"/>
+              </a:rPr>
+              <a:t>helper service for returning content of ROOT files in JSON format. Relies </a:t>
             </a:r>
             <a:r>
               <a:rPr lang="en-US" sz="2800" dirty="0">
-                <a:latin typeface="Courier New" pitchFamily="49" charset="0"/>
-                <a:cs typeface="Courier New" pitchFamily="49" charset="0"/>
-              </a:rPr>
-              <a:t>, castor_uid=10446, castor_gid=1470, </a:t>
-            </a:r>
-            <a:r>
-              <a:rPr lang="en-US" sz="2800" dirty="0" err="1">
-                <a:latin typeface="Courier New" pitchFamily="49" charset="0"/>
-                <a:cs typeface="Courier New" pitchFamily="49" charset="0"/>
-              </a:rPr>
-              <a:t>castor_user</a:t>
+                <a:latin typeface="+mn-lt"/>
+              </a:rPr>
+              <a:t>on </a:t>
+            </a:r>
+            <a:r>
+              <a:rPr lang="en-US" sz="2800" dirty="0" smtClean="0">
+                <a:latin typeface="+mn-lt"/>
+              </a:rPr>
+              <a:t>ROOT TBufferJSON.ConvertToJSON functionality. </a:t>
+            </a:r>
+            <a:r>
+              <a:rPr lang="en-US" sz="2800" u="sng" dirty="0" smtClean="0">
+                <a:latin typeface="+mn-lt"/>
+              </a:rPr>
+              <a:t>Technologies</a:t>
+            </a:r>
+            <a:r>
+              <a:rPr lang="en-US" sz="2800" dirty="0" smtClean="0">
+                <a:latin typeface="+mn-lt"/>
+              </a:rPr>
+              <a:t>: Flask + ROOT.</a:t>
+            </a:r>
+          </a:p>
+          <a:p>
+            <a:pPr marL="514350" indent="-514350">
+              <a:buFont typeface="+mj-lt"/>
+              <a:buAutoNum type="arabicPeriod"/>
+            </a:pPr>
+            <a:r>
+              <a:rPr lang="en-US" sz="2800" b="1" dirty="0" smtClean="0">
+                <a:latin typeface="+mn-lt"/>
+              </a:rPr>
+              <a:t>User Clients</a:t>
+            </a:r>
+            <a:endParaRPr lang="ru-RU" sz="2800" b="1" dirty="0" smtClean="0">
+              <a:latin typeface="+mn-lt"/>
+            </a:endParaRPr>
+          </a:p>
+          <a:p>
+            <a:pPr marL="971550" lvl="1" indent="-514350">
+              <a:buFont typeface="Arial" charset="0"/>
+              <a:buChar char="•"/>
+            </a:pPr>
+            <a:r>
+              <a:rPr lang="en-US" sz="2800" dirty="0" smtClean="0">
+                <a:latin typeface="+mn-lt"/>
+              </a:rPr>
+              <a:t>Users can create any data handling client that use LHCbPR REST API: web applications, scripts</a:t>
+            </a:r>
+          </a:p>
+          <a:p>
+            <a:pPr marL="971550" lvl="1" indent="-514350">
+              <a:buFont typeface="Arial" charset="0"/>
+              <a:buChar char="•"/>
+            </a:pPr>
+            <a:r>
+              <a:rPr lang="en-US" sz="2800" dirty="0" smtClean="0">
+                <a:latin typeface="+mn-lt"/>
+              </a:rPr>
+              <a:t>We created web frontend for visualizing regression tests' results. </a:t>
+            </a:r>
+            <a:r>
+              <a:rPr lang="en-US" sz="2800" u="sng" dirty="0" smtClean="0">
+                <a:latin typeface="+mn-lt"/>
+              </a:rPr>
+              <a:t>Technologies</a:t>
+            </a:r>
+            <a:r>
+              <a:rPr lang="en-US" sz="2800" dirty="0" smtClean="0"/>
+              <a:t>: </a:t>
+            </a:r>
+            <a:r>
+              <a:rPr lang="en-US" sz="2800" dirty="0" smtClean="0">
+                <a:latin typeface="+mn-lt"/>
+              </a:rPr>
+              <a:t>javascript, </a:t>
             </a:r>
             <a:r>
               <a:rPr lang="en-US" sz="2800" dirty="0">
-                <a:latin typeface="Courier New" pitchFamily="49" charset="0"/>
-                <a:cs typeface="Courier New" pitchFamily="49" charset="0"/>
-              </a:rPr>
-              <a:t>=</a:t>
-            </a:r>
-            <a:r>
-              <a:rPr lang="en-US" sz="2800" dirty="0" err="1">
-                <a:latin typeface="Courier New" pitchFamily="49" charset="0"/>
-                <a:cs typeface="Courier New" pitchFamily="49" charset="0"/>
-              </a:rPr>
-              <a:t>lbtbsupp</a:t>
-            </a:r>
-            <a:r>
-              <a:rPr lang="en-US" sz="2800" dirty="0">
-                <a:latin typeface="Courier New" pitchFamily="49" charset="0"/>
-                <a:cs typeface="Courier New" pitchFamily="49" charset="0"/>
-              </a:rPr>
-              <a:t>, </a:t>
-            </a:r>
-            <a:r>
-              <a:rPr lang="en-US" sz="2800" dirty="0" err="1">
-                <a:latin typeface="Courier New" pitchFamily="49" charset="0"/>
-                <a:cs typeface="Courier New" pitchFamily="49" charset="0"/>
-              </a:rPr>
-              <a:t>castor_stage_host</a:t>
-            </a:r>
-            <a:r>
-              <a:rPr lang="en-US" sz="2800" dirty="0">
-                <a:latin typeface="Courier New" pitchFamily="49" charset="0"/>
-                <a:cs typeface="Courier New" pitchFamily="49" charset="0"/>
-              </a:rPr>
-              <a:t>=</a:t>
-            </a:r>
-            <a:r>
-              <a:rPr lang="en-US" sz="2800" dirty="0" err="1">
-                <a:latin typeface="Courier New" pitchFamily="49" charset="0"/>
-                <a:cs typeface="Courier New" pitchFamily="49" charset="0"/>
-              </a:rPr>
-              <a:t>castorlhcb</a:t>
-            </a:r>
-            <a:r>
-              <a:rPr lang="en-US" sz="2800" dirty="0">
-                <a:latin typeface="Courier New" pitchFamily="49" charset="0"/>
-                <a:cs typeface="Courier New" pitchFamily="49" charset="0"/>
-              </a:rPr>
-              <a:t>, </a:t>
-            </a:r>
-            <a:r>
-              <a:rPr lang="en-US" sz="2800" dirty="0" err="1">
-                <a:latin typeface="Courier New" pitchFamily="49" charset="0"/>
-                <a:cs typeface="Courier New" pitchFamily="49" charset="0"/>
-              </a:rPr>
-              <a:t>castor_stage_svcclass</a:t>
-            </a:r>
-            <a:r>
-              <a:rPr lang="en-US" sz="2800" dirty="0">
-                <a:latin typeface="Courier New" pitchFamily="49" charset="0"/>
-                <a:cs typeface="Courier New" pitchFamily="49" charset="0"/>
-              </a:rPr>
-              <a:t>=</a:t>
-            </a:r>
-            <a:r>
-              <a:rPr lang="en-US" sz="2800" dirty="0" err="1">
-                <a:latin typeface="Courier New" pitchFamily="49" charset="0"/>
-                <a:cs typeface="Courier New" pitchFamily="49" charset="0"/>
-              </a:rPr>
-              <a:t>lhcbraw</a:t>
-            </a:r>
-            <a:endParaRPr lang="en-US" sz="2800" dirty="0">
-              <a:latin typeface="Courier New" pitchFamily="49" charset="0"/>
-              <a:cs typeface="Courier New" pitchFamily="49" charset="0"/>
+                <a:latin typeface="+mn-lt"/>
+              </a:rPr>
+              <a:t>a</a:t>
+            </a:r>
+            <a:r>
+              <a:rPr lang="en-US" sz="2800" dirty="0" smtClean="0">
+                <a:latin typeface="+mn-lt"/>
+              </a:rPr>
+              <a:t>ngular 1.5 framework; nodejs and gulp for development.</a:t>
+            </a:r>
+            <a:endParaRPr lang="ru-RU" sz="2800" dirty="0" smtClean="0">
+              <a:latin typeface="+mn-lt"/>
             </a:endParaRPr>
           </a:p>
         </p:txBody>
       </p:sp>
       <p:sp>
         <p:nvSpPr>
-          <p:cNvPr id="2081" name="Text Box 18"/>
+          <p:cNvPr id="102" name="Text Box 7"/>
           <p:cNvSpPr txBox="1">
             <a:spLocks noChangeArrowheads="1"/>
           </p:cNvSpPr>
@@ -6756,502 +5783,8 @@
         </p:nvSpPr>
         <p:spPr bwMode="auto">
           <a:xfrm>
-            <a:off x="10972800" y="19812000"/>
-            <a:ext cx="8713788" cy="3508375"/>
-          </a:xfrm>
-          <a:prstGeom prst="rect">
-            <a:avLst/>
-          </a:prstGeom>
-          <a:noFill/>
-          <a:ln w="9525">
-            <a:noFill/>
-            <a:miter lim="800000"/>
-            <a:headEnd/>
-            <a:tailEnd/>
-          </a:ln>
-        </p:spPr>
-        <p:txBody>
-          <a:bodyPr>
-            <a:spAutoFit/>
-          </a:bodyPr>
-          <a:lstStyle/>
-          <a:p>
-            <a:pPr eaLnBrk="0" hangingPunct="0"/>
-            <a:r>
-              <a:rPr lang="en-US" sz="2800" dirty="0">
-                <a:latin typeface="Arial" charset="0"/>
-              </a:rPr>
-              <a:t>From command line we can set up:</a:t>
-            </a:r>
-          </a:p>
-          <a:p>
-            <a:pPr eaLnBrk="0" hangingPunct="0">
-              <a:buFont typeface="Wingdings" pitchFamily="2" charset="2"/>
-              <a:buChar char="§"/>
-            </a:pPr>
-            <a:r>
-              <a:rPr lang="en-US" sz="2800" dirty="0">
-                <a:latin typeface="Arial" charset="0"/>
-              </a:rPr>
-              <a:t> connection parameters for CASTOR</a:t>
-            </a:r>
-          </a:p>
-          <a:p>
-            <a:pPr eaLnBrk="0" hangingPunct="0">
-              <a:buFont typeface="Wingdings" pitchFamily="2" charset="2"/>
-              <a:buChar char="§"/>
-            </a:pPr>
-            <a:r>
-              <a:rPr lang="en-US" sz="2800" dirty="0">
-                <a:latin typeface="Arial" charset="0"/>
-              </a:rPr>
-              <a:t> Information about</a:t>
-            </a:r>
-            <a:r>
-              <a:rPr lang="en-US" sz="2800" dirty="0" smtClean="0">
-                <a:latin typeface="Arial" charset="0"/>
-              </a:rPr>
-              <a:t> the CASTOR user</a:t>
-            </a:r>
-            <a:endParaRPr lang="en-US" sz="2800" dirty="0">
-              <a:latin typeface="Arial" charset="0"/>
-            </a:endParaRPr>
-          </a:p>
-          <a:p>
-            <a:pPr eaLnBrk="0" hangingPunct="0">
-              <a:buFont typeface="Wingdings" pitchFamily="2" charset="2"/>
-              <a:buChar char="§"/>
-            </a:pPr>
-            <a:r>
-              <a:rPr lang="en-US" sz="2800" dirty="0">
-                <a:latin typeface="Arial" charset="0"/>
-              </a:rPr>
-              <a:t> Mode </a:t>
-            </a:r>
-            <a:r>
-              <a:rPr lang="en-US" sz="2800" dirty="0" smtClean="0">
-                <a:latin typeface="Arial" charset="0"/>
-              </a:rPr>
-              <a:t>of the  </a:t>
-            </a:r>
-            <a:r>
-              <a:rPr lang="en-US" sz="2800" dirty="0">
-                <a:latin typeface="Arial" charset="0"/>
-              </a:rPr>
-              <a:t>connection: read only or full access</a:t>
-            </a:r>
-          </a:p>
-          <a:p>
-            <a:pPr eaLnBrk="0" hangingPunct="0">
-              <a:buFont typeface="Wingdings" pitchFamily="2" charset="2"/>
-              <a:buChar char="§"/>
-            </a:pPr>
-            <a:endParaRPr lang="en-US" sz="2800" dirty="0">
-              <a:latin typeface="Arial" charset="0"/>
-            </a:endParaRPr>
-          </a:p>
-          <a:p>
-            <a:pPr eaLnBrk="0" hangingPunct="0"/>
-            <a:r>
-              <a:rPr lang="en-US" sz="2800" dirty="0">
-                <a:latin typeface="Arial" charset="0"/>
-              </a:rPr>
-              <a:t>After mounting a CASTORFS </a:t>
-            </a:r>
-            <a:r>
-              <a:rPr lang="en-US" sz="2800" dirty="0" err="1">
-                <a:latin typeface="Arial" charset="0"/>
-              </a:rPr>
-              <a:t>filesystem</a:t>
-            </a:r>
-            <a:r>
-              <a:rPr lang="en-US" sz="2800" dirty="0">
-                <a:latin typeface="Arial" charset="0"/>
-              </a:rPr>
-              <a:t> you can run any of your favorite tools intended to work with files or directories:</a:t>
-            </a:r>
-          </a:p>
-        </p:txBody>
-      </p:sp>
-      <p:sp>
-        <p:nvSpPr>
-          <p:cNvPr id="70" name="TextBox 69"/>
-          <p:cNvSpPr txBox="1"/>
-          <p:nvPr/>
-        </p:nvSpPr>
-        <p:spPr>
-          <a:xfrm>
-            <a:off x="11353800" y="23504525"/>
-            <a:ext cx="8077200" cy="3077766"/>
-          </a:xfrm>
-          <a:prstGeom prst="rect">
-            <a:avLst/>
-          </a:prstGeom>
-          <a:solidFill>
-            <a:schemeClr val="bg2">
-              <a:lumMod val="20000"/>
-              <a:lumOff val="80000"/>
-              <a:alpha val="50000"/>
-            </a:schemeClr>
-          </a:solidFill>
-          <a:ln>
-            <a:solidFill>
-              <a:schemeClr val="accent3"/>
-            </a:solidFill>
-          </a:ln>
-        </p:spPr>
-        <p:txBody>
-          <a:bodyPr lIns="457200" tIns="457200" rIns="457200" bIns="457200">
-            <a:spAutoFit/>
-          </a:bodyPr>
-          <a:lstStyle/>
-          <a:p>
-            <a:pPr eaLnBrk="0" hangingPunct="0">
-              <a:defRPr/>
-            </a:pPr>
-            <a:r>
-              <a:rPr lang="en-US" sz="2800" dirty="0">
-                <a:latin typeface="Arial" charset="0"/>
-              </a:rPr>
-              <a:t>$&gt; </a:t>
-            </a:r>
-            <a:r>
-              <a:rPr lang="en-US" sz="2800" dirty="0" err="1">
-                <a:latin typeface="Arial" charset="0"/>
-              </a:rPr>
-              <a:t>ls</a:t>
-            </a:r>
-            <a:r>
-              <a:rPr lang="en-US" sz="2800" dirty="0">
-                <a:latin typeface="Arial" charset="0"/>
-              </a:rPr>
-              <a:t> –la /castorfs/path/to/file</a:t>
-            </a:r>
-          </a:p>
-          <a:p>
-            <a:pPr eaLnBrk="0" hangingPunct="0">
-              <a:defRPr/>
-            </a:pPr>
-            <a:r>
-              <a:rPr lang="en-US" sz="2800" dirty="0">
-                <a:latin typeface="Arial" charset="0"/>
-              </a:rPr>
-              <a:t>$&gt; mkdir –p /castorfs/path/to/dir</a:t>
-            </a:r>
-          </a:p>
-          <a:p>
-            <a:pPr eaLnBrk="0" hangingPunct="0">
-              <a:defRPr/>
-            </a:pPr>
-            <a:r>
-              <a:rPr lang="en-US" sz="2800" dirty="0">
-                <a:latin typeface="Arial" charset="0"/>
-              </a:rPr>
-              <a:t>$&gt; cat /castorfs/path/to/file</a:t>
-            </a:r>
-          </a:p>
-          <a:p>
-            <a:pPr eaLnBrk="0" hangingPunct="0">
-              <a:defRPr/>
-            </a:pPr>
-            <a:r>
-              <a:rPr lang="en-US" sz="2800" dirty="0">
-                <a:latin typeface="Arial" charset="0"/>
-              </a:rPr>
-              <a:t>$&gt; </a:t>
-            </a:r>
-            <a:r>
-              <a:rPr lang="en-US" sz="2800" dirty="0" err="1">
-                <a:latin typeface="Arial" charset="0"/>
-              </a:rPr>
-              <a:t>rm</a:t>
-            </a:r>
-            <a:r>
-              <a:rPr lang="en-US" sz="2800" dirty="0">
-                <a:latin typeface="Arial" charset="0"/>
-              </a:rPr>
-              <a:t> /castorfs/path/to/</a:t>
-            </a:r>
-            <a:r>
-              <a:rPr lang="en-US" sz="2800" dirty="0" smtClean="0">
-                <a:latin typeface="Arial" charset="0"/>
-              </a:rPr>
-              <a:t>file</a:t>
-            </a:r>
-          </a:p>
-          <a:p>
-            <a:pPr eaLnBrk="0" hangingPunct="0">
-              <a:defRPr/>
-            </a:pPr>
-            <a:r>
-              <a:rPr lang="en-US" sz="2800" dirty="0" smtClean="0">
-                <a:latin typeface="Arial" charset="0"/>
-              </a:rPr>
-              <a:t>$&gt; find /</a:t>
-            </a:r>
-            <a:r>
-              <a:rPr lang="en-US" sz="2800" dirty="0" err="1" smtClean="0">
-                <a:latin typeface="Arial" charset="0"/>
-              </a:rPr>
-              <a:t>castorfs</a:t>
-            </a:r>
-            <a:r>
-              <a:rPr lang="en-US" sz="2800" dirty="0" smtClean="0">
-                <a:latin typeface="Arial" charset="0"/>
-              </a:rPr>
-              <a:t> | </a:t>
-            </a:r>
-            <a:r>
-              <a:rPr lang="en-US" sz="2800" dirty="0" err="1" smtClean="0">
-                <a:latin typeface="Arial" charset="0"/>
-              </a:rPr>
-              <a:t>grep</a:t>
-            </a:r>
-            <a:r>
-              <a:rPr lang="en-US" sz="2800" dirty="0" smtClean="0">
-                <a:latin typeface="Arial" charset="0"/>
-              </a:rPr>
-              <a:t> “</a:t>
-            </a:r>
-            <a:r>
-              <a:rPr lang="en-US" sz="2800" dirty="0" err="1" smtClean="0">
-                <a:latin typeface="Arial" charset="0"/>
-              </a:rPr>
-              <a:t>strangefilename.raw</a:t>
-            </a:r>
-            <a:r>
-              <a:rPr lang="en-US" sz="2800" dirty="0" smtClean="0">
-                <a:latin typeface="Arial" charset="0"/>
-              </a:rPr>
-              <a:t>”</a:t>
-            </a:r>
-            <a:endParaRPr lang="en-US" sz="2800" dirty="0">
-              <a:latin typeface="Arial" charset="0"/>
-            </a:endParaRPr>
-          </a:p>
-        </p:txBody>
-      </p:sp>
-      <p:sp>
-        <p:nvSpPr>
-          <p:cNvPr id="2084" name="Text Box 18"/>
-          <p:cNvSpPr txBox="1">
-            <a:spLocks noChangeArrowheads="1"/>
-          </p:cNvSpPr>
-          <p:nvPr/>
-        </p:nvSpPr>
-        <p:spPr bwMode="auto">
-          <a:xfrm>
-            <a:off x="10972800" y="37185600"/>
-            <a:ext cx="8713788" cy="4362450"/>
-          </a:xfrm>
-          <a:prstGeom prst="rect">
-            <a:avLst/>
-          </a:prstGeom>
-          <a:noFill/>
-          <a:ln w="9525">
-            <a:noFill/>
-            <a:miter lim="800000"/>
-            <a:headEnd/>
-            <a:tailEnd/>
-          </a:ln>
-        </p:spPr>
-        <p:txBody>
-          <a:bodyPr>
-            <a:spAutoFit/>
-          </a:bodyPr>
-          <a:lstStyle/>
-          <a:p>
-            <a:pPr eaLnBrk="0" hangingPunct="0"/>
-            <a:r>
-              <a:rPr lang="en-US" b="1" dirty="0" smtClean="0">
-                <a:latin typeface="Arial"/>
-                <a:cs typeface="Arial"/>
-              </a:rPr>
-              <a:t>CASTORFS</a:t>
-            </a:r>
-            <a:r>
-              <a:rPr lang="en-US" dirty="0" smtClean="0"/>
-              <a:t> </a:t>
-            </a:r>
-            <a:r>
-              <a:rPr lang="en-US" sz="2800" dirty="0" smtClean="0">
-                <a:latin typeface="Arial" charset="0"/>
-              </a:rPr>
-              <a:t>is available  as a RPM </a:t>
-            </a:r>
-            <a:r>
-              <a:rPr lang="en-US" sz="2800" dirty="0">
-                <a:latin typeface="Arial" charset="0"/>
-              </a:rPr>
-              <a:t>package for Scientific Linux CERN (SLC4 and SLC5, both 32 and 64-bit architectures)</a:t>
-            </a:r>
-          </a:p>
-          <a:p>
-            <a:pPr eaLnBrk="0" hangingPunct="0"/>
-            <a:endParaRPr lang="en-US" sz="2800" dirty="0">
-              <a:latin typeface="Arial" charset="0"/>
-            </a:endParaRPr>
-          </a:p>
-          <a:p>
-            <a:pPr eaLnBrk="0" hangingPunct="0"/>
-            <a:r>
-              <a:rPr lang="en-US" sz="2800" dirty="0" smtClean="0">
-                <a:latin typeface="Arial" charset="0"/>
-              </a:rPr>
-              <a:t>In </a:t>
-            </a:r>
-            <a:r>
-              <a:rPr lang="en-US" sz="2800" dirty="0">
-                <a:latin typeface="Arial" charset="0"/>
-              </a:rPr>
-              <a:t>the LHCb </a:t>
-            </a:r>
-            <a:r>
-              <a:rPr lang="en-US" sz="2800" dirty="0" smtClean="0">
-                <a:latin typeface="Arial" charset="0"/>
-              </a:rPr>
-              <a:t>Online cluster  </a:t>
-            </a:r>
-            <a:r>
-              <a:rPr lang="en-US" sz="2800" dirty="0">
-                <a:latin typeface="Arial" charset="0"/>
-              </a:rPr>
-              <a:t>(CERN) </a:t>
-            </a:r>
-            <a:r>
-              <a:rPr lang="en-US" sz="2800" dirty="0" smtClean="0">
-                <a:latin typeface="Arial" charset="0"/>
-              </a:rPr>
-              <a:t>the CASTORFS </a:t>
-            </a:r>
-            <a:r>
-              <a:rPr lang="en-US" sz="2800" dirty="0">
-                <a:latin typeface="Arial" charset="0"/>
-              </a:rPr>
-              <a:t>RPM </a:t>
-            </a:r>
-            <a:r>
-              <a:rPr lang="en-US" sz="2800" dirty="0" smtClean="0">
-                <a:latin typeface="Arial" charset="0"/>
-              </a:rPr>
-              <a:t>has been </a:t>
-            </a:r>
-            <a:r>
-              <a:rPr lang="en-US" sz="2800" dirty="0">
-                <a:latin typeface="Arial" charset="0"/>
-              </a:rPr>
-              <a:t>distributed to the </a:t>
-            </a:r>
-            <a:r>
-              <a:rPr lang="en-US" sz="2800" dirty="0" smtClean="0">
-                <a:latin typeface="Arial" charset="0"/>
-              </a:rPr>
-              <a:t>compute </a:t>
-            </a:r>
-            <a:r>
-              <a:rPr lang="en-US" sz="2800" dirty="0">
-                <a:latin typeface="Arial" charset="0"/>
-              </a:rPr>
-              <a:t>farm using </a:t>
-            </a:r>
-            <a:r>
-              <a:rPr lang="en-US" sz="2800" dirty="0" smtClean="0">
-                <a:latin typeface="Arial" charset="0"/>
-              </a:rPr>
-              <a:t>Quattor/</a:t>
-            </a:r>
-            <a:r>
-              <a:rPr lang="en-US" sz="2800" dirty="0" err="1" smtClean="0">
-                <a:latin typeface="Arial" charset="0"/>
-              </a:rPr>
-              <a:t>LinuxFC</a:t>
-            </a:r>
-            <a:r>
-              <a:rPr lang="en-US" sz="2800" dirty="0" smtClean="0">
-                <a:latin typeface="Arial" charset="0"/>
-              </a:rPr>
-              <a:t>  </a:t>
-            </a:r>
-            <a:r>
-              <a:rPr lang="en-US" sz="2800" dirty="0">
-                <a:latin typeface="Arial" charset="0"/>
-              </a:rPr>
-              <a:t>(a system administration toolkit for </a:t>
-            </a:r>
-            <a:r>
-              <a:rPr lang="en-US" sz="2800" dirty="0" smtClean="0">
-                <a:latin typeface="Arial" charset="0"/>
-              </a:rPr>
-              <a:t>automated </a:t>
-            </a:r>
-            <a:r>
-              <a:rPr lang="en-US" sz="2800" dirty="0">
-                <a:latin typeface="Arial" charset="0"/>
-              </a:rPr>
-              <a:t>installation, configuration and management of </a:t>
-            </a:r>
-            <a:r>
-              <a:rPr lang="en-US" sz="2800" dirty="0" smtClean="0">
-                <a:latin typeface="Arial" charset="0"/>
-              </a:rPr>
-              <a:t>Linux-clusters ).</a:t>
-            </a:r>
-            <a:endParaRPr lang="en-US" sz="2800" dirty="0">
-              <a:latin typeface="Arial" charset="0"/>
-            </a:endParaRPr>
-          </a:p>
-          <a:p>
-            <a:pPr eaLnBrk="0" hangingPunct="0"/>
-            <a:endParaRPr lang="en-US" sz="2800" dirty="0">
-              <a:latin typeface="Arial" charset="0"/>
-            </a:endParaRPr>
-          </a:p>
-        </p:txBody>
-      </p:sp>
-      <p:pic>
-        <p:nvPicPr>
-          <p:cNvPr id="2088" name="Picture 91" descr="j0078736[1]"/>
-          <p:cNvPicPr>
-            <a:picLocks noChangeAspect="1" noChangeArrowheads="1"/>
-          </p:cNvPicPr>
-          <p:nvPr/>
-        </p:nvPicPr>
-        <p:blipFill>
-          <a:blip r:embed="rId6"/>
-          <a:srcRect/>
-          <a:stretch>
-            <a:fillRect/>
-          </a:stretch>
-        </p:blipFill>
-        <p:spPr bwMode="auto">
-          <a:xfrm flipH="1">
-            <a:off x="22098000" y="23695025"/>
-            <a:ext cx="5235575" cy="3927475"/>
-          </a:xfrm>
-          <a:prstGeom prst="rect">
-            <a:avLst/>
-          </a:prstGeom>
-          <a:noFill/>
-          <a:ln w="9525">
-            <a:noFill/>
-            <a:miter lim="800000"/>
-            <a:headEnd/>
-            <a:tailEnd/>
-          </a:ln>
-        </p:spPr>
-      </p:pic>
-      <p:sp>
-        <p:nvSpPr>
-          <p:cNvPr id="2089" name="Text Box 74"/>
-          <p:cNvSpPr txBox="1">
-            <a:spLocks noChangeArrowheads="1"/>
-          </p:cNvSpPr>
-          <p:nvPr/>
-        </p:nvSpPr>
-        <p:spPr bwMode="auto">
-          <a:xfrm>
-            <a:off x="10896600" y="26365200"/>
-            <a:ext cx="8991600" cy="1482725"/>
+            <a:off x="10552112" y="6972569"/>
+            <a:ext cx="19445605" cy="1496473"/>
           </a:xfrm>
           <a:prstGeom prst="rect">
             <a:avLst/>
@@ -7267,7 +5800,7 @@
           </a:ln>
         </p:spPr>
         <p:txBody>
-          <a:bodyPr lIns="360000" tIns="360000" rIns="360000" bIns="360000">
+          <a:bodyPr wrap="square" lIns="360000" tIns="360000" rIns="360000" bIns="360000">
             <a:spAutoFit/>
           </a:bodyPr>
           <a:lstStyle/>
@@ -7278,20 +5811,35 @@
               </a:spcBef>
             </a:pPr>
             <a:r>
-              <a:rPr lang="en-US" sz="5000" b="1">
+              <a:rPr lang="en-US" sz="5000" b="1" dirty="0">
                 <a:solidFill>
                   <a:schemeClr val="bg1"/>
                 </a:solidFill>
                 <a:latin typeface="Arial" charset="0"/>
               </a:rPr>
-              <a:t>5. Extended attributes</a:t>
-            </a:r>
-          </a:p>
-        </p:txBody>
-      </p:sp>
-      <p:sp>
-        <p:nvSpPr>
-          <p:cNvPr id="2090" name="Text Box 74"/>
+              <a:t>2</a:t>
+            </a:r>
+            <a:r>
+              <a:rPr lang="en-US" sz="5000" b="1" dirty="0" smtClean="0">
+                <a:solidFill>
+                  <a:schemeClr val="bg1"/>
+                </a:solidFill>
+                <a:latin typeface="Arial" charset="0"/>
+              </a:rPr>
+              <a:t>. LHCbPR Workflows</a:t>
+            </a:r>
+            <a:endParaRPr lang="en-US" sz="5000" b="1" dirty="0">
+              <a:solidFill>
+                <a:schemeClr val="bg1"/>
+              </a:solidFill>
+              <a:latin typeface="Arial" charset="0"/>
+            </a:endParaRPr>
+          </a:p>
+        </p:txBody>
+      </p:sp>
+      <p:sp>
+        <p:nvSpPr>
+          <p:cNvPr id="105" name="Text Box 7"/>
           <p:cNvSpPr txBox="1">
             <a:spLocks noChangeArrowheads="1"/>
           </p:cNvSpPr>
@@ -7299,8 +5847,8 @@
         </p:nvSpPr>
         <p:spPr bwMode="auto">
           <a:xfrm>
-            <a:off x="10896600" y="35509200"/>
-            <a:ext cx="8991600" cy="1482725"/>
+            <a:off x="10490199" y="21422774"/>
+            <a:ext cx="8610600" cy="1496473"/>
           </a:xfrm>
           <a:prstGeom prst="rect">
             <a:avLst/>
@@ -7316,7 +5864,7 @@
           </a:ln>
         </p:spPr>
         <p:txBody>
-          <a:bodyPr lIns="360000" tIns="360000" rIns="360000" bIns="360000">
+          <a:bodyPr wrap="square" lIns="360000" tIns="360000" rIns="360000" bIns="360000">
             <a:spAutoFit/>
           </a:bodyPr>
           <a:lstStyle/>
@@ -7327,29 +5875,42 @@
               </a:spcBef>
             </a:pPr>
             <a:r>
-              <a:rPr lang="en-US" sz="5000" b="1">
+              <a:rPr lang="en-US" sz="5000" b="1" dirty="0">
                 <a:solidFill>
                   <a:schemeClr val="bg1"/>
                 </a:solidFill>
                 <a:latin typeface="Arial" charset="0"/>
               </a:rPr>
-              <a:t>6. Packaging</a:t>
-            </a:r>
-          </a:p>
-        </p:txBody>
-      </p:sp>
-      <p:sp>
-        <p:nvSpPr>
-          <p:cNvPr id="2091" name="Text Box 18"/>
-          <p:cNvSpPr txBox="1">
-            <a:spLocks noChangeArrowheads="1"/>
-          </p:cNvSpPr>
+              <a:t>4</a:t>
+            </a:r>
+            <a:r>
+              <a:rPr lang="en-US" sz="5000" b="1" dirty="0" smtClean="0">
+                <a:solidFill>
+                  <a:schemeClr val="bg1"/>
+                </a:solidFill>
+                <a:latin typeface="Arial" charset="0"/>
+              </a:rPr>
+              <a:t>. Deployment</a:t>
+            </a:r>
+            <a:endParaRPr lang="en-US" sz="5000" b="1" dirty="0">
+              <a:solidFill>
+                <a:schemeClr val="bg1"/>
+              </a:solidFill>
+              <a:latin typeface="Arial" charset="0"/>
+            </a:endParaRPr>
+          </a:p>
+        </p:txBody>
+      </p:sp>
+      <p:sp>
+        <p:nvSpPr>
+          <p:cNvPr id="15" name="Rectangle 14"/>
+          <p:cNvSpPr/>
           <p:nvPr/>
         </p:nvSpPr>
         <p:spPr bwMode="auto">
           <a:xfrm>
-            <a:off x="10896600" y="6972300"/>
-            <a:ext cx="8991601" cy="5693866"/>
+            <a:off x="10521155" y="22871369"/>
+            <a:ext cx="8548687" cy="13066827"/>
           </a:xfrm>
           <a:prstGeom prst="rect">
             <a:avLst/>
@@ -7357,275 +5918,55 @@
           <a:solidFill>
             <a:schemeClr val="bg1"/>
           </a:solidFill>
-          <a:ln w="9525">
+          <a:ln w="9525" cap="flat" cmpd="sng" algn="ctr">
             <a:noFill/>
-            <a:miter lim="800000"/>
-            <a:headEnd/>
-            <a:tailEnd/>
+            <a:prstDash val="solid"/>
+            <a:round/>
+            <a:headEnd type="none" w="med" len="med"/>
+            <a:tailEnd type="none" w="med" len="med"/>
           </a:ln>
-        </p:spPr>
-        <p:txBody>
-          <a:bodyPr wrap="square">
-            <a:spAutoFit/>
+          <a:effectLst/>
+        </p:spPr>
+        <p:txBody>
+          <a:bodyPr vert="horz" wrap="square" lIns="91440" tIns="45720" rIns="91440" bIns="45720" numCol="1" rtlCol="0" anchor="t" anchorCtr="0" compatLnSpc="1">
+            <a:prstTxWarp prst="textNoShape">
+              <a:avLst/>
+            </a:prstTxWarp>
           </a:bodyPr>
           <a:lstStyle/>
           <a:p>
-            <a:pPr eaLnBrk="0" hangingPunct="0"/>
-            <a:r>
-              <a:rPr lang="en-US" sz="2800" dirty="0" smtClean="0">
-                <a:latin typeface="Arial" charset="0"/>
-              </a:rPr>
-              <a:t>The CASTOR </a:t>
-            </a:r>
-            <a:r>
-              <a:rPr lang="en-US" sz="2800" dirty="0">
-                <a:latin typeface="Arial" charset="0"/>
-              </a:rPr>
-              <a:t>RFIO library provides </a:t>
-            </a:r>
-            <a:r>
-              <a:rPr lang="en-US" sz="2800" dirty="0" smtClean="0">
-                <a:latin typeface="Arial" charset="0"/>
-              </a:rPr>
-              <a:t>the main </a:t>
-            </a:r>
-            <a:r>
-              <a:rPr lang="en-US" sz="2800" dirty="0">
-                <a:latin typeface="Arial" charset="0"/>
-              </a:rPr>
-              <a:t>input/output operations for </a:t>
-            </a:r>
-            <a:r>
-              <a:rPr lang="en-US" sz="2800" dirty="0" smtClean="0">
-                <a:latin typeface="Arial" charset="0"/>
-              </a:rPr>
-              <a:t>files in CASTOR</a:t>
-            </a:r>
-            <a:r>
-              <a:rPr lang="en-US" sz="2800" dirty="0">
-                <a:latin typeface="Arial" charset="0"/>
-              </a:rPr>
-              <a:t>: </a:t>
-            </a:r>
-            <a:r>
-              <a:rPr lang="en-US" sz="2800" dirty="0" err="1">
-                <a:latin typeface="Arial" charset="0"/>
-              </a:rPr>
-              <a:t>rfio_readdir</a:t>
-            </a:r>
-            <a:r>
-              <a:rPr lang="en-US" sz="2800" dirty="0">
-                <a:latin typeface="Arial" charset="0"/>
-              </a:rPr>
-              <a:t>, </a:t>
-            </a:r>
-            <a:r>
-              <a:rPr lang="en-US" sz="2800" dirty="0" err="1">
-                <a:latin typeface="Arial" charset="0"/>
-              </a:rPr>
-              <a:t>rfio_open</a:t>
-            </a:r>
-            <a:r>
-              <a:rPr lang="en-US" sz="2800" dirty="0">
-                <a:latin typeface="Arial" charset="0"/>
-              </a:rPr>
-              <a:t>, </a:t>
-            </a:r>
-            <a:r>
-              <a:rPr lang="en-US" sz="2800" dirty="0" err="1">
-                <a:latin typeface="Arial" charset="0"/>
-              </a:rPr>
-              <a:t>rfio_read</a:t>
-            </a:r>
-            <a:r>
-              <a:rPr lang="en-US" sz="2800" dirty="0">
-                <a:latin typeface="Arial" charset="0"/>
-              </a:rPr>
-              <a:t>, </a:t>
-            </a:r>
-            <a:r>
-              <a:rPr lang="en-US" sz="2800" dirty="0" err="1">
-                <a:latin typeface="Arial" charset="0"/>
-              </a:rPr>
-              <a:t>rfio_mkdir</a:t>
-            </a:r>
-            <a:r>
-              <a:rPr lang="en-US" sz="2800" dirty="0">
-                <a:latin typeface="Arial" charset="0"/>
-              </a:rPr>
-              <a:t>, </a:t>
-            </a:r>
-            <a:r>
-              <a:rPr lang="en-US" sz="2800" dirty="0" err="1">
-                <a:latin typeface="Arial" charset="0"/>
-              </a:rPr>
-              <a:t>rfio_stat</a:t>
-            </a:r>
-            <a:r>
-              <a:rPr lang="en-US" sz="2800" dirty="0">
-                <a:latin typeface="Arial" charset="0"/>
-              </a:rPr>
-              <a:t>,… – each operation has a </a:t>
-            </a:r>
-            <a:r>
-              <a:rPr lang="en-US" sz="2800" dirty="0" smtClean="0">
-                <a:latin typeface="Arial" charset="0"/>
-              </a:rPr>
-              <a:t>corresponding </a:t>
-            </a:r>
-            <a:r>
-              <a:rPr lang="en-US" sz="2800" dirty="0">
-                <a:latin typeface="Arial" charset="0"/>
-              </a:rPr>
-              <a:t>POSIX operation: </a:t>
-            </a:r>
-            <a:r>
-              <a:rPr lang="en-US" sz="2800" dirty="0" err="1">
-                <a:latin typeface="Arial" charset="0"/>
-              </a:rPr>
-              <a:t>readdir</a:t>
-            </a:r>
-            <a:r>
-              <a:rPr lang="en-US" sz="2800" dirty="0">
-                <a:latin typeface="Arial" charset="0"/>
-              </a:rPr>
-              <a:t>, open, read, </a:t>
-            </a:r>
-            <a:r>
-              <a:rPr lang="en-US" sz="2800" dirty="0" err="1">
-                <a:latin typeface="Arial" charset="0"/>
-              </a:rPr>
-              <a:t>mkdir</a:t>
-            </a:r>
-            <a:r>
-              <a:rPr lang="en-US" sz="2800" dirty="0">
-                <a:latin typeface="Arial" charset="0"/>
-              </a:rPr>
-              <a:t>, stat,….</a:t>
-            </a:r>
-          </a:p>
-          <a:p>
-            <a:pPr eaLnBrk="0" hangingPunct="0"/>
-            <a:endParaRPr lang="en-US" sz="2800" dirty="0">
-              <a:latin typeface="Arial" charset="0"/>
+            <a:pPr marL="0" marR="0" indent="0" algn="l" defTabSz="914400" rtl="0" eaLnBrk="0" fontAlgn="base" latinLnBrk="0" hangingPunct="0">
+              <a:lnSpc>
+                <a:spcPct val="100000"/>
+              </a:lnSpc>
+              <a:spcBef>
+                <a:spcPct val="0"/>
+              </a:spcBef>
+              <a:spcAft>
+                <a:spcPct val="0"/>
+              </a:spcAft>
+              <a:buClrTx/>
+              <a:buSzTx/>
+              <a:buFontTx/>
+              <a:buNone/>
+              <a:tabLst/>
+            </a:pPr>
+            <a:endParaRPr kumimoji="0" lang="en-US" sz="2400" b="0" i="0" u="none" strike="noStrike" cap="none" normalizeH="0" baseline="0" smtClean="0">
+              <a:ln>
+                <a:noFill/>
+              </a:ln>
+              <a:solidFill>
+                <a:schemeClr val="tx1"/>
+              </a:solidFill>
+              <a:effectLst/>
+              <a:latin typeface="Times New Roman" pitchFamily="18" charset="0"/>
             </a:endParaRPr>
           </a:p>
-          <a:p>
-            <a:pPr eaLnBrk="0" hangingPunct="0"/>
-            <a:r>
-              <a:rPr lang="en-US" sz="2800" dirty="0" smtClean="0">
-                <a:latin typeface="Arial" charset="0"/>
-              </a:rPr>
-              <a:t>The CASTOR </a:t>
-            </a:r>
-            <a:r>
-              <a:rPr lang="en-US" sz="2800" dirty="0">
-                <a:latin typeface="Arial" charset="0"/>
-              </a:rPr>
-              <a:t>NS library provides information about files and  </a:t>
-            </a:r>
-            <a:r>
-              <a:rPr lang="en-US" sz="2800" dirty="0" smtClean="0">
-                <a:latin typeface="Arial" charset="0"/>
-              </a:rPr>
-              <a:t>directories in </a:t>
-            </a:r>
-            <a:r>
-              <a:rPr lang="en-US" sz="2800" dirty="0">
-                <a:latin typeface="Arial" charset="0"/>
-              </a:rPr>
-              <a:t>CASTOR. The </a:t>
-            </a:r>
-            <a:r>
-              <a:rPr lang="en-US" sz="2800" dirty="0" smtClean="0">
-                <a:latin typeface="Arial" charset="0"/>
-              </a:rPr>
-              <a:t>library not only </a:t>
-            </a:r>
-            <a:r>
-              <a:rPr lang="en-US" sz="2800" dirty="0">
-                <a:latin typeface="Arial" charset="0"/>
-              </a:rPr>
-              <a:t>allows  </a:t>
-            </a:r>
-            <a:r>
-              <a:rPr lang="en-US" sz="2800" dirty="0" smtClean="0">
-                <a:latin typeface="Arial" charset="0"/>
-              </a:rPr>
-              <a:t>to retrieve standard meta-data </a:t>
-            </a:r>
-            <a:r>
-              <a:rPr lang="en-US" sz="2800" dirty="0">
-                <a:latin typeface="Arial" charset="0"/>
-              </a:rPr>
-              <a:t>like creation and modification time, owner and size </a:t>
-            </a:r>
-            <a:r>
-              <a:rPr lang="en-US" sz="2800" dirty="0" smtClean="0">
-                <a:latin typeface="Arial" charset="0"/>
-              </a:rPr>
-              <a:t>of a </a:t>
-            </a:r>
-            <a:r>
-              <a:rPr lang="en-US" sz="2800" dirty="0">
-                <a:latin typeface="Arial" charset="0"/>
-              </a:rPr>
-              <a:t>file/directory, </a:t>
-            </a:r>
-            <a:r>
-              <a:rPr lang="en-US" sz="2800" dirty="0" smtClean="0">
-                <a:latin typeface="Arial" charset="0"/>
-              </a:rPr>
-              <a:t>but </a:t>
-            </a:r>
-            <a:r>
-              <a:rPr lang="en-US" sz="2800" dirty="0">
-                <a:latin typeface="Arial" charset="0"/>
-              </a:rPr>
-              <a:t>also </a:t>
-            </a:r>
-            <a:r>
-              <a:rPr lang="en-US" sz="2800" dirty="0" smtClean="0">
-                <a:latin typeface="Arial" charset="0"/>
-              </a:rPr>
-              <a:t>to </a:t>
-            </a:r>
-            <a:r>
-              <a:rPr lang="en-US" sz="2800" dirty="0">
-                <a:latin typeface="Arial" charset="0"/>
-              </a:rPr>
-              <a:t>get some </a:t>
-            </a:r>
-            <a:r>
-              <a:rPr lang="en-US" sz="2800" dirty="0" smtClean="0">
-                <a:latin typeface="Arial" charset="0"/>
-              </a:rPr>
-              <a:t>additional attributes, such as checksum of a </a:t>
-            </a:r>
-            <a:r>
-              <a:rPr lang="en-US" sz="2800" dirty="0">
-                <a:latin typeface="Arial" charset="0"/>
-              </a:rPr>
-              <a:t>file, status of </a:t>
-            </a:r>
-            <a:r>
-              <a:rPr lang="en-US" sz="2800" dirty="0" smtClean="0">
-                <a:latin typeface="Arial" charset="0"/>
-              </a:rPr>
-              <a:t>a file with respect to </a:t>
-            </a:r>
-            <a:r>
-              <a:rPr lang="en-US" sz="2800" dirty="0">
-                <a:latin typeface="Arial" charset="0"/>
-              </a:rPr>
-              <a:t>migration from disk cache to tape.</a:t>
-            </a:r>
-          </a:p>
-        </p:txBody>
-      </p:sp>
-      <p:sp>
-        <p:nvSpPr>
-          <p:cNvPr id="2092" name="Text Box 74"/>
+        </p:txBody>
+      </p:sp>
+      <p:sp>
+        <p:nvSpPr>
+          <p:cNvPr id="112" name="Text Box 7"/>
           <p:cNvSpPr txBox="1">
             <a:spLocks noChangeArrowheads="1"/>
           </p:cNvSpPr>
@@ -7633,8 +5974,8 @@
         </p:nvSpPr>
         <p:spPr bwMode="auto">
           <a:xfrm>
-            <a:off x="20650200" y="11353800"/>
-            <a:ext cx="8991600" cy="1482725"/>
+            <a:off x="19504023" y="21387596"/>
+            <a:ext cx="10493694" cy="1496473"/>
           </a:xfrm>
           <a:prstGeom prst="rect">
             <a:avLst/>
@@ -7650,7 +5991,7 @@
           </a:ln>
         </p:spPr>
         <p:txBody>
-          <a:bodyPr lIns="360000" tIns="360000" rIns="360000" bIns="360000">
+          <a:bodyPr wrap="square" lIns="360000" tIns="360000" rIns="360000" bIns="360000">
             <a:spAutoFit/>
           </a:bodyPr>
           <a:lstStyle/>
@@ -7661,13 +6002,13 @@
               </a:spcBef>
             </a:pPr>
             <a:r>
-              <a:rPr lang="en-US" sz="5000" b="1" dirty="0">
+              <a:rPr lang="ru-RU" sz="5000" b="1" dirty="0" smtClean="0">
                 <a:solidFill>
                   <a:schemeClr val="bg1"/>
                 </a:solidFill>
                 <a:latin typeface="Arial" charset="0"/>
               </a:rPr>
-              <a:t>7</a:t>
+              <a:t>5</a:t>
             </a:r>
             <a:r>
               <a:rPr lang="en-US" sz="5000" b="1" dirty="0" smtClean="0">
@@ -7676,55 +6017,411 @@
                 </a:solidFill>
                 <a:latin typeface="Arial" charset="0"/>
               </a:rPr>
-              <a:t>. </a:t>
-            </a:r>
-            <a:r>
-              <a:rPr lang="en-US" sz="5000" b="1" dirty="0">
+              <a:t>.</a:t>
+            </a:r>
+            <a:r>
+              <a:rPr lang="en-US" sz="5000" b="1" dirty="0" smtClean="0">
                 <a:solidFill>
                   <a:schemeClr val="bg1"/>
                 </a:solidFill>
                 <a:latin typeface="Arial" charset="0"/>
               </a:rPr>
-              <a:t>Performance</a:t>
-            </a:r>
+              <a:t> Web Application</a:t>
+            </a:r>
+            <a:endParaRPr lang="en-US" sz="5000" b="1" dirty="0">
+              <a:solidFill>
+                <a:schemeClr val="bg1"/>
+              </a:solidFill>
+              <a:latin typeface="Arial" charset="0"/>
+            </a:endParaRPr>
           </a:p>
         </p:txBody>
       </p:sp>
       <p:pic>
         <p:nvPicPr>
-          <p:cNvPr id="2062" name="Picture 98" descr="j0078820[1]"/>
+          <p:cNvPr id="20" name="Picture 19"/>
           <p:cNvPicPr>
-            <a:picLocks noChangeAspect="1" noChangeArrowheads="1"/>
+            <a:picLocks noChangeAspect="1"/>
           </p:cNvPicPr>
           <p:nvPr/>
         </p:nvPicPr>
         <p:blipFill>
-          <a:blip r:embed="rId7"/>
-          <a:srcRect/>
+          <a:blip r:embed="rId7">
+            <a:extLst>
+              <a:ext uri="{28A0092B-C50C-407E-A947-70E740481C1C}">
+                <a14:useLocalDpi xmlns:a14="http://schemas.microsoft.com/office/drawing/2010/main" val="0"/>
+              </a:ext>
+            </a:extLst>
+          </a:blip>
           <a:stretch>
             <a:fillRect/>
           </a:stretch>
         </p:blipFill>
-        <p:spPr bwMode="auto">
+        <p:spPr>
           <a:xfrm>
-            <a:off x="26822400" y="13296900"/>
-            <a:ext cx="2581275" cy="3152775"/>
+            <a:off x="19504022" y="22871369"/>
+            <a:ext cx="10493695" cy="3479193"/>
+          </a:xfrm>
+          <a:prstGeom prst="rect">
+            <a:avLst/>
+          </a:prstGeom>
+        </p:spPr>
+      </p:pic>
+      <p:pic>
+        <p:nvPicPr>
+          <p:cNvPr id="22" name="Picture 21"/>
+          <p:cNvPicPr>
+            <a:picLocks noChangeAspect="1"/>
+          </p:cNvPicPr>
+          <p:nvPr/>
+        </p:nvPicPr>
+        <p:blipFill>
+          <a:blip r:embed="rId8">
+            <a:extLst>
+              <a:ext uri="{28A0092B-C50C-407E-A947-70E740481C1C}">
+                <a14:useLocalDpi xmlns:a14="http://schemas.microsoft.com/office/drawing/2010/main" val="0"/>
+              </a:ext>
+            </a:extLst>
+          </a:blip>
+          <a:stretch>
+            <a:fillRect/>
+          </a:stretch>
+        </p:blipFill>
+        <p:spPr>
+          <a:xfrm>
+            <a:off x="19538838" y="26631900"/>
+            <a:ext cx="7507627" cy="6041466"/>
+          </a:xfrm>
+          <a:prstGeom prst="rect">
+            <a:avLst/>
+          </a:prstGeom>
+        </p:spPr>
+      </p:pic>
+      <p:pic>
+        <p:nvPicPr>
+          <p:cNvPr id="24" name="Picture 23"/>
+          <p:cNvPicPr>
+            <a:picLocks noChangeAspect="1"/>
+          </p:cNvPicPr>
+          <p:nvPr/>
+        </p:nvPicPr>
+        <p:blipFill>
+          <a:blip r:embed="rId9"/>
+          <a:stretch>
+            <a:fillRect/>
+          </a:stretch>
+        </p:blipFill>
+        <p:spPr>
+          <a:xfrm>
+            <a:off x="11182350" y="22805072"/>
+            <a:ext cx="6756400" cy="8267700"/>
+          </a:xfrm>
+          <a:prstGeom prst="rect">
+            <a:avLst/>
+          </a:prstGeom>
+        </p:spPr>
+      </p:pic>
+      <p:sp>
+        <p:nvSpPr>
+          <p:cNvPr id="26" name="TextBox 25"/>
+          <p:cNvSpPr txBox="1"/>
+          <p:nvPr/>
+        </p:nvSpPr>
+        <p:spPr>
+          <a:xfrm>
+            <a:off x="10744200" y="31139069"/>
+            <a:ext cx="7972738" cy="4154984"/>
           </a:xfrm>
           <a:prstGeom prst="rect">
             <a:avLst/>
           </a:prstGeom>
           <a:noFill/>
-          <a:ln w="9525">
-            <a:noFill/>
-            <a:miter lim="800000"/>
-            <a:headEnd/>
-            <a:tailEnd/>
-          </a:ln>
-        </p:spPr>
-      </p:pic>
-      <p:sp>
-        <p:nvSpPr>
-          <p:cNvPr id="2094" name="Text Box 74"/>
+        </p:spPr>
+        <p:txBody>
+          <a:bodyPr wrap="square" rtlCol="0">
+            <a:spAutoFit/>
+          </a:bodyPr>
+          <a:lstStyle/>
+          <a:p>
+            <a:pPr marL="342900" indent="-342900">
+              <a:buFont typeface="Arial" charset="0"/>
+              <a:buChar char="•"/>
+            </a:pPr>
+            <a:r>
+              <a:rPr lang="en-US" b="1" dirty="0" smtClean="0">
+                <a:latin typeface="+mn-lt"/>
+              </a:rPr>
+              <a:t>Docker</a:t>
+            </a:r>
+            <a:r>
+              <a:rPr lang="en-US" dirty="0" smtClean="0">
+                <a:latin typeface="+mn-lt"/>
+              </a:rPr>
+              <a:t> is used to manage applications’ containers and </a:t>
+            </a:r>
+            <a:r>
+              <a:rPr lang="en-US" b="1" dirty="0" smtClean="0">
+                <a:latin typeface="+mn-lt"/>
+              </a:rPr>
+              <a:t>docker-compose</a:t>
+            </a:r>
+            <a:r>
+              <a:rPr lang="en-US" dirty="0" smtClean="0">
+                <a:latin typeface="+mn-lt"/>
+              </a:rPr>
+              <a:t> is used for orchestrate containers in different environments.</a:t>
+            </a:r>
+            <a:endParaRPr lang="ru-RU" dirty="0" smtClean="0">
+              <a:latin typeface="+mn-lt"/>
+            </a:endParaRPr>
+          </a:p>
+          <a:p>
+            <a:pPr marL="342900" indent="-342900">
+              <a:buFont typeface="Arial" charset="0"/>
+              <a:buChar char="•"/>
+            </a:pPr>
+            <a:r>
+              <a:rPr lang="en-US" dirty="0" smtClean="0">
+                <a:latin typeface="+mn-lt"/>
+              </a:rPr>
+              <a:t>The same applications’ images are used for </a:t>
+            </a:r>
+            <a:r>
+              <a:rPr lang="en-US" b="1" dirty="0" smtClean="0">
+                <a:latin typeface="+mn-lt"/>
+              </a:rPr>
+              <a:t>production</a:t>
+            </a:r>
+            <a:r>
+              <a:rPr lang="en-US" dirty="0" smtClean="0">
+                <a:latin typeface="+mn-lt"/>
+              </a:rPr>
+              <a:t> and </a:t>
+            </a:r>
+            <a:r>
+              <a:rPr lang="en-US" b="1" dirty="0" smtClean="0">
+                <a:latin typeface="+mn-lt"/>
+              </a:rPr>
+              <a:t>development</a:t>
+            </a:r>
+            <a:r>
+              <a:rPr lang="en-US" dirty="0" smtClean="0">
+                <a:latin typeface="+mn-lt"/>
+              </a:rPr>
+              <a:t> </a:t>
+            </a:r>
+            <a:r>
+              <a:rPr lang="en-US" dirty="0">
+                <a:latin typeface="+mn-lt"/>
+              </a:rPr>
+              <a:t>environments that </a:t>
+            </a:r>
+            <a:r>
+              <a:rPr lang="en-US" dirty="0" smtClean="0">
+                <a:latin typeface="+mn-lt"/>
+              </a:rPr>
+              <a:t>allow quickly </a:t>
+            </a:r>
+            <a:r>
+              <a:rPr lang="en-US" dirty="0">
+                <a:latin typeface="+mn-lt"/>
+              </a:rPr>
+              <a:t>test and deploy </a:t>
+            </a:r>
+            <a:r>
+              <a:rPr lang="en-US" dirty="0" smtClean="0">
+                <a:latin typeface="+mn-lt"/>
+              </a:rPr>
+              <a:t>new versions of services.</a:t>
+            </a:r>
+          </a:p>
+          <a:p>
+            <a:pPr marL="342900" indent="-342900">
+              <a:buFont typeface="Arial" charset="0"/>
+              <a:buChar char="•"/>
+            </a:pPr>
+            <a:r>
+              <a:rPr lang="en-US" dirty="0" smtClean="0">
+                <a:latin typeface="+mn-lt"/>
+              </a:rPr>
+              <a:t>Images </a:t>
+            </a:r>
+            <a:r>
+              <a:rPr lang="en-US" dirty="0">
+                <a:latin typeface="+mn-lt"/>
+              </a:rPr>
+              <a:t>are p</a:t>
+            </a:r>
+            <a:r>
+              <a:rPr lang="en-US" dirty="0" smtClean="0">
+                <a:latin typeface="+mn-lt"/>
+              </a:rPr>
+              <a:t>ublicly accessible at the </a:t>
+            </a:r>
+            <a:r>
+              <a:rPr lang="en-US" b="1" dirty="0" smtClean="0">
+                <a:latin typeface="+mn-lt"/>
+              </a:rPr>
+              <a:t>Docker Hub </a:t>
+            </a:r>
+            <a:r>
+              <a:rPr lang="en-US" dirty="0" smtClean="0">
+                <a:latin typeface="+mn-lt"/>
+              </a:rPr>
+              <a:t>registry.</a:t>
+            </a:r>
+            <a:endParaRPr lang="ru-RU" dirty="0" smtClean="0">
+              <a:latin typeface="+mn-lt"/>
+            </a:endParaRPr>
+          </a:p>
+          <a:p>
+            <a:pPr marL="342900" indent="-342900">
+              <a:buFont typeface="Arial" charset="0"/>
+              <a:buChar char="•"/>
+            </a:pPr>
+            <a:r>
+              <a:rPr lang="en-US" dirty="0" smtClean="0">
+                <a:latin typeface="+mn-lt"/>
+              </a:rPr>
+              <a:t>Current infrastructure relies on </a:t>
+            </a:r>
+            <a:r>
+              <a:rPr lang="en-US" b="1" dirty="0" smtClean="0">
+                <a:latin typeface="+mn-lt"/>
+              </a:rPr>
+              <a:t>CERN services </a:t>
+            </a:r>
+            <a:r>
+              <a:rPr lang="en-US" dirty="0" smtClean="0">
+                <a:latin typeface="+mn-lt"/>
+              </a:rPr>
+              <a:t>like OpenStack Cloud, Database On Demand and</a:t>
+            </a:r>
+            <a:r>
+              <a:rPr lang="ru-RU" dirty="0" smtClean="0">
+                <a:latin typeface="+mn-lt"/>
+              </a:rPr>
+              <a:t> </a:t>
+            </a:r>
+            <a:r>
+              <a:rPr lang="en-US" dirty="0" smtClean="0">
+                <a:latin typeface="+mn-lt"/>
+              </a:rPr>
+              <a:t>Foreman for control virtual machines</a:t>
+            </a:r>
+            <a:endParaRPr lang="en-US" dirty="0">
+              <a:latin typeface="+mn-lt"/>
+            </a:endParaRPr>
+          </a:p>
+        </p:txBody>
+      </p:sp>
+      <p:sp>
+        <p:nvSpPr>
+          <p:cNvPr id="27" name="TextBox 26"/>
+          <p:cNvSpPr txBox="1"/>
+          <p:nvPr/>
+        </p:nvSpPr>
+        <p:spPr>
+          <a:xfrm>
+            <a:off x="19708228" y="32954704"/>
+            <a:ext cx="10085282" cy="3046988"/>
+          </a:xfrm>
+          <a:prstGeom prst="rect">
+            <a:avLst/>
+          </a:prstGeom>
+          <a:noFill/>
+        </p:spPr>
+        <p:txBody>
+          <a:bodyPr wrap="square" rtlCol="0">
+            <a:spAutoFit/>
+          </a:bodyPr>
+          <a:lstStyle/>
+          <a:p>
+            <a:pPr marL="342900" indent="-342900">
+              <a:buFont typeface="Arial" charset="0"/>
+              <a:buChar char="•"/>
+            </a:pPr>
+            <a:r>
+              <a:rPr lang="en-US" dirty="0" smtClean="0">
+                <a:latin typeface="+mn-lt"/>
+              </a:rPr>
+              <a:t>Web frontend is a javascript single-page application that is composed of </a:t>
+            </a:r>
+            <a:r>
+              <a:rPr lang="en-US" b="1" dirty="0" smtClean="0">
+                <a:latin typeface="+mn-lt"/>
+              </a:rPr>
+              <a:t>analysis modules </a:t>
+            </a:r>
+            <a:r>
+              <a:rPr lang="en-US" dirty="0" smtClean="0">
+                <a:latin typeface="+mn-lt"/>
+              </a:rPr>
+              <a:t>for presenting specific logic and views for inspecting test results.</a:t>
+            </a:r>
+          </a:p>
+          <a:p>
+            <a:pPr marL="342900" indent="-342900">
+              <a:buFont typeface="Arial" charset="0"/>
+              <a:buChar char="•"/>
+            </a:pPr>
+            <a:r>
+              <a:rPr lang="en-US" dirty="0" smtClean="0">
+                <a:latin typeface="+mn-lt"/>
+              </a:rPr>
+              <a:t>Each analysis module is an </a:t>
+            </a:r>
+            <a:r>
+              <a:rPr lang="en-US" b="1" dirty="0" smtClean="0">
+                <a:latin typeface="+mn-lt"/>
+              </a:rPr>
+              <a:t>application extensions </a:t>
+            </a:r>
+            <a:r>
+              <a:rPr lang="en-US" dirty="0" smtClean="0">
+                <a:latin typeface="+mn-lt"/>
+              </a:rPr>
+              <a:t>and can be simply added or removed without  breaking the main application</a:t>
+            </a:r>
+          </a:p>
+          <a:p>
+            <a:pPr marL="342900" indent="-342900">
+              <a:buFont typeface="Arial" charset="0"/>
+              <a:buChar char="•"/>
+            </a:pPr>
+            <a:r>
+              <a:rPr lang="en-US" dirty="0" smtClean="0">
+                <a:latin typeface="+mn-lt"/>
+              </a:rPr>
+              <a:t>Common </a:t>
+            </a:r>
+            <a:r>
+              <a:rPr lang="en-US" b="1" dirty="0" smtClean="0">
+                <a:latin typeface="+mn-lt"/>
+              </a:rPr>
+              <a:t>web components </a:t>
+            </a:r>
+            <a:r>
+              <a:rPr lang="en-US" dirty="0" smtClean="0">
+                <a:latin typeface="+mn-lt"/>
+              </a:rPr>
+              <a:t>are provided for building modules. For example, search jobs and draw histograms.</a:t>
+            </a:r>
+          </a:p>
+          <a:p>
+            <a:pPr marL="342900" indent="-342900">
+              <a:buFont typeface="Arial" charset="0"/>
+              <a:buChar char="•"/>
+            </a:pPr>
+            <a:endParaRPr lang="en-US" dirty="0">
+              <a:latin typeface="+mn-lt"/>
+            </a:endParaRPr>
+          </a:p>
+        </p:txBody>
+      </p:sp>
+      <p:sp>
+        <p:nvSpPr>
+          <p:cNvPr id="122" name="Text Box 7"/>
           <p:cNvSpPr txBox="1">
             <a:spLocks noChangeArrowheads="1"/>
           </p:cNvSpPr>
@@ -7732,8 +6429,8 @@
         </p:nvSpPr>
         <p:spPr bwMode="auto">
           <a:xfrm>
-            <a:off x="20650200" y="18595975"/>
-            <a:ext cx="8991600" cy="1482725"/>
+            <a:off x="1095374" y="36233100"/>
+            <a:ext cx="17974467" cy="1496473"/>
           </a:xfrm>
           <a:prstGeom prst="rect">
             <a:avLst/>
@@ -7749,7 +6446,7 @@
           </a:ln>
         </p:spPr>
         <p:txBody>
-          <a:bodyPr lIns="360000" tIns="360000" rIns="360000" bIns="360000">
+          <a:bodyPr wrap="square" lIns="360000" tIns="360000" rIns="360000" bIns="360000">
             <a:spAutoFit/>
           </a:bodyPr>
           <a:lstStyle/>
@@ -7760,13 +6457,13 @@
               </a:spcBef>
             </a:pPr>
             <a:r>
-              <a:rPr lang="en-US" sz="5000" b="1" dirty="0">
+              <a:rPr lang="ru-RU" sz="5000" b="1" dirty="0" smtClean="0">
                 <a:solidFill>
                   <a:schemeClr val="bg1"/>
                 </a:solidFill>
                 <a:latin typeface="Arial" charset="0"/>
               </a:rPr>
-              <a:t>8</a:t>
+              <a:t>5</a:t>
             </a:r>
             <a:r>
               <a:rPr lang="en-US" sz="5000" b="1" dirty="0" smtClean="0">
@@ -7775,7 +6472,16 @@
                 </a:solidFill>
                 <a:latin typeface="Arial" charset="0"/>
               </a:rPr>
-              <a:t>. TODO</a:t>
+              <a:t>.</a:t>
+            </a:r>
+            <a:r>
+              <a:rPr lang="en-US" sz="5000" b="1" dirty="0" smtClean="0">
+                <a:solidFill>
+                  <a:schemeClr val="bg1"/>
+                </a:solidFill>
+                <a:latin typeface="Arial" charset="0"/>
+              </a:rPr>
+              <a:t> API Server</a:t>
             </a:r>
             <a:endParaRPr lang="en-US" sz="5000" b="1" dirty="0">
               <a:solidFill>
@@ -7788,331 +6494,14 @@
       </p:sp>
       <p:sp>
         <p:nvSpPr>
-          <p:cNvPr id="2096" name="Text Box 18"/>
-          <p:cNvSpPr txBox="1">
-            <a:spLocks noChangeArrowheads="1"/>
-          </p:cNvSpPr>
-          <p:nvPr/>
-        </p:nvSpPr>
-        <p:spPr bwMode="auto">
-          <a:xfrm>
-            <a:off x="20726400" y="20218400"/>
-            <a:ext cx="8713788" cy="3539431"/>
-          </a:xfrm>
-          <a:prstGeom prst="rect">
-            <a:avLst/>
-          </a:prstGeom>
-          <a:noFill/>
-          <a:ln w="9525">
-            <a:noFill/>
-            <a:miter lim="800000"/>
-            <a:headEnd/>
-            <a:tailEnd/>
-          </a:ln>
-        </p:spPr>
-        <p:txBody>
-          <a:bodyPr>
-            <a:spAutoFit/>
-          </a:bodyPr>
-          <a:lstStyle/>
-          <a:p>
-            <a:pPr eaLnBrk="0" hangingPunct="0"/>
-            <a:r>
-              <a:rPr lang="en-US" sz="2800" dirty="0">
-                <a:latin typeface="Arial" charset="0"/>
-              </a:rPr>
-              <a:t>An improvement of </a:t>
-            </a:r>
-            <a:r>
-              <a:rPr lang="en-US" sz="2800" dirty="0" smtClean="0">
-                <a:latin typeface="Arial" charset="0"/>
-              </a:rPr>
-              <a:t>read- </a:t>
-            </a:r>
-            <a:r>
-              <a:rPr lang="en-US" sz="2800" dirty="0">
-                <a:latin typeface="Arial" charset="0"/>
-              </a:rPr>
-              <a:t>and </a:t>
-            </a:r>
-            <a:r>
-              <a:rPr lang="en-US" sz="2800" dirty="0" smtClean="0">
-                <a:latin typeface="Arial" charset="0"/>
-              </a:rPr>
-              <a:t>write </a:t>
-            </a:r>
-            <a:r>
-              <a:rPr lang="en-US" sz="2800" dirty="0">
-                <a:latin typeface="Arial" charset="0"/>
-              </a:rPr>
-              <a:t>performance is the main item </a:t>
-            </a:r>
-            <a:r>
-              <a:rPr lang="en-US" sz="2800" dirty="0" smtClean="0">
-                <a:latin typeface="Arial" charset="0"/>
-              </a:rPr>
-              <a:t>on the TODO-list:</a:t>
-            </a:r>
-            <a:endParaRPr lang="en-US" sz="2800" dirty="0">
-              <a:latin typeface="Arial" charset="0"/>
-            </a:endParaRPr>
-          </a:p>
-          <a:p>
-            <a:pPr eaLnBrk="0" hangingPunct="0"/>
-            <a:endParaRPr lang="en-US" sz="2800" dirty="0">
-              <a:latin typeface="Arial" charset="0"/>
-            </a:endParaRPr>
-          </a:p>
-          <a:p>
-            <a:pPr eaLnBrk="0" hangingPunct="0">
-              <a:buFontTx/>
-              <a:buChar char="•"/>
-            </a:pPr>
-            <a:r>
-              <a:rPr lang="en-US" sz="2800" dirty="0">
-                <a:latin typeface="Arial" charset="0"/>
-              </a:rPr>
-              <a:t>  Implementation of a </a:t>
-            </a:r>
-            <a:r>
-              <a:rPr lang="en-US" sz="2800" dirty="0" smtClean="0">
-                <a:latin typeface="Arial" charset="0"/>
-              </a:rPr>
-              <a:t>caching </a:t>
-            </a:r>
-            <a:r>
-              <a:rPr lang="en-US" sz="2800" dirty="0">
-                <a:latin typeface="Arial" charset="0"/>
-              </a:rPr>
-              <a:t>mechanism for storing information about frequently requested CASTOR</a:t>
-            </a:r>
-            <a:r>
-              <a:rPr lang="en-US" sz="2800" dirty="0" smtClean="0">
-                <a:latin typeface="Arial" charset="0"/>
-              </a:rPr>
-              <a:t> file meta-data.</a:t>
-            </a:r>
-            <a:endParaRPr lang="en-US" sz="2800" dirty="0">
-              <a:latin typeface="Arial" charset="0"/>
-            </a:endParaRPr>
-          </a:p>
-          <a:p>
-            <a:pPr eaLnBrk="0" hangingPunct="0">
-              <a:buFontTx/>
-              <a:buChar char="•"/>
-            </a:pPr>
-            <a:r>
-              <a:rPr lang="en-US" sz="2800" dirty="0">
-                <a:latin typeface="Arial" charset="0"/>
-              </a:rPr>
-              <a:t>  Creating a CASTORFS package for the newest Linux kernel.</a:t>
-            </a:r>
-          </a:p>
-        </p:txBody>
-      </p:sp>
-      <p:sp>
-        <p:nvSpPr>
-          <p:cNvPr id="2097" name="Text Box 18"/>
-          <p:cNvSpPr txBox="1">
-            <a:spLocks noChangeArrowheads="1"/>
-          </p:cNvSpPr>
-          <p:nvPr/>
-        </p:nvSpPr>
-        <p:spPr bwMode="auto">
-          <a:xfrm>
-            <a:off x="11022013" y="28038425"/>
-            <a:ext cx="8713787" cy="3108544"/>
-          </a:xfrm>
-          <a:prstGeom prst="rect">
-            <a:avLst/>
-          </a:prstGeom>
-          <a:noFill/>
-          <a:ln w="9525">
-            <a:noFill/>
-            <a:miter lim="800000"/>
-            <a:headEnd/>
-            <a:tailEnd/>
-          </a:ln>
-        </p:spPr>
-        <p:txBody>
-          <a:bodyPr>
-            <a:spAutoFit/>
-          </a:bodyPr>
-          <a:lstStyle/>
-          <a:p>
-            <a:r>
-              <a:rPr lang="en-US" sz="2800" dirty="0" smtClean="0">
-                <a:latin typeface="Arial" charset="0"/>
-              </a:rPr>
-              <a:t>The CASTOR </a:t>
-            </a:r>
-            <a:r>
-              <a:rPr lang="en-US" sz="2800" dirty="0">
-                <a:latin typeface="Arial" charset="0"/>
-              </a:rPr>
-              <a:t>name server </a:t>
-            </a:r>
-            <a:r>
-              <a:rPr lang="en-US" sz="2800" dirty="0" smtClean="0">
-                <a:latin typeface="Arial" charset="0"/>
-              </a:rPr>
-              <a:t>stores some interesting  file meta-data, </a:t>
-            </a:r>
-            <a:r>
-              <a:rPr lang="en-US" sz="2800" dirty="0">
-                <a:latin typeface="Arial" charset="0"/>
-              </a:rPr>
-              <a:t>for example: a file checksum, a status of</a:t>
-            </a:r>
-            <a:r>
-              <a:rPr lang="ru-RU" sz="2800" dirty="0">
-                <a:latin typeface="Arial" charset="0"/>
-              </a:rPr>
-              <a:t> </a:t>
-            </a:r>
-            <a:r>
-              <a:rPr lang="en-US" sz="2800" dirty="0">
-                <a:latin typeface="Arial" charset="0"/>
-              </a:rPr>
-              <a:t>migration to tapes (migrated or not).</a:t>
-            </a:r>
-            <a:endParaRPr lang="ru-RU" sz="2800" dirty="0">
-              <a:latin typeface="Arial" charset="0"/>
-            </a:endParaRPr>
-          </a:p>
-          <a:p>
-            <a:endParaRPr lang="en-US" sz="2800" dirty="0">
-              <a:latin typeface="Arial" charset="0"/>
-            </a:endParaRPr>
-          </a:p>
-          <a:p>
-            <a:r>
-              <a:rPr lang="en-US" sz="2800" dirty="0" smtClean="0">
-                <a:latin typeface="Arial" charset="0"/>
-              </a:rPr>
-              <a:t>In </a:t>
-            </a:r>
-            <a:r>
-              <a:rPr lang="en-US" sz="2800" dirty="0">
-                <a:latin typeface="Arial" charset="0"/>
-              </a:rPr>
-              <a:t>CASTORFS </a:t>
-            </a:r>
-            <a:r>
-              <a:rPr lang="en-US" sz="2800" dirty="0" smtClean="0">
-                <a:latin typeface="Arial" charset="0"/>
-              </a:rPr>
-              <a:t>we implemented </a:t>
-            </a:r>
-            <a:r>
-              <a:rPr lang="en-US" sz="2800" dirty="0">
-                <a:latin typeface="Arial" charset="0"/>
-              </a:rPr>
-              <a:t>a mapping of   additional file information</a:t>
-            </a:r>
-            <a:r>
-              <a:rPr lang="en-US" sz="2800" dirty="0" smtClean="0">
-                <a:latin typeface="Arial" charset="0"/>
-              </a:rPr>
-              <a:t> to </a:t>
-            </a:r>
-            <a:r>
-              <a:rPr lang="en-US" sz="2800" dirty="0" err="1">
-                <a:latin typeface="Arial" charset="0"/>
-              </a:rPr>
-              <a:t>filesystem</a:t>
-            </a:r>
-            <a:r>
-              <a:rPr lang="en-US" sz="2800" dirty="0">
-                <a:latin typeface="Arial" charset="0"/>
-              </a:rPr>
-              <a:t> extended attributes:</a:t>
-            </a:r>
-          </a:p>
-        </p:txBody>
-      </p:sp>
-      <p:sp>
-        <p:nvSpPr>
-          <p:cNvPr id="2" name="TextBox 69"/>
+          <p:cNvPr id="124" name="TextBox 123"/>
           <p:cNvSpPr txBox="1"/>
           <p:nvPr/>
         </p:nvSpPr>
         <p:spPr>
           <a:xfrm>
-            <a:off x="11353800" y="31718250"/>
-            <a:ext cx="8077200" cy="3486150"/>
-          </a:xfrm>
-          <a:prstGeom prst="rect">
-            <a:avLst/>
-          </a:prstGeom>
-          <a:solidFill>
-            <a:schemeClr val="bg2">
-              <a:lumMod val="20000"/>
-              <a:lumOff val="80000"/>
-              <a:alpha val="50000"/>
-            </a:schemeClr>
-          </a:solidFill>
-          <a:ln>
-            <a:solidFill>
-              <a:schemeClr val="accent3"/>
-            </a:solidFill>
-          </a:ln>
-        </p:spPr>
-        <p:txBody>
-          <a:bodyPr lIns="457200" tIns="457200" rIns="457200" bIns="457200">
-            <a:spAutoFit/>
-          </a:bodyPr>
-          <a:lstStyle/>
-          <a:p>
-            <a:r>
-              <a:rPr lang="en-US" sz="2800"/>
-              <a:t>$&gt; getfattr -d /castorfs/cern.ch/lhcb/online/data.tar</a:t>
-            </a:r>
-          </a:p>
-          <a:p>
-            <a:r>
-              <a:rPr lang="en-US" sz="2800"/>
-              <a:t># file: castorfs/cern.ch/lhcb/online/np.tar</a:t>
-            </a:r>
-          </a:p>
-          <a:p>
-            <a:r>
-              <a:rPr lang="en-US" sz="2800"/>
-              <a:t>user.checksum="569145875"</a:t>
-            </a:r>
-          </a:p>
-          <a:p>
-            <a:r>
-              <a:rPr lang="en-US" sz="2800"/>
-              <a:t>user.checksum_name="adler32"</a:t>
-            </a:r>
-          </a:p>
-          <a:p>
-            <a:r>
-              <a:rPr lang="en-US" sz="2800"/>
-              <a:t>user.nbseg="1"</a:t>
-            </a:r>
-          </a:p>
-          <a:p>
-            <a:r>
-              <a:rPr lang="en-US" sz="2800"/>
-              <a:t>user.status="migrated"</a:t>
-            </a:r>
-          </a:p>
-        </p:txBody>
-      </p:sp>
-      <p:sp>
-        <p:nvSpPr>
-          <p:cNvPr id="2100" name="Text Box 18"/>
-          <p:cNvSpPr txBox="1">
-            <a:spLocks noChangeArrowheads="1"/>
-          </p:cNvSpPr>
-          <p:nvPr/>
-        </p:nvSpPr>
-        <p:spPr bwMode="auto">
-          <a:xfrm>
-            <a:off x="20650200" y="6972300"/>
-            <a:ext cx="8991600" cy="3539431"/>
+            <a:off x="1095375" y="37728049"/>
+            <a:ext cx="18005424" cy="5693866"/>
           </a:xfrm>
           <a:prstGeom prst="rect">
             <a:avLst/>
@@ -8120,149 +6509,351 @@
           <a:solidFill>
             <a:schemeClr val="bg1"/>
           </a:solidFill>
-          <a:ln w="9525">
-            <a:noFill/>
-            <a:miter lim="800000"/>
-            <a:headEnd/>
-            <a:tailEnd/>
-          </a:ln>
-        </p:spPr>
-        <p:txBody>
-          <a:bodyPr wrap="square">
+        </p:spPr>
+        <p:txBody>
+          <a:bodyPr wrap="square" rtlCol="0" anchor="t">
             <a:spAutoFit/>
           </a:bodyPr>
           <a:lstStyle/>
           <a:p>
-            <a:pPr eaLnBrk="0" hangingPunct="0"/>
-            <a:r>
-              <a:rPr lang="en-US" sz="2800" dirty="0" smtClean="0">
-                <a:latin typeface="Arial" charset="0"/>
-              </a:rPr>
-              <a:t>If you have the same user (UID, GID) on the client host as she is registered with CASTOR, you </a:t>
-            </a:r>
-            <a:r>
-              <a:rPr lang="en-US" sz="2800" dirty="0">
-                <a:latin typeface="Arial" charset="0"/>
-              </a:rPr>
-              <a:t>can use</a:t>
-            </a:r>
-            <a:r>
-              <a:rPr lang="en-US" sz="2800" dirty="0" smtClean="0">
-                <a:latin typeface="Arial" charset="0"/>
-              </a:rPr>
-              <a:t> the FUSE </a:t>
-            </a:r>
-            <a:r>
-              <a:rPr lang="en-US" sz="2800" dirty="0">
-                <a:latin typeface="Arial" charset="0"/>
-              </a:rPr>
-              <a:t>and CASTOR packages provided by  their </a:t>
-            </a:r>
-            <a:r>
-              <a:rPr lang="en-US" sz="2800" dirty="0" smtClean="0">
-                <a:latin typeface="Arial" charset="0"/>
-              </a:rPr>
-              <a:t>vendors. If you want to map your local user to a </a:t>
-            </a:r>
-            <a:r>
-              <a:rPr lang="en-US" sz="2800" b="1" i="1" dirty="0" smtClean="0">
-                <a:latin typeface="Arial" charset="0"/>
-              </a:rPr>
-              <a:t>different</a:t>
-            </a:r>
-            <a:r>
-              <a:rPr lang="en-US" sz="2800" dirty="0" smtClean="0">
-                <a:latin typeface="Arial" charset="0"/>
-              </a:rPr>
-              <a:t> user on CASTOR  </a:t>
-            </a:r>
-            <a:r>
-              <a:rPr lang="en-US" sz="2800" dirty="0">
-                <a:latin typeface="Arial" charset="0"/>
-              </a:rPr>
-              <a:t>you need to apply our patches to</a:t>
-            </a:r>
-            <a:r>
-              <a:rPr lang="en-US" sz="2800" dirty="0" smtClean="0">
-                <a:latin typeface="Arial" charset="0"/>
-              </a:rPr>
-              <a:t> the FUSE </a:t>
-            </a:r>
-            <a:r>
-              <a:rPr lang="en-US" sz="2800" dirty="0">
-                <a:latin typeface="Arial" charset="0"/>
-              </a:rPr>
-              <a:t>and CASTOR libraries</a:t>
-            </a:r>
-            <a:r>
-              <a:rPr lang="en-US" sz="2800" dirty="0" smtClean="0">
-                <a:latin typeface="Arial" charset="0"/>
-              </a:rPr>
-              <a:t>.</a:t>
-            </a:r>
-          </a:p>
-          <a:p>
-            <a:pPr eaLnBrk="0" hangingPunct="0"/>
-            <a:r>
-              <a:rPr lang="en-US" sz="2800" dirty="0" smtClean="0">
-                <a:latin typeface="Arial" charset="0"/>
-              </a:rPr>
-              <a:t>These patches will be obsolete once CASTOR can use certificates.</a:t>
-            </a:r>
+            <a:endParaRPr lang="en-US" sz="2800" dirty="0" smtClean="0">
+              <a:latin typeface="+mn-lt"/>
+            </a:endParaRPr>
+          </a:p>
+          <a:p>
             <a:endParaRPr lang="en-US" sz="2800" dirty="0">
-              <a:latin typeface="Arial" charset="0"/>
+              <a:latin typeface="+mn-lt"/>
+            </a:endParaRPr>
+          </a:p>
+          <a:p>
+            <a:endParaRPr lang="en-US" sz="2800" dirty="0" smtClean="0">
+              <a:latin typeface="+mn-lt"/>
+            </a:endParaRPr>
+          </a:p>
+          <a:p>
+            <a:endParaRPr lang="en-US" sz="2800" dirty="0">
+              <a:latin typeface="+mn-lt"/>
+            </a:endParaRPr>
+          </a:p>
+          <a:p>
+            <a:endParaRPr lang="en-US" sz="2800" dirty="0" smtClean="0">
+              <a:latin typeface="+mn-lt"/>
+            </a:endParaRPr>
+          </a:p>
+          <a:p>
+            <a:endParaRPr lang="en-US" sz="2800" dirty="0">
+              <a:latin typeface="+mn-lt"/>
+            </a:endParaRPr>
+          </a:p>
+          <a:p>
+            <a:endParaRPr lang="en-US" sz="2800" dirty="0" smtClean="0">
+              <a:latin typeface="+mn-lt"/>
+            </a:endParaRPr>
+          </a:p>
+          <a:p>
+            <a:endParaRPr lang="en-US" sz="2800" dirty="0">
+              <a:latin typeface="+mn-lt"/>
+            </a:endParaRPr>
+          </a:p>
+          <a:p>
+            <a:endParaRPr lang="en-US" sz="2800" dirty="0" smtClean="0">
+              <a:latin typeface="+mn-lt"/>
+            </a:endParaRPr>
+          </a:p>
+          <a:p>
+            <a:endParaRPr lang="en-US" sz="2800" dirty="0">
+              <a:latin typeface="+mn-lt"/>
+            </a:endParaRPr>
+          </a:p>
+          <a:p>
+            <a:endParaRPr lang="en-US" sz="2800" dirty="0" smtClean="0">
+              <a:latin typeface="+mn-lt"/>
+            </a:endParaRPr>
+          </a:p>
+          <a:p>
+            <a:endParaRPr lang="en-US" sz="2800" dirty="0">
+              <a:latin typeface="+mn-lt"/>
+            </a:endParaRPr>
+          </a:p>
+          <a:p>
+            <a:endParaRPr lang="ru-RU" sz="2800" dirty="0" smtClean="0">
+              <a:latin typeface="+mn-lt"/>
             </a:endParaRPr>
           </a:p>
         </p:txBody>
       </p:sp>
       <p:pic>
         <p:nvPicPr>
-          <p:cNvPr id="8" name="Picture 7"/>
+          <p:cNvPr id="28" name="Picture 27"/>
           <p:cNvPicPr>
             <a:picLocks noChangeAspect="1"/>
           </p:cNvPicPr>
           <p:nvPr/>
         </p:nvPicPr>
         <p:blipFill>
-          <a:blip r:embed="rId8"/>
+          <a:blip r:embed="rId10">
+            <a:extLst>
+              <a:ext uri="{28A0092B-C50C-407E-A947-70E740481C1C}">
+                <a14:useLocalDpi xmlns:a14="http://schemas.microsoft.com/office/drawing/2010/main" val="0"/>
+              </a:ext>
+            </a:extLst>
+          </a:blip>
           <a:stretch>
             <a:fillRect/>
           </a:stretch>
         </p:blipFill>
         <p:spPr>
           <a:xfrm>
-            <a:off x="3733800" y="3809472"/>
-            <a:ext cx="4692648" cy="1173162"/>
+            <a:off x="1383792" y="37908964"/>
+            <a:ext cx="6172200" cy="5480979"/>
           </a:xfrm>
           <a:prstGeom prst="rect">
             <a:avLst/>
           </a:prstGeom>
         </p:spPr>
       </p:pic>
-      <p:pic>
-        <p:nvPicPr>
-          <p:cNvPr id="10" name="Picture 9"/>
-          <p:cNvPicPr>
-            <a:picLocks noChangeAspect="1"/>
-          </p:cNvPicPr>
+      <p:sp>
+        <p:nvSpPr>
+          <p:cNvPr id="127" name="TextBox 126"/>
+          <p:cNvSpPr txBox="1"/>
           <p:nvPr/>
-        </p:nvPicPr>
-        <p:blipFill>
-          <a:blip r:embed="rId9"/>
-          <a:stretch>
-            <a:fillRect/>
-          </a:stretch>
-        </p:blipFill>
+        </p:nvSpPr>
         <p:spPr>
           <a:xfrm>
-            <a:off x="25906413" y="3773488"/>
-            <a:ext cx="3733800" cy="2489200"/>
+            <a:off x="7844408" y="37911336"/>
+            <a:ext cx="10872529" cy="2677656"/>
           </a:xfrm>
           <a:prstGeom prst="rect">
             <a:avLst/>
           </a:prstGeom>
-        </p:spPr>
-      </p:pic>
+          <a:noFill/>
+        </p:spPr>
+        <p:txBody>
+          <a:bodyPr wrap="square" rtlCol="0">
+            <a:spAutoFit/>
+          </a:bodyPr>
+          <a:lstStyle/>
+          <a:p>
+            <a:pPr marL="342900" indent="-342900">
+              <a:buFont typeface="Arial" charset="0"/>
+              <a:buChar char="•"/>
+            </a:pPr>
+            <a:r>
+              <a:rPr lang="en-US" dirty="0">
+                <a:latin typeface="+mn-lt"/>
+              </a:rPr>
+              <a:t>P</a:t>
+            </a:r>
+            <a:r>
+              <a:rPr lang="en-US" dirty="0" smtClean="0">
+                <a:latin typeface="+mn-lt"/>
+              </a:rPr>
+              <a:t>rovides access to the </a:t>
+            </a:r>
+            <a:r>
+              <a:rPr lang="en-US" b="1" dirty="0" smtClean="0">
+                <a:latin typeface="+mn-lt"/>
+              </a:rPr>
+              <a:t>application objects</a:t>
+            </a:r>
+          </a:p>
+          <a:p>
+            <a:pPr marL="342900" indent="-342900">
+              <a:buFont typeface="Arial" charset="0"/>
+              <a:buChar char="•"/>
+            </a:pPr>
+            <a:r>
+              <a:rPr lang="en-US" dirty="0">
+                <a:latin typeface="+mn-lt"/>
+              </a:rPr>
+              <a:t>C</a:t>
+            </a:r>
+            <a:r>
+              <a:rPr lang="en-US" dirty="0" smtClean="0">
+                <a:latin typeface="+mn-lt"/>
+              </a:rPr>
+              <a:t>ombines several sql queries into </a:t>
+            </a:r>
+            <a:r>
+              <a:rPr lang="en-US" b="1" dirty="0" smtClean="0">
+                <a:latin typeface="+mn-lt"/>
+              </a:rPr>
+              <a:t>one HTTP request</a:t>
+            </a:r>
+          </a:p>
+          <a:p>
+            <a:pPr marL="342900" indent="-342900">
+              <a:buFont typeface="Arial" charset="0"/>
+              <a:buChar char="•"/>
+            </a:pPr>
+            <a:r>
+              <a:rPr lang="en-US" dirty="0" smtClean="0">
+                <a:latin typeface="+mn-lt"/>
+              </a:rPr>
+              <a:t>Output results in the desired format. Currently </a:t>
+            </a:r>
+            <a:r>
+              <a:rPr lang="en-US" b="1" dirty="0" smtClean="0">
+                <a:latin typeface="+mn-lt"/>
+              </a:rPr>
+              <a:t>JSON</a:t>
+            </a:r>
+            <a:r>
+              <a:rPr lang="en-US" dirty="0" smtClean="0">
+                <a:latin typeface="+mn-lt"/>
+              </a:rPr>
+              <a:t> and </a:t>
+            </a:r>
+            <a:r>
+              <a:rPr lang="en-US" b="1" dirty="0" smtClean="0">
+                <a:latin typeface="+mn-lt"/>
+              </a:rPr>
+              <a:t>JSONP</a:t>
+            </a:r>
+            <a:r>
+              <a:rPr lang="en-US" dirty="0" smtClean="0">
+                <a:latin typeface="+mn-lt"/>
+              </a:rPr>
+              <a:t> are supported. </a:t>
+            </a:r>
+          </a:p>
+          <a:p>
+            <a:pPr marL="342900" indent="-342900">
+              <a:buFont typeface="Arial" charset="0"/>
+              <a:buChar char="•"/>
+            </a:pPr>
+            <a:r>
+              <a:rPr lang="en-US" dirty="0">
+                <a:latin typeface="+mn-lt"/>
+              </a:rPr>
+              <a:t>Automatic </a:t>
+            </a:r>
+            <a:r>
+              <a:rPr lang="en-US" b="1" dirty="0">
+                <a:latin typeface="+mn-lt"/>
+              </a:rPr>
+              <a:t>Swagger/</a:t>
+            </a:r>
+            <a:r>
+              <a:rPr lang="en-US" b="1" dirty="0" err="1">
+                <a:latin typeface="+mn-lt"/>
+              </a:rPr>
+              <a:t>OpenAPI</a:t>
+            </a:r>
+            <a:r>
+              <a:rPr lang="en-US" b="1" dirty="0">
+                <a:latin typeface="+mn-lt"/>
+              </a:rPr>
+              <a:t> </a:t>
+            </a:r>
+            <a:r>
+              <a:rPr lang="en-US" b="1" dirty="0" smtClean="0">
+                <a:latin typeface="+mn-lt"/>
+              </a:rPr>
+              <a:t>documentation </a:t>
+            </a:r>
+            <a:r>
+              <a:rPr lang="en-US" dirty="0" smtClean="0">
+                <a:latin typeface="+mn-lt"/>
+              </a:rPr>
+              <a:t>and test application generator </a:t>
+            </a:r>
+          </a:p>
+          <a:p>
+            <a:pPr marL="342900" indent="-342900">
+              <a:buFont typeface="Arial" charset="0"/>
+              <a:buChar char="•"/>
+            </a:pPr>
+            <a:r>
+              <a:rPr lang="en-US" dirty="0">
+                <a:latin typeface="+mn-lt"/>
+              </a:rPr>
+              <a:t>Includes </a:t>
+            </a:r>
+            <a:r>
+              <a:rPr lang="en-US" b="1" dirty="0">
+                <a:latin typeface="+mn-lt"/>
+              </a:rPr>
+              <a:t>CERN Single Sign-On</a:t>
+            </a:r>
+            <a:r>
+              <a:rPr lang="en-US" dirty="0">
+                <a:latin typeface="+mn-lt"/>
+              </a:rPr>
+              <a:t> for authentication</a:t>
+            </a:r>
+            <a:r>
+              <a:rPr lang="ru-RU" dirty="0" smtClean="0">
+                <a:latin typeface="+mn-lt"/>
+              </a:rPr>
+              <a:t> </a:t>
+            </a:r>
+          </a:p>
+        </p:txBody>
+      </p:sp>
+      <p:sp>
+        <p:nvSpPr>
+          <p:cNvPr id="128" name="Rectangle 127"/>
+          <p:cNvSpPr/>
+          <p:nvPr/>
+        </p:nvSpPr>
+        <p:spPr bwMode="auto">
+          <a:xfrm>
+            <a:off x="19504021" y="36219534"/>
+            <a:ext cx="10493696" cy="7170409"/>
+          </a:xfrm>
+          <a:prstGeom prst="rect">
+            <a:avLst/>
+          </a:prstGeom>
+          <a:solidFill>
+            <a:schemeClr val="bg1"/>
+          </a:solidFill>
+          <a:ln w="9525" cap="flat" cmpd="sng" algn="ctr">
+            <a:noFill/>
+            <a:prstDash val="solid"/>
+            <a:round/>
+            <a:headEnd type="none" w="med" len="med"/>
+            <a:tailEnd type="none" w="med" len="med"/>
+          </a:ln>
+          <a:effectLst/>
+        </p:spPr>
+        <p:txBody>
+          <a:bodyPr vert="horz" wrap="square" lIns="91440" tIns="45720" rIns="91440" bIns="45720" numCol="1" rtlCol="0" anchor="t" anchorCtr="0" compatLnSpc="1">
+            <a:prstTxWarp prst="textNoShape">
+              <a:avLst/>
+            </a:prstTxWarp>
+          </a:bodyPr>
+          <a:lstStyle/>
+          <a:p>
+            <a:pPr marL="0" marR="0" indent="0" algn="l" defTabSz="914400" rtl="0" eaLnBrk="0" fontAlgn="base" latinLnBrk="0" hangingPunct="0">
+              <a:lnSpc>
+                <a:spcPct val="100000"/>
+              </a:lnSpc>
+              <a:spcBef>
+                <a:spcPct val="0"/>
+              </a:spcBef>
+              <a:spcAft>
+                <a:spcPct val="0"/>
+              </a:spcAft>
+              <a:buClrTx/>
+              <a:buSzTx/>
+              <a:buFontTx/>
+              <a:buNone/>
+              <a:tabLst/>
+            </a:pPr>
+            <a:endParaRPr kumimoji="0" lang="en-US" sz="2400" b="0" i="0" u="none" strike="noStrike" cap="none" normalizeH="0" baseline="0" smtClean="0">
+              <a:ln>
+                <a:noFill/>
+              </a:ln>
+              <a:solidFill>
+                <a:schemeClr val="tx1"/>
+              </a:solidFill>
+              <a:effectLst/>
+              <a:latin typeface="Times New Roman" pitchFamily="18" charset="0"/>
+            </a:endParaRPr>
+          </a:p>
+        </p:txBody>
+      </p:sp>
     </p:spTree>
   </p:cSld>
   <p:clrMapOvr>

--- a/chep2016-lhcbpr-posterA0-v1.pptx
+++ b/chep2016-lhcbpr-posterA0-v1.pptx
@@ -4221,6 +4221,30 @@
           <a:chExt cx="0" cy="0"/>
         </a:xfrm>
       </p:grpSpPr>
+      <p:pic>
+        <p:nvPicPr>
+          <p:cNvPr id="3" name="Picture 2"/>
+          <p:cNvPicPr>
+            <a:picLocks noChangeAspect="1"/>
+          </p:cNvPicPr>
+          <p:nvPr/>
+        </p:nvPicPr>
+        <p:blipFill>
+          <a:blip r:embed="rId3"/>
+          <a:stretch>
+            <a:fillRect/>
+          </a:stretch>
+        </p:blipFill>
+        <p:spPr>
+          <a:xfrm>
+            <a:off x="10521155" y="8750379"/>
+            <a:ext cx="19119058" cy="12323051"/>
+          </a:xfrm>
+          <a:prstGeom prst="rect">
+            <a:avLst/>
+          </a:prstGeom>
+        </p:spPr>
+      </p:pic>
       <p:sp>
         <p:nvSpPr>
           <p:cNvPr id="117" name="Rectangle 116"/>
@@ -4236,7 +4260,7 @@
             <a:avLst/>
           </a:prstGeom>
           <a:solidFill>
-            <a:schemeClr val="bg1"/>
+            <a:srgbClr val="E6BB2F"/>
           </a:solidFill>
           <a:ln w="9525" cap="flat" cmpd="sng" algn="ctr">
             <a:noFill/>
@@ -4323,79 +4347,67 @@
               <a:rPr lang="en-US" sz="9600" b="1" dirty="0">
                 <a:latin typeface="+mj-lt"/>
               </a:rPr>
-              <a:t>Microservices </a:t>
+              <a:t>Microservices f</a:t>
+            </a:r>
+            <a:r>
+              <a:rPr lang="en-US" sz="9600" b="1" dirty="0" smtClean="0">
+                <a:latin typeface="+mj-lt"/>
+              </a:rPr>
+              <a:t>or </a:t>
             </a:r>
             <a:r>
               <a:rPr lang="en-US" sz="9600" b="1" dirty="0">
                 <a:latin typeface="+mj-lt"/>
               </a:rPr>
-              <a:t>f</a:t>
+              <a:t>S</a:t>
             </a:r>
             <a:r>
               <a:rPr lang="en-US" sz="9600" b="1" dirty="0" smtClean="0">
                 <a:latin typeface="+mj-lt"/>
               </a:rPr>
-              <a:t>or </a:t>
+              <a:t>ystematic </a:t>
             </a:r>
             <a:r>
               <a:rPr lang="en-US" sz="9600" b="1" dirty="0">
                 <a:latin typeface="+mj-lt"/>
               </a:rPr>
-              <a:t>S</a:t>
+              <a:t>P</a:t>
             </a:r>
             <a:r>
               <a:rPr lang="en-US" sz="9600" b="1" dirty="0" smtClean="0">
                 <a:latin typeface="+mj-lt"/>
               </a:rPr>
-              <a:t>ystematic </a:t>
+              <a:t>rofiling </a:t>
             </a:r>
             <a:r>
               <a:rPr lang="en-US" sz="9600" b="1" dirty="0">
                 <a:latin typeface="+mj-lt"/>
               </a:rPr>
-              <a:t>P</a:t>
+              <a:t>a</a:t>
             </a:r>
             <a:r>
               <a:rPr lang="en-US" sz="9600" b="1" dirty="0" smtClean="0">
                 <a:latin typeface="+mj-lt"/>
               </a:rPr>
-              <a:t>rofiling </a:t>
+              <a:t>nd </a:t>
             </a:r>
             <a:r>
               <a:rPr lang="en-US" sz="9600" b="1" dirty="0">
                 <a:latin typeface="+mj-lt"/>
               </a:rPr>
-              <a:t>a</a:t>
+              <a:t>M</a:t>
             </a:r>
             <a:r>
               <a:rPr lang="en-US" sz="9600" b="1" dirty="0" smtClean="0">
                 <a:latin typeface="+mj-lt"/>
               </a:rPr>
-              <a:t>nd </a:t>
+              <a:t>onitoring </a:t>
             </a:r>
             <a:r>
               <a:rPr lang="en-US" sz="9600" b="1" dirty="0">
                 <a:latin typeface="+mj-lt"/>
               </a:rPr>
-              <a:t>M</a:t>
-            </a:r>
-            <a:r>
-              <a:rPr lang="en-US" sz="9600" b="1" dirty="0" smtClean="0">
-                <a:latin typeface="+mj-lt"/>
-              </a:rPr>
-              <a:t>onitoring </a:t>
-            </a:r>
-            <a:r>
-              <a:rPr lang="en-US" sz="9600" b="1" dirty="0">
-                <a:latin typeface="+mj-lt"/>
-              </a:rPr>
-              <a:t>of the </a:t>
-            </a:r>
-            <a:r>
-              <a:rPr lang="en-US" sz="9600" b="1" dirty="0">
-                <a:latin typeface="+mj-lt"/>
-              </a:rPr>
-              <a:t>R</a:t>
+              <a:t>of the R</a:t>
             </a:r>
             <a:r>
               <a:rPr lang="en-US" sz="9600" b="1" dirty="0" smtClean="0">
@@ -4488,19 +4500,7 @@
               <a:rPr lang="en-GB" sz="2800" b="1" dirty="0" smtClean="0">
                 <a:latin typeface="Arial" charset="0"/>
               </a:rPr>
-              <a:t>                                                                                   </a:t>
-            </a:r>
-            <a:r>
-              <a:rPr lang="en-GB" sz="2800" b="1" dirty="0" smtClean="0">
-                <a:latin typeface="Arial" charset="0"/>
-              </a:rPr>
-              <a:t> ** </a:t>
-            </a:r>
-            <a:r>
-              <a:rPr lang="en-GB" sz="2800" b="1" dirty="0" smtClean="0">
-                <a:latin typeface="Arial" charset="0"/>
-              </a:rPr>
-              <a:t>CERN              </a:t>
+              <a:t>                                                                                    ** CERN              </a:t>
             </a:r>
             <a:endParaRPr lang="en-GB" sz="5000" dirty="0">
               <a:latin typeface="Arial" charset="0"/>
@@ -4552,7 +4552,7 @@
           <p:nvPr/>
         </p:nvPicPr>
         <p:blipFill>
-          <a:blip r:embed="rId3"/>
+          <a:blip r:embed="rId4"/>
           <a:srcRect/>
           <a:stretch>
             <a:fillRect/>
@@ -4560,7 +4560,7 @@
         </p:blipFill>
         <p:spPr bwMode="auto">
           <a:xfrm>
-            <a:off x="1095375" y="3852863"/>
+            <a:off x="457200" y="3465712"/>
             <a:ext cx="2509838" cy="2509838"/>
           </a:xfrm>
           <a:prstGeom prst="rect">
@@ -4578,30 +4578,6 @@
       <p:pic>
         <p:nvPicPr>
           <p:cNvPr id="8" name="Picture 7"/>
-          <p:cNvPicPr>
-            <a:picLocks noChangeAspect="1"/>
-          </p:cNvPicPr>
-          <p:nvPr/>
-        </p:nvPicPr>
-        <p:blipFill>
-          <a:blip r:embed="rId4"/>
-          <a:stretch>
-            <a:fillRect/>
-          </a:stretch>
-        </p:blipFill>
-        <p:spPr>
-          <a:xfrm>
-            <a:off x="3733800" y="3809472"/>
-            <a:ext cx="4692648" cy="1173162"/>
-          </a:xfrm>
-          <a:prstGeom prst="rect">
-            <a:avLst/>
-          </a:prstGeom>
-        </p:spPr>
-      </p:pic>
-      <p:pic>
-        <p:nvPicPr>
-          <p:cNvPr id="10" name="Picture 9"/>
           <p:cNvPicPr>
             <a:picLocks noChangeAspect="1"/>
           </p:cNvPicPr>
@@ -4615,8 +4591,8 @@
         </p:blipFill>
         <p:spPr>
           <a:xfrm>
-            <a:off x="25906413" y="3773488"/>
-            <a:ext cx="3733800" cy="2489200"/>
+            <a:off x="3733800" y="3809472"/>
+            <a:ext cx="4692648" cy="1173162"/>
           </a:xfrm>
           <a:prstGeom prst="rect">
             <a:avLst/>
@@ -4625,7 +4601,7 @@
       </p:pic>
       <p:pic>
         <p:nvPicPr>
-          <p:cNvPr id="7" name="Picture 6"/>
+          <p:cNvPr id="10" name="Picture 9"/>
           <p:cNvPicPr>
             <a:picLocks noChangeAspect="1"/>
           </p:cNvPicPr>
@@ -4639,15 +4615,12 @@
         </p:blipFill>
         <p:spPr>
           <a:xfrm>
-            <a:off x="10515599" y="8469042"/>
-            <a:ext cx="19482119" cy="12557059"/>
+            <a:off x="25906413" y="3773488"/>
+            <a:ext cx="3733800" cy="2489200"/>
           </a:xfrm>
           <a:prstGeom prst="rect">
             <a:avLst/>
           </a:prstGeom>
-          <a:solidFill>
-            <a:schemeClr val="bg1"/>
-          </a:solidFill>
         </p:spPr>
       </p:pic>
       <p:sp>
@@ -4723,7 +4696,7 @@
         <p:spPr>
           <a:xfrm>
             <a:off x="1143000" y="8455775"/>
-            <a:ext cx="8991600" cy="12588061"/>
+            <a:ext cx="8991600" cy="13449836"/>
           </a:xfrm>
           <a:prstGeom prst="rect">
             <a:avLst/>
@@ -4833,8 +4806,19 @@
               <a:rPr lang="en-US" sz="2800" b="1" dirty="0" smtClean="0">
                 <a:latin typeface="+mn-lt"/>
               </a:rPr>
-              <a:t>Main use cases</a:t>
-            </a:r>
+              <a:t>Main use </a:t>
+            </a:r>
+            <a:r>
+              <a:rPr lang="en-US" sz="2800" b="1" dirty="0" smtClean="0">
+                <a:latin typeface="+mn-lt"/>
+              </a:rPr>
+              <a:t>cases</a:t>
+            </a:r>
+          </a:p>
+          <a:p>
+            <a:endParaRPr lang="en-US" sz="2800" b="1" dirty="0" smtClean="0">
+              <a:latin typeface="+mn-lt"/>
+            </a:endParaRPr>
           </a:p>
           <a:p>
             <a:pPr marL="457200" indent="-457200">
@@ -4842,11 +4826,44 @@
               <a:buChar char="•"/>
             </a:pPr>
             <a:r>
+              <a:rPr lang="en-US" sz="2800" dirty="0" smtClean="0">
+                <a:latin typeface="+mn-lt"/>
+              </a:rPr>
+              <a:t>Physics performance</a:t>
+            </a:r>
+          </a:p>
+          <a:p>
+            <a:pPr marL="914400" lvl="1" indent="-457200">
+              <a:buFont typeface="Arial" charset="0"/>
+              <a:buChar char="•"/>
+            </a:pPr>
+            <a:r>
               <a:rPr lang="en-US" sz="2800" dirty="0">
                 <a:latin typeface="+mn-lt"/>
               </a:rPr>
-              <a:t>Monitor regression in memory and CPU consumption</a:t>
-            </a:r>
+              <a:t>Histogram comparison</a:t>
+            </a:r>
+          </a:p>
+          <a:p>
+            <a:pPr marL="914400" lvl="1" indent="-457200">
+              <a:buFont typeface="Arial" charset="0"/>
+              <a:buChar char="•"/>
+            </a:pPr>
+            <a:r>
+              <a:rPr lang="en-US" sz="2800" dirty="0">
+                <a:latin typeface="+mn-lt"/>
+              </a:rPr>
+              <a:t>Trend analysis for selected attribute</a:t>
+            </a:r>
+            <a:r>
+              <a:rPr lang="en-US" sz="2800" dirty="0" smtClean="0">
+                <a:latin typeface="+mn-lt"/>
+              </a:rPr>
+              <a:t>.</a:t>
+            </a:r>
+            <a:endParaRPr lang="en-US" sz="2800" dirty="0" smtClean="0">
+              <a:latin typeface="+mn-lt"/>
+            </a:endParaRPr>
           </a:p>
           <a:p>
             <a:pPr marL="457200" indent="-457200">
@@ -4854,10 +4871,29 @@
               <a:buChar char="•"/>
             </a:pPr>
             <a:r>
+              <a:rPr lang="en-US" sz="2800" dirty="0" smtClean="0">
+                <a:latin typeface="+mn-lt"/>
+              </a:rPr>
+              <a:t>Monitor </a:t>
+            </a:r>
+            <a:r>
               <a:rPr lang="en-US" sz="2800" dirty="0">
                 <a:latin typeface="+mn-lt"/>
               </a:rPr>
-              <a:t>Histogram comparison</a:t>
+              <a:t>regression in memory and CPU consumption</a:t>
+            </a:r>
+          </a:p>
+          <a:p>
+            <a:endParaRPr lang="en-US" sz="2800" dirty="0" smtClean="0">
+              <a:latin typeface="+mn-lt"/>
+            </a:endParaRPr>
+          </a:p>
+          <a:p>
+            <a:r>
+              <a:rPr lang="en-US" sz="2800" b="1" dirty="0" smtClean="0">
+                <a:latin typeface="+mn-lt"/>
+              </a:rPr>
+              <a:t>Possible setup environments</a:t>
             </a:r>
           </a:p>
           <a:p>
@@ -4866,32 +4902,16 @@
               <a:buChar char="•"/>
             </a:pPr>
             <a:r>
-              <a:rPr lang="en-US" sz="2800" dirty="0">
-                <a:latin typeface="+mn-lt"/>
-              </a:rPr>
-              <a:t>Trend analysis </a:t>
-            </a:r>
-            <a:r>
               <a:rPr lang="en-US" sz="2800" dirty="0" smtClean="0">
                 <a:latin typeface="+mn-lt"/>
               </a:rPr>
-              <a:t>for selected attribute.</a:t>
-            </a:r>
-            <a:endParaRPr lang="en-US" sz="2800" dirty="0">
-              <a:latin typeface="+mn-lt"/>
-            </a:endParaRPr>
-          </a:p>
-          <a:p>
-            <a:endParaRPr lang="en-US" sz="2800" dirty="0" smtClean="0">
-              <a:latin typeface="+mn-lt"/>
-            </a:endParaRPr>
-          </a:p>
-          <a:p>
-            <a:r>
-              <a:rPr lang="en-US" sz="2800" b="1" dirty="0" smtClean="0">
-                <a:latin typeface="+mn-lt"/>
-              </a:rPr>
-              <a:t>Possible setup environments</a:t>
+              <a:t>Versions of </a:t>
+            </a:r>
+            <a:r>
+              <a:rPr lang="en-US" sz="2800" dirty="0" smtClean="0">
+                <a:latin typeface="+mn-lt"/>
+              </a:rPr>
+              <a:t>application</a:t>
             </a:r>
           </a:p>
           <a:p>
@@ -4903,8 +4923,11 @@
               <a:rPr lang="en-US" sz="2800" dirty="0" smtClean="0">
                 <a:latin typeface="+mn-lt"/>
               </a:rPr>
-              <a:t>Versions of application</a:t>
-            </a:r>
+              <a:t>Compiler versions</a:t>
+            </a:r>
+            <a:endParaRPr lang="en-US" sz="2800" dirty="0" smtClean="0">
+              <a:latin typeface="+mn-lt"/>
+            </a:endParaRPr>
           </a:p>
           <a:p>
             <a:pPr marL="457200" indent="-457200">
@@ -4941,15 +4964,6 @@
               </a:rPr>
               <a:t>Build system (CMT or CMake)</a:t>
             </a:r>
-          </a:p>
-          <a:p>
-            <a:pPr marL="457200" indent="-457200">
-              <a:buFont typeface="Arial" charset="0"/>
-              <a:buChar char="•"/>
-            </a:pPr>
-            <a:endParaRPr lang="en-US" sz="2800" dirty="0" smtClean="0">
-              <a:latin typeface="+mn-lt"/>
-            </a:endParaRPr>
           </a:p>
           <a:p>
             <a:pPr marL="457200" indent="-457200">
@@ -5030,8 +5044,8 @@
         </p:nvSpPr>
         <p:spPr bwMode="auto">
           <a:xfrm>
-            <a:off x="1095375" y="21387596"/>
-            <a:ext cx="8991600" cy="1496473"/>
+            <a:off x="1142999" y="21422773"/>
+            <a:ext cx="8991601" cy="1496473"/>
           </a:xfrm>
           <a:prstGeom prst="rect">
             <a:avLst/>
@@ -5047,7 +5061,7 @@
           </a:ln>
         </p:spPr>
         <p:txBody>
-          <a:bodyPr lIns="360000" tIns="360000" rIns="360000" bIns="360000">
+          <a:bodyPr wrap="square" lIns="360000" tIns="360000" rIns="360000" bIns="360000">
             <a:spAutoFit/>
           </a:bodyPr>
           <a:lstStyle/>
@@ -5093,14 +5107,14 @@
           <p:nvPr>
             <p:extLst>
               <p:ext uri="{D42A27DB-BD31-4B8C-83A1-F6EECF244321}">
-                <p14:modId xmlns:p14="http://schemas.microsoft.com/office/powerpoint/2010/main" val="1202186306"/>
+                <p14:modId xmlns:p14="http://schemas.microsoft.com/office/powerpoint/2010/main" val="1236180723"/>
               </p:ext>
             </p:extLst>
           </p:nvPr>
         </p:nvGraphicFramePr>
         <p:xfrm>
-          <a:off x="1371600" y="16948730"/>
-          <a:ext cx="8534400" cy="3627120"/>
+          <a:off x="1144619" y="17517239"/>
+          <a:ext cx="8989981" cy="3627120"/>
         </p:xfrm>
         <a:graphic>
           <a:graphicData uri="http://schemas.openxmlformats.org/drawingml/2006/table">
@@ -5109,9 +5123,9 @@
                 <a:tableStyleId>{21E4AEA4-8DFA-4A89-87EB-49C32662AFE0}</a:tableStyleId>
               </a:tblPr>
               <a:tblGrid>
-                <a:gridCol w="3429000"/>
-                <a:gridCol w="2429750"/>
-                <a:gridCol w="2675650"/>
+                <a:gridCol w="3612046"/>
+                <a:gridCol w="2559454"/>
+                <a:gridCol w="2818481"/>
               </a:tblGrid>
               <a:tr h="370840">
                 <a:tc>
@@ -5446,335 +5460,6 @@
       </p:graphicFrame>
       <p:sp>
         <p:nvSpPr>
-          <p:cNvPr id="101" name="TextBox 100"/>
-          <p:cNvSpPr txBox="1"/>
-          <p:nvPr/>
-        </p:nvSpPr>
-        <p:spPr>
-          <a:xfrm>
-            <a:off x="1095375" y="22919247"/>
-            <a:ext cx="8991600" cy="13018949"/>
-          </a:xfrm>
-          <a:prstGeom prst="rect">
-            <a:avLst/>
-          </a:prstGeom>
-          <a:solidFill>
-            <a:schemeClr val="bg1"/>
-          </a:solidFill>
-        </p:spPr>
-        <p:txBody>
-          <a:bodyPr wrap="square" rtlCol="0" anchor="t">
-            <a:spAutoFit/>
-          </a:bodyPr>
-          <a:lstStyle/>
-          <a:p>
-            <a:pPr marL="514350" indent="-514350">
-              <a:buFont typeface="+mj-lt"/>
-              <a:buAutoNum type="arabicPeriod"/>
-            </a:pPr>
-            <a:r>
-              <a:rPr lang="en-US" sz="2800" b="1" dirty="0" smtClean="0">
-                <a:latin typeface="+mn-lt"/>
-              </a:rPr>
-              <a:t>Build and Test Services </a:t>
-            </a:r>
-          </a:p>
-          <a:p>
-            <a:pPr marL="612000" lvl="1" indent="-442350">
-              <a:buFont typeface="Arial" charset="0"/>
-              <a:buChar char="•"/>
-            </a:pPr>
-            <a:r>
-              <a:rPr lang="en-US" sz="2800" b="1" dirty="0" smtClean="0">
-                <a:latin typeface="+mn-lt"/>
-              </a:rPr>
-              <a:t>Continuous Integration (CI) Service </a:t>
-            </a:r>
-            <a:r>
-              <a:rPr lang="en-US" sz="2800" dirty="0" smtClean="0">
-                <a:latin typeface="+mn-lt"/>
-              </a:rPr>
-              <a:t>– schedule and initiate test runs</a:t>
-            </a:r>
-          </a:p>
-          <a:p>
-            <a:pPr marL="612000" lvl="1" indent="-442350">
-              <a:buFont typeface="Arial" charset="0"/>
-              <a:buChar char="•"/>
-            </a:pPr>
-            <a:r>
-              <a:rPr lang="en-US" sz="2800" b="1" dirty="0" smtClean="0">
-                <a:latin typeface="+mn-lt"/>
-              </a:rPr>
-              <a:t>Artifacts Storage</a:t>
-            </a:r>
-            <a:r>
-              <a:rPr lang="en-US" sz="2800" dirty="0" smtClean="0">
-                <a:latin typeface="+mn-lt"/>
-              </a:rPr>
-              <a:t>– </a:t>
-            </a:r>
-            <a:r>
-              <a:rPr lang="en-US" sz="2800" dirty="0">
-                <a:latin typeface="+mn-lt"/>
-              </a:rPr>
-              <a:t>s</a:t>
-            </a:r>
-            <a:r>
-              <a:rPr lang="en-US" sz="2800" dirty="0" smtClean="0">
-                <a:latin typeface="+mn-lt"/>
-              </a:rPr>
-              <a:t>tore projects builds for different  configurations</a:t>
-            </a:r>
-          </a:p>
-          <a:p>
-            <a:pPr marL="612000" lvl="1" indent="-442350">
-              <a:buFont typeface="Arial" charset="0"/>
-              <a:buChar char="•"/>
-            </a:pPr>
-            <a:r>
-              <a:rPr lang="en-US" sz="2800" b="1" dirty="0" smtClean="0">
-                <a:latin typeface="+mn-lt"/>
-              </a:rPr>
-              <a:t>Test service </a:t>
-            </a:r>
-            <a:r>
-              <a:rPr lang="en-US" sz="2800" dirty="0" smtClean="0">
-                <a:latin typeface="+mn-lt"/>
-              </a:rPr>
-              <a:t>– read LHCbPR configuration for tests, download the corresponding builds, execute tests and transfer it to the Storage Element</a:t>
-            </a:r>
-          </a:p>
-          <a:p>
-            <a:pPr marL="612000" lvl="1" indent="-442350">
-              <a:buFont typeface="Arial" charset="0"/>
-              <a:buChar char="•"/>
-            </a:pPr>
-            <a:r>
-              <a:rPr lang="en-US" sz="2800" b="1" dirty="0" smtClean="0">
-                <a:latin typeface="+mn-lt"/>
-              </a:rPr>
-              <a:t>Storage Element </a:t>
-            </a:r>
-            <a:r>
-              <a:rPr lang="en-US" sz="2800" dirty="0" smtClean="0">
-                <a:latin typeface="+mn-lt"/>
-              </a:rPr>
-              <a:t>– virtual storage for jobs output with the interface </a:t>
-            </a:r>
-            <a:r>
-              <a:rPr lang="en-US" sz="2800" dirty="0">
-                <a:latin typeface="+mn-lt"/>
-              </a:rPr>
-              <a:t>to quite diverse </a:t>
-            </a:r>
-            <a:r>
-              <a:rPr lang="en-US" sz="2800" dirty="0" smtClean="0">
-                <a:latin typeface="+mn-lt"/>
-              </a:rPr>
-              <a:t>real storage systems.</a:t>
-            </a:r>
-          </a:p>
-          <a:p>
-            <a:pPr marL="514350" indent="-514350">
-              <a:buFont typeface="+mj-lt"/>
-              <a:buAutoNum type="arabicPeriod"/>
-            </a:pPr>
-            <a:r>
-              <a:rPr lang="en-US" sz="2800" b="1" dirty="0" smtClean="0">
-                <a:latin typeface="+mn-lt"/>
-              </a:rPr>
-              <a:t>LHCbPR</a:t>
-            </a:r>
-          </a:p>
-          <a:p>
-            <a:pPr marL="971550" lvl="1" indent="-514350">
-              <a:buFont typeface="Arial" charset="0"/>
-              <a:buChar char="•"/>
-            </a:pPr>
-            <a:r>
-              <a:rPr lang="en-US" sz="2800" b="1" dirty="0" smtClean="0">
-                <a:latin typeface="+mn-lt"/>
-              </a:rPr>
-              <a:t>Database – </a:t>
-            </a:r>
-            <a:r>
-              <a:rPr lang="en-US" sz="2800" dirty="0" smtClean="0">
-                <a:latin typeface="+mn-lt"/>
-              </a:rPr>
-              <a:t>relational database for job descriptions and job outputs.</a:t>
-            </a:r>
-            <a:r>
-              <a:rPr lang="ru-RU" sz="2800" dirty="0" smtClean="0">
-                <a:latin typeface="+mn-lt"/>
-              </a:rPr>
-              <a:t> </a:t>
-            </a:r>
-            <a:r>
-              <a:rPr lang="en-US" sz="2800" dirty="0" smtClean="0">
-                <a:latin typeface="+mn-lt"/>
-              </a:rPr>
-              <a:t>We use </a:t>
-            </a:r>
-            <a:r>
-              <a:rPr lang="en-US" sz="2800" b="1" dirty="0" smtClean="0">
-                <a:latin typeface="+mn-lt"/>
-              </a:rPr>
-              <a:t>MySQL</a:t>
-            </a:r>
-            <a:r>
-              <a:rPr lang="en-US" sz="2800" dirty="0" smtClean="0">
-                <a:latin typeface="+mn-lt"/>
-              </a:rPr>
-              <a:t>, but it can be any other.</a:t>
-            </a:r>
-          </a:p>
-          <a:p>
-            <a:pPr marL="971550" lvl="1" indent="-514350">
-              <a:buFont typeface="Arial" charset="0"/>
-              <a:buChar char="•"/>
-            </a:pPr>
-            <a:r>
-              <a:rPr lang="en-US" sz="2800" b="1" dirty="0" smtClean="0">
-                <a:latin typeface="+mn-lt"/>
-              </a:rPr>
-              <a:t>REST API service </a:t>
-            </a:r>
-            <a:r>
-              <a:rPr lang="en-US" sz="2800" dirty="0" smtClean="0">
-                <a:latin typeface="+mn-lt"/>
-              </a:rPr>
-              <a:t>– provides REST access to the database and adds some business logic for special API requests. </a:t>
-            </a:r>
-            <a:r>
-              <a:rPr lang="en-US" sz="2800" u="sng" dirty="0" smtClean="0">
-                <a:latin typeface="+mn-lt"/>
-              </a:rPr>
-              <a:t>Technologies</a:t>
-            </a:r>
-            <a:r>
-              <a:rPr lang="en-US" sz="2800" dirty="0" smtClean="0">
-                <a:latin typeface="+mn-lt"/>
-              </a:rPr>
-              <a:t>: python, Django + REST Framework.</a:t>
-            </a:r>
-          </a:p>
-          <a:p>
-            <a:pPr marL="971550" lvl="1" indent="-514350">
-              <a:buFont typeface="Arial" charset="0"/>
-              <a:buChar char="•"/>
-            </a:pPr>
-            <a:r>
-              <a:rPr lang="en-US" sz="2800" b="1" dirty="0" smtClean="0">
-                <a:latin typeface="+mn-lt"/>
-              </a:rPr>
-              <a:t>ROOT HTTP service – </a:t>
-            </a:r>
-            <a:r>
-              <a:rPr lang="en-US" sz="2800" dirty="0" smtClean="0">
-                <a:latin typeface="+mn-lt"/>
-              </a:rPr>
-              <a:t>helper service for returning content of ROOT files in JSON format. Relies </a:t>
-            </a:r>
-            <a:r>
-              <a:rPr lang="en-US" sz="2800" dirty="0">
-                <a:latin typeface="+mn-lt"/>
-              </a:rPr>
-              <a:t>on </a:t>
-            </a:r>
-            <a:r>
-              <a:rPr lang="en-US" sz="2800" dirty="0" smtClean="0">
-                <a:latin typeface="+mn-lt"/>
-              </a:rPr>
-              <a:t>ROOT TBufferJSON.ConvertToJSON functionality. </a:t>
-            </a:r>
-            <a:r>
-              <a:rPr lang="en-US" sz="2800" u="sng" dirty="0" smtClean="0">
-                <a:latin typeface="+mn-lt"/>
-              </a:rPr>
-              <a:t>Technologies</a:t>
-            </a:r>
-            <a:r>
-              <a:rPr lang="en-US" sz="2800" dirty="0" smtClean="0">
-                <a:latin typeface="+mn-lt"/>
-              </a:rPr>
-              <a:t>: Flask + ROOT.</a:t>
-            </a:r>
-          </a:p>
-          <a:p>
-            <a:pPr marL="514350" indent="-514350">
-              <a:buFont typeface="+mj-lt"/>
-              <a:buAutoNum type="arabicPeriod"/>
-            </a:pPr>
-            <a:r>
-              <a:rPr lang="en-US" sz="2800" b="1" dirty="0" smtClean="0">
-                <a:latin typeface="+mn-lt"/>
-              </a:rPr>
-              <a:t>User Clients</a:t>
-            </a:r>
-            <a:endParaRPr lang="ru-RU" sz="2800" b="1" dirty="0" smtClean="0">
-              <a:latin typeface="+mn-lt"/>
-            </a:endParaRPr>
-          </a:p>
-          <a:p>
-            <a:pPr marL="971550" lvl="1" indent="-514350">
-              <a:buFont typeface="Arial" charset="0"/>
-              <a:buChar char="•"/>
-            </a:pPr>
-            <a:r>
-              <a:rPr lang="en-US" sz="2800" dirty="0" smtClean="0">
-                <a:latin typeface="+mn-lt"/>
-              </a:rPr>
-              <a:t>Users can create any data handling client that use LHCbPR REST API: web applications, scripts</a:t>
-            </a:r>
-          </a:p>
-          <a:p>
-            <a:pPr marL="971550" lvl="1" indent="-514350">
-              <a:buFont typeface="Arial" charset="0"/>
-              <a:buChar char="•"/>
-            </a:pPr>
-            <a:r>
-              <a:rPr lang="en-US" sz="2800" dirty="0" smtClean="0">
-                <a:latin typeface="+mn-lt"/>
-              </a:rPr>
-              <a:t>We created web frontend for visualizing regression tests' results. </a:t>
-            </a:r>
-            <a:r>
-              <a:rPr lang="en-US" sz="2800" u="sng" dirty="0" smtClean="0">
-                <a:latin typeface="+mn-lt"/>
-              </a:rPr>
-              <a:t>Technologies</a:t>
-            </a:r>
-            <a:r>
-              <a:rPr lang="en-US" sz="2800" dirty="0" smtClean="0"/>
-              <a:t>: </a:t>
-            </a:r>
-            <a:r>
-              <a:rPr lang="en-US" sz="2800" dirty="0" smtClean="0">
-                <a:latin typeface="+mn-lt"/>
-              </a:rPr>
-              <a:t>javascript, </a:t>
-            </a:r>
-            <a:r>
-              <a:rPr lang="en-US" sz="2800" dirty="0">
-                <a:latin typeface="+mn-lt"/>
-              </a:rPr>
-              <a:t>a</a:t>
-            </a:r>
-            <a:r>
-              <a:rPr lang="en-US" sz="2800" dirty="0" smtClean="0">
-                <a:latin typeface="+mn-lt"/>
-              </a:rPr>
-              <a:t>ngular 1.5 framework; nodejs and gulp for development.</a:t>
-            </a:r>
-            <a:endParaRPr lang="ru-RU" sz="2800" dirty="0" smtClean="0">
-              <a:latin typeface="+mn-lt"/>
-            </a:endParaRPr>
-          </a:p>
-        </p:txBody>
-      </p:sp>
-      <p:sp>
-        <p:nvSpPr>
           <p:cNvPr id="102" name="Text Box 7"/>
           <p:cNvSpPr txBox="1">
             <a:spLocks noChangeArrowheads="1"/>
@@ -6017,16 +5702,7 @@
                 </a:solidFill>
                 <a:latin typeface="Arial" charset="0"/>
               </a:rPr>
-              <a:t>.</a:t>
-            </a:r>
-            <a:r>
-              <a:rPr lang="en-US" sz="5000" b="1" dirty="0" smtClean="0">
-                <a:solidFill>
-                  <a:schemeClr val="bg1"/>
-                </a:solidFill>
-                <a:latin typeface="Arial" charset="0"/>
-              </a:rPr>
-              <a:t> Web Application</a:t>
+              <a:t>. Web Application</a:t>
             </a:r>
             <a:endParaRPr lang="en-US" sz="5000" b="1" dirty="0">
               <a:solidFill>
@@ -6089,32 +5765,8 @@
         </p:blipFill>
         <p:spPr>
           <a:xfrm>
-            <a:off x="19538838" y="26631900"/>
+            <a:off x="19927045" y="26631900"/>
             <a:ext cx="7507627" cy="6041466"/>
-          </a:xfrm>
-          <a:prstGeom prst="rect">
-            <a:avLst/>
-          </a:prstGeom>
-        </p:spPr>
-      </p:pic>
-      <p:pic>
-        <p:nvPicPr>
-          <p:cNvPr id="24" name="Picture 23"/>
-          <p:cNvPicPr>
-            <a:picLocks noChangeAspect="1"/>
-          </p:cNvPicPr>
-          <p:nvPr/>
-        </p:nvPicPr>
-        <p:blipFill>
-          <a:blip r:embed="rId9"/>
-          <a:stretch>
-            <a:fillRect/>
-          </a:stretch>
-        </p:blipFill>
-        <p:spPr>
-          <a:xfrm>
-            <a:off x="11182350" y="22805072"/>
-            <a:ext cx="6756400" cy="8267700"/>
           </a:xfrm>
           <a:prstGeom prst="rect">
             <a:avLst/>
@@ -6323,13 +5975,15 @@
         </p:nvSpPr>
         <p:spPr>
           <a:xfrm>
-            <a:off x="19708228" y="32954704"/>
-            <a:ext cx="10085282" cy="3046988"/>
+            <a:off x="19538837" y="32954704"/>
+            <a:ext cx="10458879" cy="3046988"/>
           </a:xfrm>
           <a:prstGeom prst="rect">
             <a:avLst/>
           </a:prstGeom>
-          <a:noFill/>
+          <a:solidFill>
+            <a:srgbClr val="E6BB2F"/>
+          </a:solidFill>
         </p:spPr>
         <p:txBody>
           <a:bodyPr wrap="square" rtlCol="0">
@@ -6375,7 +6029,13 @@
               <a:rPr lang="en-US" b="1" dirty="0" smtClean="0">
                 <a:latin typeface="+mn-lt"/>
               </a:rPr>
-              <a:t>application extensions </a:t>
+              <a:t>application </a:t>
+            </a:r>
+            <a:r>
+              <a:rPr lang="en-US" b="1" dirty="0" smtClean="0">
+                <a:latin typeface="+mn-lt"/>
+              </a:rPr>
+              <a:t>extension </a:t>
             </a:r>
             <a:r>
               <a:rPr lang="en-US" dirty="0" smtClean="0">
@@ -6457,13 +6117,13 @@
               </a:spcBef>
             </a:pPr>
             <a:r>
-              <a:rPr lang="ru-RU" sz="5000" b="1" dirty="0" smtClean="0">
+              <a:rPr lang="en-US" sz="5000" b="1" dirty="0">
                 <a:solidFill>
                   <a:schemeClr val="bg1"/>
                 </a:solidFill>
                 <a:latin typeface="Arial" charset="0"/>
               </a:rPr>
-              <a:t>5</a:t>
+              <a:t>6</a:t>
             </a:r>
             <a:r>
               <a:rPr lang="en-US" sz="5000" b="1" dirty="0" smtClean="0">
@@ -6472,7 +6132,7 @@
                 </a:solidFill>
                 <a:latin typeface="Arial" charset="0"/>
               </a:rPr>
-              <a:t>.</a:t>
+              <a:t>. </a:t>
             </a:r>
             <a:r>
               <a:rPr lang="en-US" sz="5000" b="1" dirty="0" smtClean="0">
@@ -6481,7 +6141,16 @@
                 </a:solidFill>
                 <a:latin typeface="Arial" charset="0"/>
               </a:rPr>
-              <a:t> API Server</a:t>
+              <a:t>API </a:t>
+            </a:r>
+            <a:r>
+              <a:rPr lang="en-US" sz="5000" b="1" dirty="0" smtClean="0">
+                <a:solidFill>
+                  <a:schemeClr val="bg1"/>
+                </a:solidFill>
+                <a:latin typeface="Arial" charset="0"/>
+              </a:rPr>
+              <a:t>Service</a:t>
             </a:r>
             <a:endParaRPr lang="en-US" sz="5000" b="1" dirty="0">
               <a:solidFill>
@@ -6507,7 +6176,7 @@
             <a:avLst/>
           </a:prstGeom>
           <a:solidFill>
-            <a:schemeClr val="bg1"/>
+            <a:srgbClr val="49C9CD"/>
           </a:solidFill>
         </p:spPr>
         <p:txBody>
@@ -6591,7 +6260,7 @@
           <p:nvPr/>
         </p:nvPicPr>
         <p:blipFill>
-          <a:blip r:embed="rId10">
+          <a:blip r:embed="rId9">
             <a:extLst>
               <a:ext uri="{28A0092B-C50C-407E-A947-70E740481C1C}">
                 <a14:useLocalDpi xmlns:a14="http://schemas.microsoft.com/office/drawing/2010/main" val="0"/>
@@ -6639,16 +6308,16 @@
               <a:buChar char="•"/>
             </a:pPr>
             <a:r>
-              <a:rPr lang="en-US" dirty="0">
-                <a:latin typeface="+mn-lt"/>
-              </a:rPr>
-              <a:t>P</a:t>
-            </a:r>
-            <a:r>
               <a:rPr lang="en-US" dirty="0" smtClean="0">
                 <a:latin typeface="+mn-lt"/>
               </a:rPr>
-              <a:t>rovides access to the </a:t>
+              <a:t>Provides </a:t>
+            </a:r>
+            <a:r>
+              <a:rPr lang="en-US" dirty="0" smtClean="0">
+                <a:latin typeface="+mn-lt"/>
+              </a:rPr>
+              <a:t>access to the </a:t>
             </a:r>
             <a:r>
               <a:rPr lang="en-US" b="1" dirty="0" smtClean="0">
@@ -6806,7 +6475,7 @@
             <a:avLst/>
           </a:prstGeom>
           <a:solidFill>
-            <a:schemeClr val="bg1"/>
+            <a:srgbClr val="FFB500"/>
           </a:solidFill>
           <a:ln w="9525" cap="flat" cmpd="sng" algn="ctr">
             <a:noFill/>
@@ -6825,7 +6494,7 @@
           </a:bodyPr>
           <a:lstStyle/>
           <a:p>
-            <a:pPr marL="0" marR="0" indent="0" algn="l" defTabSz="914400" rtl="0" eaLnBrk="0" fontAlgn="base" latinLnBrk="0" hangingPunct="0">
+            <a:pPr marL="342900" marR="0" indent="-342900" algn="l" defTabSz="914400" rtl="0" eaLnBrk="0" fontAlgn="base" latinLnBrk="0" hangingPunct="0">
               <a:lnSpc>
                 <a:spcPct val="100000"/>
               </a:lnSpc>
@@ -6837,11 +6506,173 @@
               </a:spcAft>
               <a:buClrTx/>
               <a:buSzTx/>
-              <a:buFontTx/>
-              <a:buNone/>
+              <a:buFont typeface="Arial" charset="0"/>
+              <a:buChar char="•"/>
               <a:tabLst/>
             </a:pPr>
-            <a:endParaRPr kumimoji="0" lang="en-US" sz="2400" b="0" i="0" u="none" strike="noStrike" cap="none" normalizeH="0" baseline="0" smtClean="0">
+            <a:r>
+              <a:rPr lang="en-US" sz="2800" dirty="0" smtClean="0">
+                <a:latin typeface="+mn-lt"/>
+              </a:rPr>
+              <a:t>LHCbPR </a:t>
+            </a:r>
+            <a:r>
+              <a:rPr lang="en-US" sz="2800" dirty="0" smtClean="0">
+                <a:latin typeface="+mn-lt"/>
+              </a:rPr>
+              <a:t>not coupled to the LHCb software stack and can be adapted for other experiments and projects</a:t>
+            </a:r>
+          </a:p>
+          <a:p>
+            <a:pPr marL="342900" marR="0" indent="-342900" algn="l" defTabSz="914400" rtl="0" eaLnBrk="0" fontAlgn="base" latinLnBrk="0" hangingPunct="0">
+              <a:lnSpc>
+                <a:spcPct val="100000"/>
+              </a:lnSpc>
+              <a:spcBef>
+                <a:spcPct val="0"/>
+              </a:spcBef>
+              <a:spcAft>
+                <a:spcPct val="0"/>
+              </a:spcAft>
+              <a:buClrTx/>
+              <a:buSzTx/>
+              <a:buFont typeface="Arial" charset="0"/>
+              <a:buChar char="•"/>
+              <a:tabLst/>
+            </a:pPr>
+            <a:r>
+              <a:rPr kumimoji="0" lang="en-US" sz="2800" b="0" i="0" u="none" strike="noStrike" cap="none" normalizeH="0" baseline="0" dirty="0" smtClean="0">
+                <a:ln>
+                  <a:noFill/>
+                </a:ln>
+                <a:solidFill>
+                  <a:schemeClr val="tx1"/>
+                </a:solidFill>
+                <a:effectLst/>
+                <a:latin typeface="+mn-lt"/>
+              </a:rPr>
+              <a:t>We</a:t>
+            </a:r>
+            <a:r>
+              <a:rPr kumimoji="0" lang="en-US" sz="2800" b="0" i="0" u="none" strike="noStrike" cap="none" normalizeH="0" dirty="0" smtClean="0">
+                <a:ln>
+                  <a:noFill/>
+                </a:ln>
+                <a:solidFill>
+                  <a:schemeClr val="tx1"/>
+                </a:solidFill>
+                <a:effectLst/>
+                <a:latin typeface="+mn-lt"/>
+              </a:rPr>
+              <a:t> are working on extending repository of web components and  analysis modules for web frontend</a:t>
+            </a:r>
+            <a:r>
+              <a:rPr kumimoji="0" lang="en-US" sz="2800" b="0" i="0" u="none" strike="noStrike" cap="none" normalizeH="0" dirty="0" smtClean="0">
+                <a:ln>
+                  <a:noFill/>
+                </a:ln>
+                <a:solidFill>
+                  <a:schemeClr val="tx1"/>
+                </a:solidFill>
+                <a:effectLst/>
+                <a:latin typeface="+mn-lt"/>
+              </a:rPr>
+              <a:t>.</a:t>
+            </a:r>
+          </a:p>
+          <a:p>
+            <a:pPr marL="342900" marR="0" indent="-342900" algn="l" defTabSz="914400" rtl="0" eaLnBrk="0" fontAlgn="base" latinLnBrk="0" hangingPunct="0">
+              <a:lnSpc>
+                <a:spcPct val="100000"/>
+              </a:lnSpc>
+              <a:spcBef>
+                <a:spcPct val="0"/>
+              </a:spcBef>
+              <a:spcAft>
+                <a:spcPct val="0"/>
+              </a:spcAft>
+              <a:buClrTx/>
+              <a:buSzTx/>
+              <a:buFont typeface="Arial" charset="0"/>
+              <a:buChar char="•"/>
+              <a:tabLst/>
+            </a:pPr>
+            <a:r>
+              <a:rPr lang="en-US" sz="2800" dirty="0" smtClean="0">
+                <a:latin typeface="+mn-lt"/>
+              </a:rPr>
+              <a:t>Easy to develop new clients for API service.</a:t>
+            </a:r>
+            <a:endParaRPr lang="ru-RU" sz="2800" dirty="0">
+              <a:latin typeface="+mn-lt"/>
+            </a:endParaRPr>
+          </a:p>
+          <a:p>
+            <a:pPr marL="342900" marR="0" indent="-342900" algn="l" defTabSz="914400" rtl="0" eaLnBrk="0" fontAlgn="base" latinLnBrk="0" hangingPunct="0">
+              <a:lnSpc>
+                <a:spcPct val="100000"/>
+              </a:lnSpc>
+              <a:spcBef>
+                <a:spcPct val="0"/>
+              </a:spcBef>
+              <a:spcAft>
+                <a:spcPct val="0"/>
+              </a:spcAft>
+              <a:buClrTx/>
+              <a:buSzTx/>
+              <a:buFont typeface="Arial" charset="0"/>
+              <a:buChar char="•"/>
+              <a:tabLst/>
+            </a:pPr>
+            <a:endParaRPr lang="en-US" sz="2800" dirty="0">
+              <a:latin typeface="+mn-lt"/>
+            </a:endParaRPr>
+          </a:p>
+          <a:p>
+            <a:pPr marR="0" algn="l" defTabSz="914400" rtl="0" eaLnBrk="0" fontAlgn="base" latinLnBrk="0" hangingPunct="0">
+              <a:lnSpc>
+                <a:spcPct val="100000"/>
+              </a:lnSpc>
+              <a:spcBef>
+                <a:spcPct val="0"/>
+              </a:spcBef>
+              <a:spcAft>
+                <a:spcPct val="0"/>
+              </a:spcAft>
+              <a:buClrTx/>
+              <a:buSzTx/>
+              <a:tabLst/>
+            </a:pPr>
+            <a:r>
+              <a:rPr kumimoji="0" lang="en-US" sz="2800" b="1" i="0" u="none" strike="noStrike" cap="none" normalizeH="0" dirty="0" smtClean="0">
+                <a:ln>
+                  <a:noFill/>
+                </a:ln>
+                <a:solidFill>
+                  <a:schemeClr val="tx1"/>
+                </a:solidFill>
+                <a:effectLst/>
+                <a:latin typeface="+mn-lt"/>
+              </a:rPr>
+              <a:t>Resources</a:t>
+            </a:r>
+          </a:p>
+          <a:p>
+            <a:pPr marR="0" algn="l" defTabSz="914400" rtl="0" eaLnBrk="0" fontAlgn="base" latinLnBrk="0" hangingPunct="0">
+              <a:lnSpc>
+                <a:spcPct val="100000"/>
+              </a:lnSpc>
+              <a:spcBef>
+                <a:spcPct val="0"/>
+              </a:spcBef>
+              <a:spcAft>
+                <a:spcPct val="0"/>
+              </a:spcAft>
+              <a:buClrTx/>
+              <a:buSzTx/>
+              <a:tabLst/>
+            </a:pPr>
+            <a:endParaRPr kumimoji="0" lang="en-US" sz="2800" b="0" i="0" u="none" strike="noStrike" cap="none" normalizeH="0" dirty="0" smtClean="0">
               <a:ln>
                 <a:noFill/>
               </a:ln>
@@ -6849,11 +6680,766 @@
                 <a:schemeClr val="tx1"/>
               </a:solidFill>
               <a:effectLst/>
-              <a:latin typeface="Times New Roman" pitchFamily="18" charset="0"/>
+              <a:latin typeface="+mn-lt"/>
             </a:endParaRPr>
           </a:p>
-        </p:txBody>
-      </p:sp>
+          <a:p>
+            <a:pPr marL="457200" indent="-457200" eaLnBrk="0" hangingPunct="0">
+              <a:buFont typeface="Arial" charset="0"/>
+              <a:buChar char="•"/>
+            </a:pPr>
+            <a:r>
+              <a:rPr lang="en-US" sz="2800" b="1" dirty="0" smtClean="0">
+                <a:latin typeface="+mn-lt"/>
+              </a:rPr>
+              <a:t>API service</a:t>
+            </a:r>
+            <a:r>
+              <a:rPr lang="en-US" sz="2800" dirty="0" smtClean="0">
+                <a:latin typeface="+mn-lt"/>
+              </a:rPr>
+              <a:t>: https</a:t>
+            </a:r>
+            <a:r>
+              <a:rPr lang="en-US" sz="2800" dirty="0">
+                <a:latin typeface="+mn-lt"/>
+              </a:rPr>
+              <a:t>://</a:t>
+            </a:r>
+            <a:r>
+              <a:rPr lang="en-US" sz="2800" dirty="0" err="1" smtClean="0">
+                <a:latin typeface="+mn-lt"/>
+              </a:rPr>
+              <a:t>gitlab.cern.ch</a:t>
+            </a:r>
+            <a:r>
+              <a:rPr lang="en-US" sz="2800" dirty="0" smtClean="0">
+                <a:latin typeface="+mn-lt"/>
+              </a:rPr>
+              <a:t>/</a:t>
+            </a:r>
+            <a:r>
+              <a:rPr lang="en-US" sz="2800" dirty="0" err="1" smtClean="0">
+                <a:latin typeface="+mn-lt"/>
+              </a:rPr>
+              <a:t>lhcb</a:t>
+            </a:r>
+            <a:r>
+              <a:rPr lang="en-US" sz="2800" dirty="0" smtClean="0">
+                <a:latin typeface="+mn-lt"/>
+              </a:rPr>
+              <a:t>-core/LHCbPR2BE</a:t>
+            </a:r>
+          </a:p>
+          <a:p>
+            <a:pPr marL="457200" indent="-457200" eaLnBrk="0" hangingPunct="0">
+              <a:buFont typeface="Arial" charset="0"/>
+              <a:buChar char="•"/>
+            </a:pPr>
+            <a:r>
+              <a:rPr lang="en-US" sz="2800" b="1" dirty="0" smtClean="0">
+                <a:latin typeface="+mn-lt"/>
+              </a:rPr>
+              <a:t>ROOT </a:t>
+            </a:r>
+            <a:r>
+              <a:rPr lang="en-US" sz="2800" b="1" dirty="0">
+                <a:latin typeface="+mn-lt"/>
+              </a:rPr>
+              <a:t>HTTP service</a:t>
+            </a:r>
+            <a:r>
+              <a:rPr lang="en-US" sz="2800" dirty="0">
+                <a:latin typeface="+mn-lt"/>
+              </a:rPr>
+              <a:t>: https://</a:t>
+            </a:r>
+            <a:r>
+              <a:rPr lang="en-US" sz="2800" dirty="0" err="1">
+                <a:latin typeface="+mn-lt"/>
+              </a:rPr>
+              <a:t>gitlab.cern.ch</a:t>
+            </a:r>
+            <a:r>
+              <a:rPr lang="en-US" sz="2800" dirty="0">
+                <a:latin typeface="+mn-lt"/>
+              </a:rPr>
+              <a:t>/</a:t>
+            </a:r>
+            <a:r>
+              <a:rPr lang="en-US" sz="2800" dirty="0" err="1">
+                <a:latin typeface="+mn-lt"/>
+              </a:rPr>
+              <a:t>lhcb</a:t>
+            </a:r>
+            <a:r>
+              <a:rPr lang="en-US" sz="2800" dirty="0">
+                <a:latin typeface="+mn-lt"/>
+              </a:rPr>
+              <a:t>-core/LHCbPR2ROOT</a:t>
+            </a:r>
+            <a:endParaRPr lang="en-US" sz="2800" dirty="0" smtClean="0">
+              <a:latin typeface="+mn-lt"/>
+            </a:endParaRPr>
+          </a:p>
+          <a:p>
+            <a:pPr marL="457200" indent="-457200" eaLnBrk="0" hangingPunct="0">
+              <a:buFont typeface="Arial" charset="0"/>
+              <a:buChar char="•"/>
+            </a:pPr>
+            <a:r>
+              <a:rPr lang="en-US" sz="2800" b="1" dirty="0">
+                <a:latin typeface="+mn-lt"/>
+              </a:rPr>
+              <a:t>Web application</a:t>
+            </a:r>
+            <a:r>
+              <a:rPr lang="en-US" sz="2800" dirty="0">
+                <a:latin typeface="+mn-lt"/>
+              </a:rPr>
+              <a:t>: https://</a:t>
+            </a:r>
+            <a:r>
+              <a:rPr lang="en-US" sz="2800" dirty="0" err="1" smtClean="0">
+                <a:latin typeface="+mn-lt"/>
+              </a:rPr>
+              <a:t>gitlab.cern.ch</a:t>
+            </a:r>
+            <a:r>
+              <a:rPr lang="en-US" sz="2800" dirty="0" smtClean="0">
+                <a:latin typeface="+mn-lt"/>
+              </a:rPr>
+              <a:t>/</a:t>
+            </a:r>
+            <a:r>
+              <a:rPr lang="en-US" sz="2800" dirty="0" err="1" smtClean="0">
+                <a:latin typeface="+mn-lt"/>
+              </a:rPr>
+              <a:t>lhcb</a:t>
+            </a:r>
+            <a:r>
+              <a:rPr lang="en-US" sz="2800" dirty="0" smtClean="0">
+                <a:latin typeface="+mn-lt"/>
+              </a:rPr>
+              <a:t>-core/LHCbPR2FE</a:t>
+            </a:r>
+          </a:p>
+          <a:p>
+            <a:pPr marL="457200" indent="-457200" eaLnBrk="0" hangingPunct="0">
+              <a:buFont typeface="Arial" charset="0"/>
+              <a:buChar char="•"/>
+            </a:pPr>
+            <a:r>
+              <a:rPr lang="en-US" sz="2800" b="1" dirty="0" smtClean="0">
+                <a:latin typeface="+mn-lt"/>
+              </a:rPr>
+              <a:t>Tests’ output </a:t>
+            </a:r>
+            <a:r>
+              <a:rPr lang="en-US" sz="2800" b="1" dirty="0">
+                <a:latin typeface="+mn-lt"/>
+              </a:rPr>
+              <a:t>handlers</a:t>
+            </a:r>
+            <a:r>
+              <a:rPr lang="en-US" sz="2800" dirty="0">
+                <a:latin typeface="+mn-lt"/>
+              </a:rPr>
+              <a:t>: https://</a:t>
+            </a:r>
+            <a:r>
+              <a:rPr lang="en-US" sz="2800" dirty="0" err="1" smtClean="0">
+                <a:latin typeface="+mn-lt"/>
+              </a:rPr>
+              <a:t>gitlab.cern.ch</a:t>
+            </a:r>
+            <a:r>
+              <a:rPr lang="en-US" sz="2800" dirty="0" smtClean="0">
+                <a:latin typeface="+mn-lt"/>
+              </a:rPr>
+              <a:t>/</a:t>
+            </a:r>
+            <a:r>
+              <a:rPr lang="en-US" sz="2800" dirty="0" err="1" smtClean="0">
+                <a:latin typeface="+mn-lt"/>
+              </a:rPr>
+              <a:t>lhcb</a:t>
+            </a:r>
+            <a:r>
+              <a:rPr lang="en-US" sz="2800" dirty="0" smtClean="0">
+                <a:latin typeface="+mn-lt"/>
+              </a:rPr>
+              <a:t>-core/LHCbPR2HD</a:t>
+            </a:r>
+          </a:p>
+          <a:p>
+            <a:pPr marL="457200" indent="-457200" eaLnBrk="0" hangingPunct="0">
+              <a:buFont typeface="Arial" charset="0"/>
+              <a:buChar char="•"/>
+            </a:pPr>
+            <a:r>
+              <a:rPr lang="en-US" sz="2800" b="1" dirty="0" smtClean="0">
+                <a:latin typeface="+mn-lt"/>
+              </a:rPr>
+              <a:t>Proxy server and </a:t>
+            </a:r>
+            <a:r>
+              <a:rPr lang="en-US" sz="2800" b="1" dirty="0">
+                <a:latin typeface="+mn-lt"/>
+              </a:rPr>
+              <a:t>project builder</a:t>
+            </a:r>
+            <a:r>
+              <a:rPr lang="en-US" sz="2800" dirty="0">
+                <a:latin typeface="+mn-lt"/>
+              </a:rPr>
+              <a:t>: https://</a:t>
+            </a:r>
+            <a:r>
+              <a:rPr lang="en-US" sz="2800" dirty="0" err="1">
+                <a:latin typeface="+mn-lt"/>
+              </a:rPr>
+              <a:t>gitlab.cern.ch</a:t>
+            </a:r>
+            <a:r>
+              <a:rPr lang="en-US" sz="2800" dirty="0">
+                <a:latin typeface="+mn-lt"/>
+              </a:rPr>
+              <a:t>/</a:t>
+            </a:r>
+            <a:r>
+              <a:rPr lang="en-US" sz="2800" dirty="0" err="1">
+                <a:latin typeface="+mn-lt"/>
+              </a:rPr>
+              <a:t>amazurov</a:t>
+            </a:r>
+            <a:r>
+              <a:rPr lang="en-US" sz="2800" dirty="0">
+                <a:latin typeface="+mn-lt"/>
+              </a:rPr>
+              <a:t>/LHCbPR2</a:t>
+            </a:r>
+            <a:endParaRPr lang="en-US" sz="2800" dirty="0" smtClean="0">
+              <a:latin typeface="+mn-lt"/>
+            </a:endParaRPr>
+          </a:p>
+          <a:p>
+            <a:pPr marL="457200" indent="-457200" eaLnBrk="0" hangingPunct="0">
+              <a:buFont typeface="Arial" charset="0"/>
+              <a:buChar char="•"/>
+            </a:pPr>
+            <a:endParaRPr lang="en-US" dirty="0">
+              <a:latin typeface="+mn-lt"/>
+            </a:endParaRPr>
+          </a:p>
+          <a:p>
+            <a:pPr marL="457200" indent="-457200" eaLnBrk="0" hangingPunct="0">
+              <a:buFont typeface="Arial" charset="0"/>
+              <a:buChar char="•"/>
+            </a:pPr>
+            <a:endParaRPr lang="en-US" sz="2800" dirty="0" smtClean="0">
+              <a:latin typeface="+mn-lt"/>
+            </a:endParaRPr>
+          </a:p>
+          <a:p>
+            <a:pPr marL="457200" indent="-457200" eaLnBrk="0" hangingPunct="0">
+              <a:buFont typeface="Arial" charset="0"/>
+              <a:buChar char="•"/>
+            </a:pPr>
+            <a:endParaRPr kumimoji="0" lang="en-US" sz="2800" b="0" i="0" u="none" strike="noStrike" cap="none" normalizeH="0" dirty="0" smtClean="0">
+              <a:ln>
+                <a:noFill/>
+              </a:ln>
+              <a:solidFill>
+                <a:schemeClr val="tx1"/>
+              </a:solidFill>
+              <a:effectLst/>
+              <a:latin typeface="+mn-lt"/>
+            </a:endParaRPr>
+          </a:p>
+          <a:p>
+            <a:pPr marL="342900" marR="0" indent="-342900" algn="l" defTabSz="914400" rtl="0" eaLnBrk="0" fontAlgn="base" latinLnBrk="0" hangingPunct="0">
+              <a:lnSpc>
+                <a:spcPct val="100000"/>
+              </a:lnSpc>
+              <a:spcBef>
+                <a:spcPct val="0"/>
+              </a:spcBef>
+              <a:spcAft>
+                <a:spcPct val="0"/>
+              </a:spcAft>
+              <a:buClrTx/>
+              <a:buSzTx/>
+              <a:buFont typeface="Arial" charset="0"/>
+              <a:buChar char="•"/>
+              <a:tabLst/>
+            </a:pPr>
+            <a:endParaRPr kumimoji="0" lang="en-US" sz="2800" b="0" i="0" u="none" strike="noStrike" cap="none" normalizeH="0" baseline="0" dirty="0" smtClean="0">
+              <a:ln>
+                <a:noFill/>
+              </a:ln>
+              <a:solidFill>
+                <a:schemeClr val="tx1"/>
+              </a:solidFill>
+              <a:effectLst/>
+              <a:latin typeface="+mn-lt"/>
+            </a:endParaRPr>
+          </a:p>
+        </p:txBody>
+      </p:sp>
+      <p:sp>
+        <p:nvSpPr>
+          <p:cNvPr id="11" name="TextBox 10"/>
+          <p:cNvSpPr txBox="1"/>
+          <p:nvPr/>
+        </p:nvSpPr>
+        <p:spPr>
+          <a:xfrm>
+            <a:off x="1142999" y="22914099"/>
+            <a:ext cx="8991601" cy="4832092"/>
+          </a:xfrm>
+          <a:prstGeom prst="rect">
+            <a:avLst/>
+          </a:prstGeom>
+          <a:solidFill>
+            <a:srgbClr val="78C545"/>
+          </a:solidFill>
+        </p:spPr>
+        <p:txBody>
+          <a:bodyPr wrap="square" rtlCol="0">
+            <a:spAutoFit/>
+          </a:bodyPr>
+          <a:lstStyle/>
+          <a:p>
+            <a:pPr marL="514350" indent="-514350">
+              <a:buFont typeface="+mj-lt"/>
+              <a:buAutoNum type="arabicPeriod"/>
+            </a:pPr>
+            <a:r>
+              <a:rPr lang="en-US" sz="2800" b="1" dirty="0">
+                <a:latin typeface="+mn-lt"/>
+              </a:rPr>
+              <a:t>Build and Test Services </a:t>
+            </a:r>
+          </a:p>
+          <a:p>
+            <a:pPr marL="900000" lvl="1" indent="-442350">
+              <a:buFont typeface="Arial" charset="0"/>
+              <a:buChar char="•"/>
+            </a:pPr>
+            <a:r>
+              <a:rPr lang="en-US" sz="2800" b="1" dirty="0">
+                <a:latin typeface="+mn-lt"/>
+              </a:rPr>
+              <a:t>Continuous Integration (CI) Service </a:t>
+            </a:r>
+            <a:r>
+              <a:rPr lang="en-US" sz="2800" dirty="0">
+                <a:latin typeface="+mn-lt"/>
+              </a:rPr>
+              <a:t>– schedule and initiate test runs</a:t>
+            </a:r>
+          </a:p>
+          <a:p>
+            <a:pPr marL="900000" lvl="1" indent="-442350">
+              <a:buFont typeface="Arial" charset="0"/>
+              <a:buChar char="•"/>
+            </a:pPr>
+            <a:r>
+              <a:rPr lang="en-US" sz="2800" b="1" dirty="0" smtClean="0">
+                <a:latin typeface="+mn-lt"/>
+              </a:rPr>
+              <a:t>Artifacts Storage</a:t>
+            </a:r>
+            <a:r>
+              <a:rPr lang="en-US" sz="2800" dirty="0" smtClean="0">
+                <a:latin typeface="+mn-lt"/>
+              </a:rPr>
+              <a:t>– store projects builds for different  configurations</a:t>
+            </a:r>
+          </a:p>
+          <a:p>
+            <a:pPr marL="900000" lvl="1" indent="-442350">
+              <a:buFont typeface="Arial" charset="0"/>
+              <a:buChar char="•"/>
+            </a:pPr>
+            <a:r>
+              <a:rPr lang="en-US" sz="2800" b="1" dirty="0" smtClean="0">
+                <a:latin typeface="+mn-lt"/>
+              </a:rPr>
+              <a:t>Test </a:t>
+            </a:r>
+            <a:r>
+              <a:rPr lang="en-US" sz="2800" b="1" dirty="0">
+                <a:latin typeface="+mn-lt"/>
+              </a:rPr>
+              <a:t>service </a:t>
+            </a:r>
+            <a:r>
+              <a:rPr lang="en-US" sz="2800" dirty="0">
+                <a:latin typeface="+mn-lt"/>
+              </a:rPr>
+              <a:t>– read LHCbPR configuration for tests, download the corresponding builds, execute tests and transfer it to the Storage Element</a:t>
+            </a:r>
+          </a:p>
+          <a:p>
+            <a:pPr marL="900000" lvl="1" indent="-442350">
+              <a:buFont typeface="Arial" charset="0"/>
+              <a:buChar char="•"/>
+            </a:pPr>
+            <a:r>
+              <a:rPr lang="en-US" sz="2800" b="1" dirty="0">
+                <a:latin typeface="+mn-lt"/>
+              </a:rPr>
+              <a:t>Storage Element </a:t>
+            </a:r>
+            <a:r>
+              <a:rPr lang="en-US" sz="2800" dirty="0">
+                <a:latin typeface="+mn-lt"/>
+              </a:rPr>
+              <a:t>– virtual storage for jobs output with the interface to quite diverse real storage systems like grid storage.</a:t>
+            </a:r>
+          </a:p>
+        </p:txBody>
+      </p:sp>
+      <p:sp>
+        <p:nvSpPr>
+          <p:cNvPr id="14" name="TextBox 13"/>
+          <p:cNvSpPr txBox="1"/>
+          <p:nvPr/>
+        </p:nvSpPr>
+        <p:spPr>
+          <a:xfrm>
+            <a:off x="1142998" y="27746191"/>
+            <a:ext cx="8991601" cy="5262979"/>
+          </a:xfrm>
+          <a:prstGeom prst="rect">
+            <a:avLst/>
+          </a:prstGeom>
+          <a:solidFill>
+            <a:srgbClr val="49C9CC"/>
+          </a:solidFill>
+        </p:spPr>
+        <p:txBody>
+          <a:bodyPr wrap="square" rtlCol="0">
+            <a:spAutoFit/>
+          </a:bodyPr>
+          <a:lstStyle/>
+          <a:p>
+            <a:pPr marL="514350" indent="-514350">
+              <a:buFont typeface="+mj-lt"/>
+              <a:buAutoNum type="arabicPeriod" startAt="2"/>
+            </a:pPr>
+            <a:r>
+              <a:rPr lang="en-US" sz="2800" b="1" dirty="0">
+                <a:latin typeface="+mn-lt"/>
+              </a:rPr>
+              <a:t>LHCbPR v2</a:t>
+            </a:r>
+          </a:p>
+          <a:p>
+            <a:pPr marL="971550" lvl="1" indent="-514350">
+              <a:buFont typeface="Arial" charset="0"/>
+              <a:buChar char="•"/>
+            </a:pPr>
+            <a:r>
+              <a:rPr lang="en-US" sz="2800" b="1" dirty="0">
+                <a:latin typeface="+mn-lt"/>
+              </a:rPr>
+              <a:t>Database – </a:t>
+            </a:r>
+            <a:r>
+              <a:rPr lang="en-US" sz="2800" dirty="0">
+                <a:latin typeface="+mn-lt"/>
+              </a:rPr>
+              <a:t>relational database for job descriptions and job outputs.</a:t>
+            </a:r>
+            <a:r>
+              <a:rPr lang="ru-RU" sz="2800" dirty="0">
+                <a:latin typeface="+mn-lt"/>
+              </a:rPr>
+              <a:t> </a:t>
+            </a:r>
+            <a:r>
+              <a:rPr lang="en-US" sz="2800" dirty="0">
+                <a:latin typeface="+mn-lt"/>
+              </a:rPr>
+              <a:t>We use </a:t>
+            </a:r>
+            <a:r>
+              <a:rPr lang="en-US" sz="2800" b="1" dirty="0">
+                <a:latin typeface="+mn-lt"/>
+              </a:rPr>
+              <a:t>MySQL</a:t>
+            </a:r>
+            <a:r>
+              <a:rPr lang="en-US" sz="2800" dirty="0">
+                <a:latin typeface="+mn-lt"/>
+              </a:rPr>
+              <a:t>, but it can be any other.</a:t>
+            </a:r>
+          </a:p>
+          <a:p>
+            <a:pPr marL="971550" lvl="1" indent="-514350">
+              <a:buFont typeface="Arial" charset="0"/>
+              <a:buChar char="•"/>
+            </a:pPr>
+            <a:r>
+              <a:rPr lang="en-US" sz="2800" b="1" dirty="0">
+                <a:latin typeface="+mn-lt"/>
+              </a:rPr>
+              <a:t>REST API service </a:t>
+            </a:r>
+            <a:r>
+              <a:rPr lang="en-US" sz="2800" dirty="0">
+                <a:latin typeface="+mn-lt"/>
+              </a:rPr>
+              <a:t>– provides REST access to the database and adds some business logic for special API requests. </a:t>
+            </a:r>
+            <a:r>
+              <a:rPr lang="en-US" sz="2800" u="sng" dirty="0">
+                <a:latin typeface="+mn-lt"/>
+              </a:rPr>
+              <a:t>Technologies</a:t>
+            </a:r>
+            <a:r>
+              <a:rPr lang="en-US" sz="2800" dirty="0">
+                <a:latin typeface="+mn-lt"/>
+              </a:rPr>
+              <a:t>: </a:t>
+            </a:r>
+            <a:r>
+              <a:rPr lang="en-US" sz="2800" b="1" dirty="0">
+                <a:latin typeface="+mn-lt"/>
+              </a:rPr>
+              <a:t>python</a:t>
+            </a:r>
+            <a:r>
+              <a:rPr lang="en-US" sz="2800" dirty="0">
+                <a:latin typeface="+mn-lt"/>
+              </a:rPr>
+              <a:t>, </a:t>
+            </a:r>
+            <a:r>
+              <a:rPr lang="en-US" sz="2800" b="1" dirty="0">
+                <a:latin typeface="+mn-lt"/>
+              </a:rPr>
+              <a:t>Django</a:t>
+            </a:r>
+            <a:r>
+              <a:rPr lang="en-US" sz="2800" dirty="0">
+                <a:latin typeface="+mn-lt"/>
+              </a:rPr>
+              <a:t> + </a:t>
+            </a:r>
+            <a:r>
+              <a:rPr lang="en-US" sz="2800" b="1" dirty="0">
+                <a:latin typeface="+mn-lt"/>
+              </a:rPr>
+              <a:t>REST Framework</a:t>
+            </a:r>
+            <a:r>
+              <a:rPr lang="en-US" sz="2800" dirty="0">
+                <a:latin typeface="+mn-lt"/>
+              </a:rPr>
+              <a:t>.</a:t>
+            </a:r>
+          </a:p>
+          <a:p>
+            <a:pPr marL="971550" lvl="1" indent="-514350">
+              <a:buFont typeface="Arial" charset="0"/>
+              <a:buChar char="•"/>
+            </a:pPr>
+            <a:r>
+              <a:rPr lang="en-US" sz="2800" b="1" dirty="0">
+                <a:latin typeface="+mn-lt"/>
+              </a:rPr>
+              <a:t>ROOT HTTP service – </a:t>
+            </a:r>
+            <a:r>
+              <a:rPr lang="en-US" sz="2800" dirty="0">
+                <a:latin typeface="+mn-lt"/>
+              </a:rPr>
+              <a:t>helper service for returning content of ROOT files in JSON format. Relies on ROOT TBufferJSON.ConvertToJSON functionality. </a:t>
+            </a:r>
+            <a:r>
+              <a:rPr lang="en-US" sz="2800" u="sng" dirty="0">
+                <a:latin typeface="+mn-lt"/>
+              </a:rPr>
+              <a:t>Technologies</a:t>
+            </a:r>
+            <a:r>
+              <a:rPr lang="en-US" sz="2800" dirty="0">
+                <a:latin typeface="+mn-lt"/>
+              </a:rPr>
+              <a:t>: </a:t>
+            </a:r>
+            <a:r>
+              <a:rPr lang="en-US" sz="2800" b="1" dirty="0">
+                <a:latin typeface="+mn-lt"/>
+              </a:rPr>
+              <a:t>Flask</a:t>
+            </a:r>
+            <a:r>
+              <a:rPr lang="en-US" sz="2800" dirty="0">
+                <a:latin typeface="+mn-lt"/>
+              </a:rPr>
+              <a:t> , </a:t>
+            </a:r>
+            <a:r>
+              <a:rPr lang="en-US" sz="2800" b="1" dirty="0">
+                <a:latin typeface="+mn-lt"/>
+              </a:rPr>
+              <a:t>ROOT</a:t>
+            </a:r>
+            <a:r>
+              <a:rPr lang="en-US" sz="2800" dirty="0">
+                <a:latin typeface="+mn-lt"/>
+              </a:rPr>
+              <a:t>.</a:t>
+            </a:r>
+          </a:p>
+        </p:txBody>
+      </p:sp>
+      <p:sp>
+        <p:nvSpPr>
+          <p:cNvPr id="16" name="TextBox 15"/>
+          <p:cNvSpPr txBox="1"/>
+          <p:nvPr/>
+        </p:nvSpPr>
+        <p:spPr>
+          <a:xfrm>
+            <a:off x="1142998" y="33009170"/>
+            <a:ext cx="8991601" cy="3108543"/>
+          </a:xfrm>
+          <a:prstGeom prst="rect">
+            <a:avLst/>
+          </a:prstGeom>
+          <a:solidFill>
+            <a:srgbClr val="E6BA31"/>
+          </a:solidFill>
+        </p:spPr>
+        <p:txBody>
+          <a:bodyPr wrap="square" rtlCol="0">
+            <a:spAutoFit/>
+          </a:bodyPr>
+          <a:lstStyle/>
+          <a:p>
+            <a:pPr marL="514350" indent="-514350">
+              <a:buFont typeface="+mj-lt"/>
+              <a:buAutoNum type="arabicPeriod" startAt="3"/>
+            </a:pPr>
+            <a:r>
+              <a:rPr lang="en-US" sz="2800" b="1" dirty="0">
+                <a:latin typeface="+mn-lt"/>
+              </a:rPr>
+              <a:t>User Clients</a:t>
+            </a:r>
+            <a:endParaRPr lang="ru-RU" sz="2800" b="1" dirty="0">
+              <a:latin typeface="+mn-lt"/>
+            </a:endParaRPr>
+          </a:p>
+          <a:p>
+            <a:pPr marL="971550" lvl="1" indent="-514350">
+              <a:buFont typeface="Arial" charset="0"/>
+              <a:buChar char="•"/>
+            </a:pPr>
+            <a:r>
+              <a:rPr lang="en-US" sz="2800" dirty="0">
+                <a:latin typeface="+mn-lt"/>
+              </a:rPr>
+              <a:t>Users can create any data handling client that use LHCbPR REST API: web applications, scripts</a:t>
+            </a:r>
+          </a:p>
+          <a:p>
+            <a:pPr marL="971550" lvl="1" indent="-514350">
+              <a:buFont typeface="Arial" charset="0"/>
+              <a:buChar char="•"/>
+            </a:pPr>
+            <a:r>
+              <a:rPr lang="en-US" sz="2800" dirty="0">
+                <a:latin typeface="+mn-lt"/>
+              </a:rPr>
+              <a:t>We created web frontend for visualizing regression tests' results. </a:t>
+            </a:r>
+            <a:r>
+              <a:rPr lang="en-US" sz="2800" u="sng" dirty="0">
+                <a:latin typeface="+mn-lt"/>
+              </a:rPr>
+              <a:t>Technologies</a:t>
+            </a:r>
+            <a:r>
+              <a:rPr lang="en-US" sz="2800" dirty="0">
+                <a:latin typeface="+mn-lt"/>
+              </a:rPr>
+              <a:t>: </a:t>
+            </a:r>
+            <a:r>
+              <a:rPr lang="en-US" sz="2800" b="1" dirty="0">
+                <a:latin typeface="+mn-lt"/>
+              </a:rPr>
+              <a:t>javascript</a:t>
+            </a:r>
+            <a:r>
+              <a:rPr lang="en-US" sz="2800" dirty="0">
+                <a:latin typeface="+mn-lt"/>
+              </a:rPr>
+              <a:t>, </a:t>
+            </a:r>
+            <a:r>
+              <a:rPr lang="en-US" sz="2800" b="1" dirty="0">
+                <a:latin typeface="+mn-lt"/>
+              </a:rPr>
+              <a:t>angular</a:t>
+            </a:r>
+            <a:r>
+              <a:rPr lang="en-US" sz="2800" dirty="0">
+                <a:latin typeface="+mn-lt"/>
+              </a:rPr>
+              <a:t> </a:t>
+            </a:r>
+            <a:r>
+              <a:rPr lang="en-US" sz="2800" b="1" dirty="0">
+                <a:latin typeface="+mn-lt"/>
+              </a:rPr>
+              <a:t>framework; nodejs and gulp</a:t>
+            </a:r>
+            <a:r>
+              <a:rPr lang="en-US" sz="2800" dirty="0">
+                <a:latin typeface="+mn-lt"/>
+              </a:rPr>
+              <a:t> for development.</a:t>
+            </a:r>
+            <a:endParaRPr lang="ru-RU" sz="2800" dirty="0">
+              <a:latin typeface="+mn-lt"/>
+            </a:endParaRPr>
+          </a:p>
+        </p:txBody>
+      </p:sp>
+      <p:pic>
+        <p:nvPicPr>
+          <p:cNvPr id="17" name="Picture 16"/>
+          <p:cNvPicPr>
+            <a:picLocks noChangeAspect="1"/>
+          </p:cNvPicPr>
+          <p:nvPr/>
+        </p:nvPicPr>
+        <p:blipFill>
+          <a:blip r:embed="rId10"/>
+          <a:stretch>
+            <a:fillRect/>
+          </a:stretch>
+        </p:blipFill>
+        <p:spPr>
+          <a:xfrm>
+            <a:off x="11049000" y="22895308"/>
+            <a:ext cx="6756400" cy="8267700"/>
+          </a:xfrm>
+          <a:prstGeom prst="rect">
+            <a:avLst/>
+          </a:prstGeom>
+        </p:spPr>
+      </p:pic>
     </p:spTree>
   </p:cSld>
   <p:clrMapOvr>

--- a/chep2016-lhcbpr-posterA0-v1.pptx
+++ b/chep2016-lhcbpr-posterA0-v1.pptx
@@ -4237,7 +4237,7 @@
         </p:blipFill>
         <p:spPr>
           <a:xfrm>
-            <a:off x="10521155" y="8750379"/>
+            <a:off x="10408443" y="8076482"/>
             <a:ext cx="19119058" cy="12323051"/>
           </a:xfrm>
           <a:prstGeom prst="rect">
@@ -4253,7 +4253,7 @@
         </p:nvSpPr>
         <p:spPr bwMode="auto">
           <a:xfrm>
-            <a:off x="19504021" y="22876449"/>
+            <a:off x="19391309" y="22202552"/>
             <a:ext cx="10493696" cy="13061747"/>
           </a:xfrm>
           <a:prstGeom prst="rect">
@@ -4431,7 +4431,7 @@
         </p:nvSpPr>
         <p:spPr bwMode="auto">
           <a:xfrm>
-            <a:off x="0" y="3809472"/>
+            <a:off x="0" y="3319780"/>
             <a:ext cx="30861000" cy="2489200"/>
           </a:xfrm>
           <a:prstGeom prst="rect">
@@ -4478,16 +4478,10 @@
               </a:rPr>
             </a:br>
             <a:r>
-              <a:rPr lang="en-GB" sz="2800" b="1" smtClean="0">
-                <a:latin typeface="Arial" charset="0"/>
-              </a:rPr>
-              <a:t>* Corresponding </a:t>
-            </a:r>
-            <a:r>
               <a:rPr lang="en-GB" sz="2800" b="1" dirty="0" smtClean="0">
                 <a:latin typeface="Arial" charset="0"/>
               </a:rPr>
-              <a:t>author: alexander.mazurov@cern.ch, University of Birmingham</a:t>
+              <a:t>* Corresponding author: alexander.mazurov@cern.ch, University of Birmingham</a:t>
             </a:r>
           </a:p>
           <a:p>
@@ -4615,7 +4609,7 @@
         </p:blipFill>
         <p:spPr>
           <a:xfrm>
-            <a:off x="25906413" y="3773488"/>
+            <a:off x="26593800" y="3373557"/>
             <a:ext cx="3733800" cy="2489200"/>
           </a:xfrm>
           <a:prstGeom prst="rect">
@@ -4633,7 +4627,7 @@
         </p:nvSpPr>
         <p:spPr bwMode="auto">
           <a:xfrm>
-            <a:off x="1143000" y="6972300"/>
+            <a:off x="1030288" y="6298403"/>
             <a:ext cx="8991600" cy="1497013"/>
           </a:xfrm>
           <a:prstGeom prst="rect">
@@ -4695,7 +4689,7 @@
         </p:nvSpPr>
         <p:spPr>
           <a:xfrm>
-            <a:off x="1143000" y="8455775"/>
+            <a:off x="1030288" y="7781878"/>
             <a:ext cx="8991600" cy="13449836"/>
           </a:xfrm>
           <a:prstGeom prst="rect">
@@ -4821,7 +4815,7 @@
             </a:endParaRPr>
           </a:p>
           <a:p>
-            <a:pPr marL="457200" indent="-457200">
+            <a:pPr marL="900000" indent="-457200">
               <a:buFont typeface="Arial" charset="0"/>
               <a:buChar char="•"/>
             </a:pPr>
@@ -4833,7 +4827,7 @@
             </a:r>
           </a:p>
           <a:p>
-            <a:pPr marL="914400" lvl="1" indent="-457200">
+            <a:pPr marL="1357200" lvl="2" indent="-457200">
               <a:buFont typeface="Arial" charset="0"/>
               <a:buChar char="•"/>
             </a:pPr>
@@ -4845,7 +4839,7 @@
             </a:r>
           </a:p>
           <a:p>
-            <a:pPr marL="914400" lvl="1" indent="-457200">
+            <a:pPr marL="1357200" lvl="2" indent="-457200">
               <a:buFont typeface="Arial" charset="0"/>
               <a:buChar char="•"/>
             </a:pPr>
@@ -4866,7 +4860,7 @@
             </a:endParaRPr>
           </a:p>
           <a:p>
-            <a:pPr marL="457200" indent="-457200">
+            <a:pPr marL="900000" indent="-457200">
               <a:buFont typeface="Arial" charset="0"/>
               <a:buChar char="•"/>
             </a:pPr>
@@ -4897,7 +4891,7 @@
             </a:r>
           </a:p>
           <a:p>
-            <a:pPr marL="457200" indent="-457200">
+            <a:pPr marL="900000" indent="-457200">
               <a:buFont typeface="Arial" charset="0"/>
               <a:buChar char="•"/>
             </a:pPr>
@@ -4915,7 +4909,7 @@
             </a:r>
           </a:p>
           <a:p>
-            <a:pPr marL="457200" indent="-457200">
+            <a:pPr marL="900000" indent="-457200">
               <a:buFont typeface="Arial" charset="0"/>
               <a:buChar char="•"/>
             </a:pPr>
@@ -4930,7 +4924,7 @@
             </a:endParaRPr>
           </a:p>
           <a:p>
-            <a:pPr marL="457200" indent="-457200">
+            <a:pPr marL="900000" indent="-457200">
               <a:buFont typeface="Arial" charset="0"/>
               <a:buChar char="•"/>
             </a:pPr>
@@ -4942,7 +4936,7 @@
             </a:r>
           </a:p>
           <a:p>
-            <a:pPr marL="457200" indent="-457200">
+            <a:pPr marL="900000" indent="-457200">
               <a:buFont typeface="Arial" charset="0"/>
               <a:buChar char="•"/>
             </a:pPr>
@@ -4954,7 +4948,7 @@
             </a:r>
           </a:p>
           <a:p>
-            <a:pPr marL="457200" indent="-457200">
+            <a:pPr marL="900000" indent="-457200">
               <a:buFont typeface="Arial" charset="0"/>
               <a:buChar char="•"/>
             </a:pPr>
@@ -5044,7 +5038,7 @@
         </p:nvSpPr>
         <p:spPr bwMode="auto">
           <a:xfrm>
-            <a:off x="1142999" y="21422773"/>
+            <a:off x="1030287" y="20748876"/>
             <a:ext cx="8991601" cy="1496473"/>
           </a:xfrm>
           <a:prstGeom prst="rect">
@@ -5107,13 +5101,13 @@
           <p:nvPr>
             <p:extLst>
               <p:ext uri="{D42A27DB-BD31-4B8C-83A1-F6EECF244321}">
-                <p14:modId xmlns:p14="http://schemas.microsoft.com/office/powerpoint/2010/main" val="1236180723"/>
+                <p14:modId xmlns:p14="http://schemas.microsoft.com/office/powerpoint/2010/main" val="316315002"/>
               </p:ext>
             </p:extLst>
           </p:nvPr>
         </p:nvGraphicFramePr>
         <p:xfrm>
-          <a:off x="1144619" y="17517239"/>
+          <a:off x="1031907" y="16843342"/>
           <a:ext cx="8989981" cy="3627120"/>
         </p:xfrm>
         <a:graphic>
@@ -5468,7 +5462,7 @@
         </p:nvSpPr>
         <p:spPr bwMode="auto">
           <a:xfrm>
-            <a:off x="10552112" y="6972569"/>
+            <a:off x="10439400" y="6298672"/>
             <a:ext cx="19445605" cy="1496473"/>
           </a:xfrm>
           <a:prstGeom prst="rect">
@@ -5532,7 +5526,7 @@
         </p:nvSpPr>
         <p:spPr bwMode="auto">
           <a:xfrm>
-            <a:off x="10490199" y="21422774"/>
+            <a:off x="10377487" y="20748877"/>
             <a:ext cx="8610600" cy="1496473"/>
           </a:xfrm>
           <a:prstGeom prst="rect">
@@ -5594,7 +5588,7 @@
         </p:nvSpPr>
         <p:spPr bwMode="auto">
           <a:xfrm>
-            <a:off x="10521155" y="22871369"/>
+            <a:off x="10408443" y="22197472"/>
             <a:ext cx="8548687" cy="13066827"/>
           </a:xfrm>
           <a:prstGeom prst="rect">
@@ -5659,7 +5653,7 @@
         </p:nvSpPr>
         <p:spPr bwMode="auto">
           <a:xfrm>
-            <a:off x="19504023" y="21387596"/>
+            <a:off x="19391311" y="20713699"/>
             <a:ext cx="10493694" cy="1496473"/>
           </a:xfrm>
           <a:prstGeom prst="rect">
@@ -5735,7 +5729,7 @@
         </p:blipFill>
         <p:spPr>
           <a:xfrm>
-            <a:off x="19504022" y="22871369"/>
+            <a:off x="19391310" y="22197472"/>
             <a:ext cx="10493695" cy="3479193"/>
           </a:xfrm>
           <a:prstGeom prst="rect">
@@ -5765,7 +5759,7 @@
         </p:blipFill>
         <p:spPr>
           <a:xfrm>
-            <a:off x="19927045" y="26631900"/>
+            <a:off x="19814333" y="25958003"/>
             <a:ext cx="7507627" cy="6041466"/>
           </a:xfrm>
           <a:prstGeom prst="rect">
@@ -5781,8 +5775,8 @@
         </p:nvSpPr>
         <p:spPr>
           <a:xfrm>
-            <a:off x="10744200" y="31139069"/>
-            <a:ext cx="7972738" cy="4154984"/>
+            <a:off x="10631488" y="30465172"/>
+            <a:ext cx="7972738" cy="4524315"/>
           </a:xfrm>
           <a:prstGeom prst="rect">
             <a:avLst/>
@@ -5795,7 +5789,7 @@
           </a:bodyPr>
           <a:lstStyle/>
           <a:p>
-            <a:pPr marL="342900" indent="-342900">
+            <a:pPr marL="900000" indent="-342900">
               <a:buFont typeface="Arial" charset="0"/>
               <a:buChar char="•"/>
             </a:pPr>
@@ -5828,7 +5822,7 @@
             </a:endParaRPr>
           </a:p>
           <a:p>
-            <a:pPr marL="342900" indent="-342900">
+            <a:pPr marL="900000" indent="-342900">
               <a:buFont typeface="Arial" charset="0"/>
               <a:buChar char="•"/>
             </a:pPr>
@@ -5888,7 +5882,7 @@
             </a:r>
           </a:p>
           <a:p>
-            <a:pPr marL="342900" indent="-342900">
+            <a:pPr marL="900000" indent="-342900">
               <a:buFont typeface="Arial" charset="0"/>
               <a:buChar char="•"/>
             </a:pPr>
@@ -5927,7 +5921,7 @@
             </a:endParaRPr>
           </a:p>
           <a:p>
-            <a:pPr marL="342900" indent="-342900">
+            <a:pPr marL="900000" indent="-342900">
               <a:buFont typeface="Arial" charset="0"/>
               <a:buChar char="•"/>
             </a:pPr>
@@ -5975,7 +5969,7 @@
         </p:nvSpPr>
         <p:spPr>
           <a:xfrm>
-            <a:off x="19538837" y="32954704"/>
+            <a:off x="19426125" y="32280807"/>
             <a:ext cx="10458879" cy="3046988"/>
           </a:xfrm>
           <a:prstGeom prst="rect">
@@ -5991,7 +5985,7 @@
           </a:bodyPr>
           <a:lstStyle/>
           <a:p>
-            <a:pPr marL="342900" indent="-342900">
+            <a:pPr marL="900000" indent="-342900">
               <a:buFont typeface="Arial" charset="0"/>
               <a:buChar char="•"/>
             </a:pPr>
@@ -6015,7 +6009,7 @@
             </a:r>
           </a:p>
           <a:p>
-            <a:pPr marL="342900" indent="-342900">
+            <a:pPr marL="900000" indent="-342900">
               <a:buFont typeface="Arial" charset="0"/>
               <a:buChar char="•"/>
             </a:pPr>
@@ -6045,7 +6039,7 @@
             </a:r>
           </a:p>
           <a:p>
-            <a:pPr marL="342900" indent="-342900">
+            <a:pPr marL="900000" indent="-342900">
               <a:buFont typeface="Arial" charset="0"/>
               <a:buChar char="•"/>
             </a:pPr>
@@ -6089,7 +6083,7 @@
         </p:nvSpPr>
         <p:spPr bwMode="auto">
           <a:xfrm>
-            <a:off x="1095374" y="36233100"/>
+            <a:off x="982662" y="35559203"/>
             <a:ext cx="17974467" cy="1496473"/>
           </a:xfrm>
           <a:prstGeom prst="rect">
@@ -6169,8 +6163,8 @@
         </p:nvSpPr>
         <p:spPr>
           <a:xfrm>
-            <a:off x="1095375" y="37728049"/>
-            <a:ext cx="18005424" cy="5693866"/>
+            <a:off x="982663" y="37054152"/>
+            <a:ext cx="17974466" cy="5940000"/>
           </a:xfrm>
           <a:prstGeom prst="rect">
             <a:avLst/>
@@ -6273,7 +6267,7 @@
         </p:blipFill>
         <p:spPr>
           <a:xfrm>
-            <a:off x="1383792" y="37908964"/>
+            <a:off x="1271080" y="37235067"/>
             <a:ext cx="6172200" cy="5480979"/>
           </a:xfrm>
           <a:prstGeom prst="rect">
@@ -6289,8 +6283,8 @@
         </p:nvSpPr>
         <p:spPr>
           <a:xfrm>
-            <a:off x="7844408" y="37911336"/>
-            <a:ext cx="10872529" cy="2677656"/>
+            <a:off x="7731696" y="37237439"/>
+            <a:ext cx="10872529" cy="2736000"/>
           </a:xfrm>
           <a:prstGeom prst="rect">
             <a:avLst/>
@@ -6468,14 +6462,14 @@
         </p:nvSpPr>
         <p:spPr bwMode="auto">
           <a:xfrm>
-            <a:off x="19504021" y="36219534"/>
-            <a:ext cx="10493696" cy="7170409"/>
+            <a:off x="19391309" y="35545637"/>
+            <a:ext cx="10493696" cy="7469263"/>
           </a:xfrm>
           <a:prstGeom prst="rect">
             <a:avLst/>
           </a:prstGeom>
           <a:solidFill>
-            <a:srgbClr val="FFB500"/>
+            <a:srgbClr val="FECDC8"/>
           </a:solidFill>
           <a:ln w="9525" cap="flat" cmpd="sng" algn="ctr">
             <a:noFill/>
@@ -6494,7 +6488,7 @@
           </a:bodyPr>
           <a:lstStyle/>
           <a:p>
-            <a:pPr marL="342900" marR="0" indent="-342900" algn="l" defTabSz="914400" rtl="0" eaLnBrk="0" fontAlgn="base" latinLnBrk="0" hangingPunct="0">
+            <a:pPr marL="900000" marR="0" indent="-342900" algn="l" defTabSz="914400" rtl="0" eaLnBrk="0" fontAlgn="base" latinLnBrk="0" hangingPunct="0">
               <a:lnSpc>
                 <a:spcPct val="100000"/>
               </a:lnSpc>
@@ -6524,7 +6518,7 @@
             </a:r>
           </a:p>
           <a:p>
-            <a:pPr marL="342900" marR="0" indent="-342900" algn="l" defTabSz="914400" rtl="0" eaLnBrk="0" fontAlgn="base" latinLnBrk="0" hangingPunct="0">
+            <a:pPr marL="900000" marR="0" indent="-342900" algn="l" defTabSz="914400" rtl="0" eaLnBrk="0" fontAlgn="base" latinLnBrk="0" hangingPunct="0">
               <a:lnSpc>
                 <a:spcPct val="100000"/>
               </a:lnSpc>
@@ -6581,7 +6575,7 @@
             </a:r>
           </a:p>
           <a:p>
-            <a:pPr marL="342900" marR="0" indent="-342900" algn="l" defTabSz="914400" rtl="0" eaLnBrk="0" fontAlgn="base" latinLnBrk="0" hangingPunct="0">
+            <a:pPr marL="900000" marR="0" indent="-342900" algn="l" defTabSz="914400" rtl="0" eaLnBrk="0" fontAlgn="base" latinLnBrk="0" hangingPunct="0">
               <a:lnSpc>
                 <a:spcPct val="100000"/>
               </a:lnSpc>
@@ -6684,7 +6678,7 @@
             </a:endParaRPr>
           </a:p>
           <a:p>
-            <a:pPr marL="457200" indent="-457200" eaLnBrk="0" hangingPunct="0">
+            <a:pPr marL="900000" indent="-457200" eaLnBrk="0" hangingPunct="0">
               <a:buFont typeface="Arial" charset="0"/>
               <a:buChar char="•"/>
             </a:pPr>
@@ -6732,7 +6726,7 @@
             </a:r>
           </a:p>
           <a:p>
-            <a:pPr marL="457200" indent="-457200" eaLnBrk="0" hangingPunct="0">
+            <a:pPr marL="900000" indent="-457200" eaLnBrk="0" hangingPunct="0">
               <a:buFont typeface="Arial" charset="0"/>
               <a:buChar char="•"/>
             </a:pPr>
@@ -6783,7 +6777,7 @@
             </a:endParaRPr>
           </a:p>
           <a:p>
-            <a:pPr marL="457200" indent="-457200" eaLnBrk="0" hangingPunct="0">
+            <a:pPr marL="900000" indent="-457200" eaLnBrk="0" hangingPunct="0">
               <a:buFont typeface="Arial" charset="0"/>
               <a:buChar char="•"/>
             </a:pPr>
@@ -6825,7 +6819,7 @@
             </a:r>
           </a:p>
           <a:p>
-            <a:pPr marL="457200" indent="-457200" eaLnBrk="0" hangingPunct="0">
+            <a:pPr marL="900000" indent="-457200" eaLnBrk="0" hangingPunct="0">
               <a:buFont typeface="Arial" charset="0"/>
               <a:buChar char="•"/>
             </a:pPr>
@@ -6873,7 +6867,7 @@
             </a:r>
           </a:p>
           <a:p>
-            <a:pPr marL="457200" indent="-457200" eaLnBrk="0" hangingPunct="0">
+            <a:pPr marL="900000" indent="-457200" eaLnBrk="0" hangingPunct="0">
               <a:buFont typeface="Arial" charset="0"/>
               <a:buChar char="•"/>
             </a:pPr>
@@ -6995,7 +6989,7 @@
         </p:nvSpPr>
         <p:spPr>
           <a:xfrm>
-            <a:off x="1142999" y="22914099"/>
+            <a:off x="1030287" y="22240202"/>
             <a:ext cx="8991601" cy="4832092"/>
           </a:xfrm>
           <a:prstGeom prst="rect">
@@ -7110,7 +7104,7 @@
         </p:nvSpPr>
         <p:spPr>
           <a:xfrm>
-            <a:off x="1142998" y="27746191"/>
+            <a:off x="1030286" y="27072294"/>
             <a:ext cx="8991601" cy="5262979"/>
           </a:xfrm>
           <a:prstGeom prst="rect">
@@ -7138,7 +7132,7 @@
             </a:r>
           </a:p>
           <a:p>
-            <a:pPr marL="971550" lvl="1" indent="-514350">
+            <a:pPr marL="900000" lvl="1" indent="-514350">
               <a:buFont typeface="Arial" charset="0"/>
               <a:buChar char="•"/>
             </a:pPr>
@@ -7180,7 +7174,7 @@
             </a:r>
           </a:p>
           <a:p>
-            <a:pPr marL="971550" lvl="1" indent="-514350">
+            <a:pPr marL="900000" lvl="1" indent="-514350">
               <a:buFont typeface="Arial" charset="0"/>
               <a:buChar char="•"/>
             </a:pPr>
@@ -7246,7 +7240,7 @@
             </a:r>
           </a:p>
           <a:p>
-            <a:pPr marL="971550" lvl="1" indent="-514350">
+            <a:pPr marL="900000" lvl="1" indent="-514350">
               <a:buFont typeface="Arial" charset="0"/>
               <a:buChar char="•"/>
             </a:pPr>
@@ -7309,7 +7303,7 @@
         </p:nvSpPr>
         <p:spPr>
           <a:xfrm>
-            <a:off x="1142998" y="33009170"/>
+            <a:off x="1030286" y="32335273"/>
             <a:ext cx="8991601" cy="3108543"/>
           </a:xfrm>
           <a:prstGeom prst="rect">
@@ -7340,7 +7334,7 @@
             </a:endParaRPr>
           </a:p>
           <a:p>
-            <a:pPr marL="971550" lvl="1" indent="-514350">
+            <a:pPr marL="900000" lvl="1" indent="-514350">
               <a:buFont typeface="Arial" charset="0"/>
               <a:buChar char="•"/>
             </a:pPr>
@@ -7352,7 +7346,7 @@
             </a:r>
           </a:p>
           <a:p>
-            <a:pPr marL="971550" lvl="1" indent="-514350">
+            <a:pPr marL="900000" lvl="1" indent="-514350">
               <a:buFont typeface="Arial" charset="0"/>
               <a:buChar char="•"/>
             </a:pPr>
@@ -7432,7 +7426,7 @@
         </p:blipFill>
         <p:spPr>
           <a:xfrm>
-            <a:off x="11049000" y="22895308"/>
+            <a:off x="10936288" y="22221411"/>
             <a:ext cx="6756400" cy="8267700"/>
           </a:xfrm>
           <a:prstGeom prst="rect">

--- a/chep2016-lhcbpr-posterA0-v1.pptx
+++ b/chep2016-lhcbpr-posterA0-v1.pptx
@@ -4800,13 +4800,7 @@
               <a:rPr lang="en-US" sz="2800" b="1" dirty="0" smtClean="0">
                 <a:latin typeface="+mn-lt"/>
               </a:rPr>
-              <a:t>Main use </a:t>
-            </a:r>
-            <a:r>
-              <a:rPr lang="en-US" sz="2800" b="1" dirty="0" smtClean="0">
-                <a:latin typeface="+mn-lt"/>
-              </a:rPr>
-              <a:t>cases</a:t>
+              <a:t>Main use cases</a:t>
             </a:r>
           </a:p>
           <a:p>
@@ -4855,9 +4849,6 @@
               </a:rPr>
               <a:t>.</a:t>
             </a:r>
-            <a:endParaRPr lang="en-US" sz="2800" dirty="0" smtClean="0">
-              <a:latin typeface="+mn-lt"/>
-            </a:endParaRPr>
           </a:p>
           <a:p>
             <a:pPr marL="900000" indent="-457200">
@@ -4899,13 +4890,7 @@
               <a:rPr lang="en-US" sz="2800" dirty="0" smtClean="0">
                 <a:latin typeface="+mn-lt"/>
               </a:rPr>
-              <a:t>Versions of </a:t>
-            </a:r>
-            <a:r>
-              <a:rPr lang="en-US" sz="2800" dirty="0" smtClean="0">
-                <a:latin typeface="+mn-lt"/>
-              </a:rPr>
-              <a:t>application</a:t>
+              <a:t>Versions of application</a:t>
             </a:r>
           </a:p>
           <a:p>
@@ -4919,9 +4904,6 @@
               </a:rPr>
               <a:t>Compiler versions</a:t>
             </a:r>
-            <a:endParaRPr lang="en-US" sz="2800" dirty="0" smtClean="0">
-              <a:latin typeface="+mn-lt"/>
-            </a:endParaRPr>
           </a:p>
           <a:p>
             <a:pPr marL="900000" indent="-457200">
@@ -5707,9 +5689,463 @@
           </a:p>
         </p:txBody>
       </p:sp>
+      <p:sp>
+        <p:nvSpPr>
+          <p:cNvPr id="26" name="TextBox 25"/>
+          <p:cNvSpPr txBox="1"/>
+          <p:nvPr/>
+        </p:nvSpPr>
+        <p:spPr>
+          <a:xfrm>
+            <a:off x="10631488" y="30465172"/>
+            <a:ext cx="7972738" cy="4524315"/>
+          </a:xfrm>
+          <a:prstGeom prst="rect">
+            <a:avLst/>
+          </a:prstGeom>
+          <a:noFill/>
+        </p:spPr>
+        <p:txBody>
+          <a:bodyPr wrap="square" rtlCol="0">
+            <a:spAutoFit/>
+          </a:bodyPr>
+          <a:lstStyle/>
+          <a:p>
+            <a:pPr marL="900000" indent="-342900">
+              <a:buFont typeface="Arial" charset="0"/>
+              <a:buChar char="•"/>
+            </a:pPr>
+            <a:r>
+              <a:rPr lang="en-US" b="1" dirty="0" smtClean="0">
+                <a:latin typeface="+mn-lt"/>
+              </a:rPr>
+              <a:t>Docker</a:t>
+            </a:r>
+            <a:r>
+              <a:rPr lang="en-US" dirty="0" smtClean="0">
+                <a:latin typeface="+mn-lt"/>
+              </a:rPr>
+              <a:t> is used to manage applications’ containers and </a:t>
+            </a:r>
+            <a:r>
+              <a:rPr lang="en-US" b="1" dirty="0" smtClean="0">
+                <a:latin typeface="+mn-lt"/>
+              </a:rPr>
+              <a:t>docker-compose</a:t>
+            </a:r>
+            <a:r>
+              <a:rPr lang="en-US" dirty="0" smtClean="0">
+                <a:latin typeface="+mn-lt"/>
+              </a:rPr>
+              <a:t> is used for orchestrate containers in different environments.</a:t>
+            </a:r>
+            <a:endParaRPr lang="ru-RU" dirty="0" smtClean="0">
+              <a:latin typeface="+mn-lt"/>
+            </a:endParaRPr>
+          </a:p>
+          <a:p>
+            <a:pPr marL="900000" indent="-342900">
+              <a:buFont typeface="Arial" charset="0"/>
+              <a:buChar char="•"/>
+            </a:pPr>
+            <a:r>
+              <a:rPr lang="en-US" dirty="0" smtClean="0">
+                <a:latin typeface="+mn-lt"/>
+              </a:rPr>
+              <a:t>The same applications’ images are used for </a:t>
+            </a:r>
+            <a:r>
+              <a:rPr lang="en-US" b="1" dirty="0" smtClean="0">
+                <a:latin typeface="+mn-lt"/>
+              </a:rPr>
+              <a:t>production</a:t>
+            </a:r>
+            <a:r>
+              <a:rPr lang="en-US" dirty="0" smtClean="0">
+                <a:latin typeface="+mn-lt"/>
+              </a:rPr>
+              <a:t> and </a:t>
+            </a:r>
+            <a:r>
+              <a:rPr lang="en-US" b="1" dirty="0" smtClean="0">
+                <a:latin typeface="+mn-lt"/>
+              </a:rPr>
+              <a:t>development</a:t>
+            </a:r>
+            <a:r>
+              <a:rPr lang="en-US" dirty="0" smtClean="0">
+                <a:latin typeface="+mn-lt"/>
+              </a:rPr>
+              <a:t> </a:t>
+            </a:r>
+            <a:r>
+              <a:rPr lang="en-US" dirty="0">
+                <a:latin typeface="+mn-lt"/>
+              </a:rPr>
+              <a:t>environments that </a:t>
+            </a:r>
+            <a:r>
+              <a:rPr lang="en-US" dirty="0" smtClean="0">
+                <a:latin typeface="+mn-lt"/>
+              </a:rPr>
+              <a:t>allow quickly </a:t>
+            </a:r>
+            <a:r>
+              <a:rPr lang="en-US" dirty="0">
+                <a:latin typeface="+mn-lt"/>
+              </a:rPr>
+              <a:t>test and deploy </a:t>
+            </a:r>
+            <a:r>
+              <a:rPr lang="en-US" dirty="0" smtClean="0">
+                <a:latin typeface="+mn-lt"/>
+              </a:rPr>
+              <a:t>new versions of services.</a:t>
+            </a:r>
+          </a:p>
+          <a:p>
+            <a:pPr marL="900000" indent="-342900">
+              <a:buFont typeface="Arial" charset="0"/>
+              <a:buChar char="•"/>
+            </a:pPr>
+            <a:r>
+              <a:rPr lang="en-US" dirty="0" smtClean="0">
+                <a:latin typeface="+mn-lt"/>
+              </a:rPr>
+              <a:t>Images </a:t>
+            </a:r>
+            <a:r>
+              <a:rPr lang="en-US" dirty="0">
+                <a:latin typeface="+mn-lt"/>
+              </a:rPr>
+              <a:t>are p</a:t>
+            </a:r>
+            <a:r>
+              <a:rPr lang="en-US" dirty="0" smtClean="0">
+                <a:latin typeface="+mn-lt"/>
+              </a:rPr>
+              <a:t>ublicly accessible at the </a:t>
+            </a:r>
+            <a:r>
+              <a:rPr lang="en-US" b="1" dirty="0" smtClean="0">
+                <a:latin typeface="+mn-lt"/>
+              </a:rPr>
+              <a:t>Docker Hub </a:t>
+            </a:r>
+            <a:r>
+              <a:rPr lang="en-US" dirty="0" smtClean="0">
+                <a:latin typeface="+mn-lt"/>
+              </a:rPr>
+              <a:t>registry.</a:t>
+            </a:r>
+            <a:endParaRPr lang="ru-RU" dirty="0" smtClean="0">
+              <a:latin typeface="+mn-lt"/>
+            </a:endParaRPr>
+          </a:p>
+          <a:p>
+            <a:pPr marL="900000" indent="-342900">
+              <a:buFont typeface="Arial" charset="0"/>
+              <a:buChar char="•"/>
+            </a:pPr>
+            <a:r>
+              <a:rPr lang="en-US" dirty="0" smtClean="0">
+                <a:latin typeface="+mn-lt"/>
+              </a:rPr>
+              <a:t>Current infrastructure relies on </a:t>
+            </a:r>
+            <a:r>
+              <a:rPr lang="en-US" b="1" dirty="0" smtClean="0">
+                <a:latin typeface="+mn-lt"/>
+              </a:rPr>
+              <a:t>CERN services </a:t>
+            </a:r>
+            <a:r>
+              <a:rPr lang="en-US" dirty="0" smtClean="0">
+                <a:latin typeface="+mn-lt"/>
+              </a:rPr>
+              <a:t>like OpenStack Cloud, Database On Demand and</a:t>
+            </a:r>
+            <a:r>
+              <a:rPr lang="ru-RU" dirty="0" smtClean="0">
+                <a:latin typeface="+mn-lt"/>
+              </a:rPr>
+              <a:t> </a:t>
+            </a:r>
+            <a:r>
+              <a:rPr lang="en-US" dirty="0" smtClean="0">
+                <a:latin typeface="+mn-lt"/>
+              </a:rPr>
+              <a:t>Foreman for control virtual machines</a:t>
+            </a:r>
+            <a:endParaRPr lang="en-US" dirty="0">
+              <a:latin typeface="+mn-lt"/>
+            </a:endParaRPr>
+          </a:p>
+        </p:txBody>
+      </p:sp>
+      <p:sp>
+        <p:nvSpPr>
+          <p:cNvPr id="27" name="TextBox 26"/>
+          <p:cNvSpPr txBox="1"/>
+          <p:nvPr/>
+        </p:nvSpPr>
+        <p:spPr>
+          <a:xfrm>
+            <a:off x="24259597" y="28626565"/>
+            <a:ext cx="5663508" cy="5632311"/>
+          </a:xfrm>
+          <a:prstGeom prst="rect">
+            <a:avLst/>
+          </a:prstGeom>
+          <a:solidFill>
+            <a:srgbClr val="E6BB2F"/>
+          </a:solidFill>
+        </p:spPr>
+        <p:txBody>
+          <a:bodyPr wrap="square" rtlCol="0">
+            <a:spAutoFit/>
+          </a:bodyPr>
+          <a:lstStyle/>
+          <a:p>
+            <a:pPr marL="900000" indent="-342900">
+              <a:buFont typeface="Arial" charset="0"/>
+              <a:buChar char="•"/>
+            </a:pPr>
+            <a:r>
+              <a:rPr lang="en-US" dirty="0" smtClean="0">
+                <a:latin typeface="+mn-lt"/>
+              </a:rPr>
+              <a:t>Web frontend is a javascript single-page application that is composed of </a:t>
+            </a:r>
+            <a:r>
+              <a:rPr lang="en-US" b="1" dirty="0" smtClean="0">
+                <a:latin typeface="+mn-lt"/>
+              </a:rPr>
+              <a:t>analysis modules </a:t>
+            </a:r>
+            <a:r>
+              <a:rPr lang="en-US" dirty="0" smtClean="0">
+                <a:latin typeface="+mn-lt"/>
+              </a:rPr>
+              <a:t>for presenting specific logic and views for inspecting test results.</a:t>
+            </a:r>
+          </a:p>
+          <a:p>
+            <a:pPr marL="900000" indent="-342900">
+              <a:buFont typeface="Arial" charset="0"/>
+              <a:buChar char="•"/>
+            </a:pPr>
+            <a:r>
+              <a:rPr lang="en-US" dirty="0" smtClean="0">
+                <a:latin typeface="+mn-lt"/>
+              </a:rPr>
+              <a:t>Each analysis module is an </a:t>
+            </a:r>
+            <a:r>
+              <a:rPr lang="en-US" b="1" dirty="0" smtClean="0">
+                <a:latin typeface="+mn-lt"/>
+              </a:rPr>
+              <a:t>application extension </a:t>
+            </a:r>
+            <a:r>
+              <a:rPr lang="en-US" dirty="0" smtClean="0">
+                <a:latin typeface="+mn-lt"/>
+              </a:rPr>
+              <a:t>and can be simply added or removed without  breaking the main application</a:t>
+            </a:r>
+          </a:p>
+          <a:p>
+            <a:pPr marL="900000" indent="-342900">
+              <a:buFont typeface="Arial" charset="0"/>
+              <a:buChar char="•"/>
+            </a:pPr>
+            <a:r>
+              <a:rPr lang="en-US" dirty="0" smtClean="0">
+                <a:latin typeface="+mn-lt"/>
+              </a:rPr>
+              <a:t>Common </a:t>
+            </a:r>
+            <a:r>
+              <a:rPr lang="en-US" b="1" dirty="0" smtClean="0">
+                <a:latin typeface="+mn-lt"/>
+              </a:rPr>
+              <a:t>web components </a:t>
+            </a:r>
+            <a:r>
+              <a:rPr lang="en-US" dirty="0" smtClean="0">
+                <a:latin typeface="+mn-lt"/>
+              </a:rPr>
+              <a:t>are provided for building modules. For example, search jobs and draw histograms.</a:t>
+            </a:r>
+          </a:p>
+          <a:p>
+            <a:pPr marL="342900" indent="-342900">
+              <a:buFont typeface="Arial" charset="0"/>
+              <a:buChar char="•"/>
+            </a:pPr>
+            <a:endParaRPr lang="en-US" dirty="0">
+              <a:latin typeface="+mn-lt"/>
+            </a:endParaRPr>
+          </a:p>
+        </p:txBody>
+      </p:sp>
+      <p:sp>
+        <p:nvSpPr>
+          <p:cNvPr id="122" name="Text Box 7"/>
+          <p:cNvSpPr txBox="1">
+            <a:spLocks noChangeArrowheads="1"/>
+          </p:cNvSpPr>
+          <p:nvPr/>
+        </p:nvSpPr>
+        <p:spPr bwMode="auto">
+          <a:xfrm>
+            <a:off x="982662" y="35559203"/>
+            <a:ext cx="17974467" cy="1496473"/>
+          </a:xfrm>
+          <a:prstGeom prst="rect">
+            <a:avLst/>
+          </a:prstGeom>
+          <a:solidFill>
+            <a:schemeClr val="hlink"/>
+          </a:solidFill>
+          <a:ln w="9525">
+            <a:noFill/>
+            <a:miter lim="800000"/>
+            <a:headEnd/>
+            <a:tailEnd/>
+          </a:ln>
+        </p:spPr>
+        <p:txBody>
+          <a:bodyPr wrap="square" lIns="360000" tIns="360000" rIns="360000" bIns="360000">
+            <a:spAutoFit/>
+          </a:bodyPr>
+          <a:lstStyle/>
+          <a:p>
+            <a:pPr eaLnBrk="0" hangingPunct="0">
+              <a:spcBef>
+                <a:spcPct val="50000"/>
+              </a:spcBef>
+            </a:pPr>
+            <a:r>
+              <a:rPr lang="en-US" sz="5000" b="1" dirty="0">
+                <a:solidFill>
+                  <a:schemeClr val="bg1"/>
+                </a:solidFill>
+                <a:latin typeface="Arial" charset="0"/>
+              </a:rPr>
+              <a:t>6</a:t>
+            </a:r>
+            <a:r>
+              <a:rPr lang="en-US" sz="5000" b="1" dirty="0" smtClean="0">
+                <a:solidFill>
+                  <a:schemeClr val="bg1"/>
+                </a:solidFill>
+                <a:latin typeface="Arial" charset="0"/>
+              </a:rPr>
+              <a:t>. API Service</a:t>
+            </a:r>
+            <a:endParaRPr lang="en-US" sz="5000" b="1" dirty="0">
+              <a:solidFill>
+                <a:schemeClr val="bg1"/>
+              </a:solidFill>
+              <a:latin typeface="Arial" charset="0"/>
+            </a:endParaRPr>
+          </a:p>
+        </p:txBody>
+      </p:sp>
+      <p:sp>
+        <p:nvSpPr>
+          <p:cNvPr id="124" name="TextBox 123"/>
+          <p:cNvSpPr txBox="1"/>
+          <p:nvPr/>
+        </p:nvSpPr>
+        <p:spPr>
+          <a:xfrm>
+            <a:off x="982663" y="37054152"/>
+            <a:ext cx="17974466" cy="5940000"/>
+          </a:xfrm>
+          <a:prstGeom prst="rect">
+            <a:avLst/>
+          </a:prstGeom>
+          <a:solidFill>
+            <a:srgbClr val="49C9CD"/>
+          </a:solidFill>
+        </p:spPr>
+        <p:txBody>
+          <a:bodyPr wrap="square" rtlCol="0" anchor="t">
+            <a:spAutoFit/>
+          </a:bodyPr>
+          <a:lstStyle/>
+          <a:p>
+            <a:endParaRPr lang="en-US" sz="2800" dirty="0" smtClean="0">
+              <a:latin typeface="+mn-lt"/>
+            </a:endParaRPr>
+          </a:p>
+          <a:p>
+            <a:endParaRPr lang="en-US" sz="2800" dirty="0">
+              <a:latin typeface="+mn-lt"/>
+            </a:endParaRPr>
+          </a:p>
+          <a:p>
+            <a:endParaRPr lang="en-US" sz="2800" dirty="0" smtClean="0">
+              <a:latin typeface="+mn-lt"/>
+            </a:endParaRPr>
+          </a:p>
+          <a:p>
+            <a:endParaRPr lang="en-US" sz="2800" dirty="0">
+              <a:latin typeface="+mn-lt"/>
+            </a:endParaRPr>
+          </a:p>
+          <a:p>
+            <a:endParaRPr lang="en-US" sz="2800" dirty="0" smtClean="0">
+              <a:latin typeface="+mn-lt"/>
+            </a:endParaRPr>
+          </a:p>
+          <a:p>
+            <a:endParaRPr lang="en-US" sz="2800" dirty="0">
+              <a:latin typeface="+mn-lt"/>
+            </a:endParaRPr>
+          </a:p>
+          <a:p>
+            <a:endParaRPr lang="en-US" sz="2800" dirty="0" smtClean="0">
+              <a:latin typeface="+mn-lt"/>
+            </a:endParaRPr>
+          </a:p>
+          <a:p>
+            <a:endParaRPr lang="en-US" sz="2800" dirty="0">
+              <a:latin typeface="+mn-lt"/>
+            </a:endParaRPr>
+          </a:p>
+          <a:p>
+            <a:endParaRPr lang="en-US" sz="2800" dirty="0" smtClean="0">
+              <a:latin typeface="+mn-lt"/>
+            </a:endParaRPr>
+          </a:p>
+          <a:p>
+            <a:endParaRPr lang="en-US" sz="2800" dirty="0">
+              <a:latin typeface="+mn-lt"/>
+            </a:endParaRPr>
+          </a:p>
+          <a:p>
+            <a:endParaRPr lang="en-US" sz="2800" dirty="0" smtClean="0">
+              <a:latin typeface="+mn-lt"/>
+            </a:endParaRPr>
+          </a:p>
+          <a:p>
+            <a:endParaRPr lang="en-US" sz="2800" dirty="0">
+              <a:latin typeface="+mn-lt"/>
+            </a:endParaRPr>
+          </a:p>
+          <a:p>
+            <a:endParaRPr lang="ru-RU" sz="2800" dirty="0" smtClean="0">
+              <a:latin typeface="+mn-lt"/>
+            </a:endParaRPr>
+          </a:p>
+        </p:txBody>
+      </p:sp>
       <p:pic>
         <p:nvPicPr>
-          <p:cNvPr id="20" name="Picture 19"/>
+          <p:cNvPr id="28" name="Picture 27"/>
           <p:cNvPicPr>
             <a:picLocks noChangeAspect="1"/>
           </p:cNvPicPr>
@@ -5729,544 +6165,6 @@
         </p:blipFill>
         <p:spPr>
           <a:xfrm>
-            <a:off x="19391310" y="22197472"/>
-            <a:ext cx="10493695" cy="3479193"/>
-          </a:xfrm>
-          <a:prstGeom prst="rect">
-            <a:avLst/>
-          </a:prstGeom>
-        </p:spPr>
-      </p:pic>
-      <p:pic>
-        <p:nvPicPr>
-          <p:cNvPr id="22" name="Picture 21"/>
-          <p:cNvPicPr>
-            <a:picLocks noChangeAspect="1"/>
-          </p:cNvPicPr>
-          <p:nvPr/>
-        </p:nvPicPr>
-        <p:blipFill>
-          <a:blip r:embed="rId8">
-            <a:extLst>
-              <a:ext uri="{28A0092B-C50C-407E-A947-70E740481C1C}">
-                <a14:useLocalDpi xmlns:a14="http://schemas.microsoft.com/office/drawing/2010/main" val="0"/>
-              </a:ext>
-            </a:extLst>
-          </a:blip>
-          <a:stretch>
-            <a:fillRect/>
-          </a:stretch>
-        </p:blipFill>
-        <p:spPr>
-          <a:xfrm>
-            <a:off x="19814333" y="25958003"/>
-            <a:ext cx="7507627" cy="6041466"/>
-          </a:xfrm>
-          <a:prstGeom prst="rect">
-            <a:avLst/>
-          </a:prstGeom>
-        </p:spPr>
-      </p:pic>
-      <p:sp>
-        <p:nvSpPr>
-          <p:cNvPr id="26" name="TextBox 25"/>
-          <p:cNvSpPr txBox="1"/>
-          <p:nvPr/>
-        </p:nvSpPr>
-        <p:spPr>
-          <a:xfrm>
-            <a:off x="10631488" y="30465172"/>
-            <a:ext cx="7972738" cy="4524315"/>
-          </a:xfrm>
-          <a:prstGeom prst="rect">
-            <a:avLst/>
-          </a:prstGeom>
-          <a:noFill/>
-        </p:spPr>
-        <p:txBody>
-          <a:bodyPr wrap="square" rtlCol="0">
-            <a:spAutoFit/>
-          </a:bodyPr>
-          <a:lstStyle/>
-          <a:p>
-            <a:pPr marL="900000" indent="-342900">
-              <a:buFont typeface="Arial" charset="0"/>
-              <a:buChar char="•"/>
-            </a:pPr>
-            <a:r>
-              <a:rPr lang="en-US" b="1" dirty="0" smtClean="0">
-                <a:latin typeface="+mn-lt"/>
-              </a:rPr>
-              <a:t>Docker</a:t>
-            </a:r>
-            <a:r>
-              <a:rPr lang="en-US" dirty="0" smtClean="0">
-                <a:latin typeface="+mn-lt"/>
-              </a:rPr>
-              <a:t> is used to manage applications’ containers and </a:t>
-            </a:r>
-            <a:r>
-              <a:rPr lang="en-US" b="1" dirty="0" smtClean="0">
-                <a:latin typeface="+mn-lt"/>
-              </a:rPr>
-              <a:t>docker-compose</a:t>
-            </a:r>
-            <a:r>
-              <a:rPr lang="en-US" dirty="0" smtClean="0">
-                <a:latin typeface="+mn-lt"/>
-              </a:rPr>
-              <a:t> is used for orchestrate containers in different environments.</a:t>
-            </a:r>
-            <a:endParaRPr lang="ru-RU" dirty="0" smtClean="0">
-              <a:latin typeface="+mn-lt"/>
-            </a:endParaRPr>
-          </a:p>
-          <a:p>
-            <a:pPr marL="900000" indent="-342900">
-              <a:buFont typeface="Arial" charset="0"/>
-              <a:buChar char="•"/>
-            </a:pPr>
-            <a:r>
-              <a:rPr lang="en-US" dirty="0" smtClean="0">
-                <a:latin typeface="+mn-lt"/>
-              </a:rPr>
-              <a:t>The same applications’ images are used for </a:t>
-            </a:r>
-            <a:r>
-              <a:rPr lang="en-US" b="1" dirty="0" smtClean="0">
-                <a:latin typeface="+mn-lt"/>
-              </a:rPr>
-              <a:t>production</a:t>
-            </a:r>
-            <a:r>
-              <a:rPr lang="en-US" dirty="0" smtClean="0">
-                <a:latin typeface="+mn-lt"/>
-              </a:rPr>
-              <a:t> and </a:t>
-            </a:r>
-            <a:r>
-              <a:rPr lang="en-US" b="1" dirty="0" smtClean="0">
-                <a:latin typeface="+mn-lt"/>
-              </a:rPr>
-              <a:t>development</a:t>
-            </a:r>
-            <a:r>
-              <a:rPr lang="en-US" dirty="0" smtClean="0">
-                <a:latin typeface="+mn-lt"/>
-              </a:rPr>
-              <a:t> </a:t>
-            </a:r>
-            <a:r>
-              <a:rPr lang="en-US" dirty="0">
-                <a:latin typeface="+mn-lt"/>
-              </a:rPr>
-              <a:t>environments that </a:t>
-            </a:r>
-            <a:r>
-              <a:rPr lang="en-US" dirty="0" smtClean="0">
-                <a:latin typeface="+mn-lt"/>
-              </a:rPr>
-              <a:t>allow quickly </a:t>
-            </a:r>
-            <a:r>
-              <a:rPr lang="en-US" dirty="0">
-                <a:latin typeface="+mn-lt"/>
-              </a:rPr>
-              <a:t>test and deploy </a:t>
-            </a:r>
-            <a:r>
-              <a:rPr lang="en-US" dirty="0" smtClean="0">
-                <a:latin typeface="+mn-lt"/>
-              </a:rPr>
-              <a:t>new versions of services.</a:t>
-            </a:r>
-          </a:p>
-          <a:p>
-            <a:pPr marL="900000" indent="-342900">
-              <a:buFont typeface="Arial" charset="0"/>
-              <a:buChar char="•"/>
-            </a:pPr>
-            <a:r>
-              <a:rPr lang="en-US" dirty="0" smtClean="0">
-                <a:latin typeface="+mn-lt"/>
-              </a:rPr>
-              <a:t>Images </a:t>
-            </a:r>
-            <a:r>
-              <a:rPr lang="en-US" dirty="0">
-                <a:latin typeface="+mn-lt"/>
-              </a:rPr>
-              <a:t>are p</a:t>
-            </a:r>
-            <a:r>
-              <a:rPr lang="en-US" dirty="0" smtClean="0">
-                <a:latin typeface="+mn-lt"/>
-              </a:rPr>
-              <a:t>ublicly accessible at the </a:t>
-            </a:r>
-            <a:r>
-              <a:rPr lang="en-US" b="1" dirty="0" smtClean="0">
-                <a:latin typeface="+mn-lt"/>
-              </a:rPr>
-              <a:t>Docker Hub </a:t>
-            </a:r>
-            <a:r>
-              <a:rPr lang="en-US" dirty="0" smtClean="0">
-                <a:latin typeface="+mn-lt"/>
-              </a:rPr>
-              <a:t>registry.</a:t>
-            </a:r>
-            <a:endParaRPr lang="ru-RU" dirty="0" smtClean="0">
-              <a:latin typeface="+mn-lt"/>
-            </a:endParaRPr>
-          </a:p>
-          <a:p>
-            <a:pPr marL="900000" indent="-342900">
-              <a:buFont typeface="Arial" charset="0"/>
-              <a:buChar char="•"/>
-            </a:pPr>
-            <a:r>
-              <a:rPr lang="en-US" dirty="0" smtClean="0">
-                <a:latin typeface="+mn-lt"/>
-              </a:rPr>
-              <a:t>Current infrastructure relies on </a:t>
-            </a:r>
-            <a:r>
-              <a:rPr lang="en-US" b="1" dirty="0" smtClean="0">
-                <a:latin typeface="+mn-lt"/>
-              </a:rPr>
-              <a:t>CERN services </a:t>
-            </a:r>
-            <a:r>
-              <a:rPr lang="en-US" dirty="0" smtClean="0">
-                <a:latin typeface="+mn-lt"/>
-              </a:rPr>
-              <a:t>like OpenStack Cloud, Database On Demand and</a:t>
-            </a:r>
-            <a:r>
-              <a:rPr lang="ru-RU" dirty="0" smtClean="0">
-                <a:latin typeface="+mn-lt"/>
-              </a:rPr>
-              <a:t> </a:t>
-            </a:r>
-            <a:r>
-              <a:rPr lang="en-US" dirty="0" smtClean="0">
-                <a:latin typeface="+mn-lt"/>
-              </a:rPr>
-              <a:t>Foreman for control virtual machines</a:t>
-            </a:r>
-            <a:endParaRPr lang="en-US" dirty="0">
-              <a:latin typeface="+mn-lt"/>
-            </a:endParaRPr>
-          </a:p>
-        </p:txBody>
-      </p:sp>
-      <p:sp>
-        <p:nvSpPr>
-          <p:cNvPr id="27" name="TextBox 26"/>
-          <p:cNvSpPr txBox="1"/>
-          <p:nvPr/>
-        </p:nvSpPr>
-        <p:spPr>
-          <a:xfrm>
-            <a:off x="19426125" y="32280807"/>
-            <a:ext cx="10458879" cy="3046988"/>
-          </a:xfrm>
-          <a:prstGeom prst="rect">
-            <a:avLst/>
-          </a:prstGeom>
-          <a:solidFill>
-            <a:srgbClr val="E6BB2F"/>
-          </a:solidFill>
-        </p:spPr>
-        <p:txBody>
-          <a:bodyPr wrap="square" rtlCol="0">
-            <a:spAutoFit/>
-          </a:bodyPr>
-          <a:lstStyle/>
-          <a:p>
-            <a:pPr marL="900000" indent="-342900">
-              <a:buFont typeface="Arial" charset="0"/>
-              <a:buChar char="•"/>
-            </a:pPr>
-            <a:r>
-              <a:rPr lang="en-US" dirty="0" smtClean="0">
-                <a:latin typeface="+mn-lt"/>
-              </a:rPr>
-              <a:t>Web frontend is a javascript single-page application that is composed of </a:t>
-            </a:r>
-            <a:r>
-              <a:rPr lang="en-US" b="1" dirty="0" smtClean="0">
-                <a:latin typeface="+mn-lt"/>
-              </a:rPr>
-              <a:t>analysis modules </a:t>
-            </a:r>
-            <a:r>
-              <a:rPr lang="en-US" dirty="0" smtClean="0">
-                <a:latin typeface="+mn-lt"/>
-              </a:rPr>
-              <a:t>for presenting specific logic and views for inspecting test results.</a:t>
-            </a:r>
-          </a:p>
-          <a:p>
-            <a:pPr marL="900000" indent="-342900">
-              <a:buFont typeface="Arial" charset="0"/>
-              <a:buChar char="•"/>
-            </a:pPr>
-            <a:r>
-              <a:rPr lang="en-US" dirty="0" smtClean="0">
-                <a:latin typeface="+mn-lt"/>
-              </a:rPr>
-              <a:t>Each analysis module is an </a:t>
-            </a:r>
-            <a:r>
-              <a:rPr lang="en-US" b="1" dirty="0" smtClean="0">
-                <a:latin typeface="+mn-lt"/>
-              </a:rPr>
-              <a:t>application </a:t>
-            </a:r>
-            <a:r>
-              <a:rPr lang="en-US" b="1" dirty="0" smtClean="0">
-                <a:latin typeface="+mn-lt"/>
-              </a:rPr>
-              <a:t>extension </a:t>
-            </a:r>
-            <a:r>
-              <a:rPr lang="en-US" dirty="0" smtClean="0">
-                <a:latin typeface="+mn-lt"/>
-              </a:rPr>
-              <a:t>and can be simply added or removed without  breaking the main application</a:t>
-            </a:r>
-          </a:p>
-          <a:p>
-            <a:pPr marL="900000" indent="-342900">
-              <a:buFont typeface="Arial" charset="0"/>
-              <a:buChar char="•"/>
-            </a:pPr>
-            <a:r>
-              <a:rPr lang="en-US" dirty="0" smtClean="0">
-                <a:latin typeface="+mn-lt"/>
-              </a:rPr>
-              <a:t>Common </a:t>
-            </a:r>
-            <a:r>
-              <a:rPr lang="en-US" b="1" dirty="0" smtClean="0">
-                <a:latin typeface="+mn-lt"/>
-              </a:rPr>
-              <a:t>web components </a:t>
-            </a:r>
-            <a:r>
-              <a:rPr lang="en-US" dirty="0" smtClean="0">
-                <a:latin typeface="+mn-lt"/>
-              </a:rPr>
-              <a:t>are provided for building modules. For example, search jobs and draw histograms.</a:t>
-            </a:r>
-          </a:p>
-          <a:p>
-            <a:pPr marL="342900" indent="-342900">
-              <a:buFont typeface="Arial" charset="0"/>
-              <a:buChar char="•"/>
-            </a:pPr>
-            <a:endParaRPr lang="en-US" dirty="0">
-              <a:latin typeface="+mn-lt"/>
-            </a:endParaRPr>
-          </a:p>
-        </p:txBody>
-      </p:sp>
-      <p:sp>
-        <p:nvSpPr>
-          <p:cNvPr id="122" name="Text Box 7"/>
-          <p:cNvSpPr txBox="1">
-            <a:spLocks noChangeArrowheads="1"/>
-          </p:cNvSpPr>
-          <p:nvPr/>
-        </p:nvSpPr>
-        <p:spPr bwMode="auto">
-          <a:xfrm>
-            <a:off x="982662" y="35559203"/>
-            <a:ext cx="17974467" cy="1496473"/>
-          </a:xfrm>
-          <a:prstGeom prst="rect">
-            <a:avLst/>
-          </a:prstGeom>
-          <a:solidFill>
-            <a:schemeClr val="hlink"/>
-          </a:solidFill>
-          <a:ln w="9525">
-            <a:noFill/>
-            <a:miter lim="800000"/>
-            <a:headEnd/>
-            <a:tailEnd/>
-          </a:ln>
-        </p:spPr>
-        <p:txBody>
-          <a:bodyPr wrap="square" lIns="360000" tIns="360000" rIns="360000" bIns="360000">
-            <a:spAutoFit/>
-          </a:bodyPr>
-          <a:lstStyle/>
-          <a:p>
-            <a:pPr eaLnBrk="0" hangingPunct="0">
-              <a:spcBef>
-                <a:spcPct val="50000"/>
-              </a:spcBef>
-            </a:pPr>
-            <a:r>
-              <a:rPr lang="en-US" sz="5000" b="1" dirty="0">
-                <a:solidFill>
-                  <a:schemeClr val="bg1"/>
-                </a:solidFill>
-                <a:latin typeface="Arial" charset="0"/>
-              </a:rPr>
-              <a:t>6</a:t>
-            </a:r>
-            <a:r>
-              <a:rPr lang="en-US" sz="5000" b="1" dirty="0" smtClean="0">
-                <a:solidFill>
-                  <a:schemeClr val="bg1"/>
-                </a:solidFill>
-                <a:latin typeface="Arial" charset="0"/>
-              </a:rPr>
-              <a:t>. </a:t>
-            </a:r>
-            <a:r>
-              <a:rPr lang="en-US" sz="5000" b="1" dirty="0" smtClean="0">
-                <a:solidFill>
-                  <a:schemeClr val="bg1"/>
-                </a:solidFill>
-                <a:latin typeface="Arial" charset="0"/>
-              </a:rPr>
-              <a:t>API </a:t>
-            </a:r>
-            <a:r>
-              <a:rPr lang="en-US" sz="5000" b="1" dirty="0" smtClean="0">
-                <a:solidFill>
-                  <a:schemeClr val="bg1"/>
-                </a:solidFill>
-                <a:latin typeface="Arial" charset="0"/>
-              </a:rPr>
-              <a:t>Service</a:t>
-            </a:r>
-            <a:endParaRPr lang="en-US" sz="5000" b="1" dirty="0">
-              <a:solidFill>
-                <a:schemeClr val="bg1"/>
-              </a:solidFill>
-              <a:latin typeface="Arial" charset="0"/>
-            </a:endParaRPr>
-          </a:p>
-        </p:txBody>
-      </p:sp>
-      <p:sp>
-        <p:nvSpPr>
-          <p:cNvPr id="124" name="TextBox 123"/>
-          <p:cNvSpPr txBox="1"/>
-          <p:nvPr/>
-        </p:nvSpPr>
-        <p:spPr>
-          <a:xfrm>
-            <a:off x="982663" y="37054152"/>
-            <a:ext cx="17974466" cy="5940000"/>
-          </a:xfrm>
-          <a:prstGeom prst="rect">
-            <a:avLst/>
-          </a:prstGeom>
-          <a:solidFill>
-            <a:srgbClr val="49C9CD"/>
-          </a:solidFill>
-        </p:spPr>
-        <p:txBody>
-          <a:bodyPr wrap="square" rtlCol="0" anchor="t">
-            <a:spAutoFit/>
-          </a:bodyPr>
-          <a:lstStyle/>
-          <a:p>
-            <a:endParaRPr lang="en-US" sz="2800" dirty="0" smtClean="0">
-              <a:latin typeface="+mn-lt"/>
-            </a:endParaRPr>
-          </a:p>
-          <a:p>
-            <a:endParaRPr lang="en-US" sz="2800" dirty="0">
-              <a:latin typeface="+mn-lt"/>
-            </a:endParaRPr>
-          </a:p>
-          <a:p>
-            <a:endParaRPr lang="en-US" sz="2800" dirty="0" smtClean="0">
-              <a:latin typeface="+mn-lt"/>
-            </a:endParaRPr>
-          </a:p>
-          <a:p>
-            <a:endParaRPr lang="en-US" sz="2800" dirty="0">
-              <a:latin typeface="+mn-lt"/>
-            </a:endParaRPr>
-          </a:p>
-          <a:p>
-            <a:endParaRPr lang="en-US" sz="2800" dirty="0" smtClean="0">
-              <a:latin typeface="+mn-lt"/>
-            </a:endParaRPr>
-          </a:p>
-          <a:p>
-            <a:endParaRPr lang="en-US" sz="2800" dirty="0">
-              <a:latin typeface="+mn-lt"/>
-            </a:endParaRPr>
-          </a:p>
-          <a:p>
-            <a:endParaRPr lang="en-US" sz="2800" dirty="0" smtClean="0">
-              <a:latin typeface="+mn-lt"/>
-            </a:endParaRPr>
-          </a:p>
-          <a:p>
-            <a:endParaRPr lang="en-US" sz="2800" dirty="0">
-              <a:latin typeface="+mn-lt"/>
-            </a:endParaRPr>
-          </a:p>
-          <a:p>
-            <a:endParaRPr lang="en-US" sz="2800" dirty="0" smtClean="0">
-              <a:latin typeface="+mn-lt"/>
-            </a:endParaRPr>
-          </a:p>
-          <a:p>
-            <a:endParaRPr lang="en-US" sz="2800" dirty="0">
-              <a:latin typeface="+mn-lt"/>
-            </a:endParaRPr>
-          </a:p>
-          <a:p>
-            <a:endParaRPr lang="en-US" sz="2800" dirty="0" smtClean="0">
-              <a:latin typeface="+mn-lt"/>
-            </a:endParaRPr>
-          </a:p>
-          <a:p>
-            <a:endParaRPr lang="en-US" sz="2800" dirty="0">
-              <a:latin typeface="+mn-lt"/>
-            </a:endParaRPr>
-          </a:p>
-          <a:p>
-            <a:endParaRPr lang="ru-RU" sz="2800" dirty="0" smtClean="0">
-              <a:latin typeface="+mn-lt"/>
-            </a:endParaRPr>
-          </a:p>
-        </p:txBody>
-      </p:sp>
-      <p:pic>
-        <p:nvPicPr>
-          <p:cNvPr id="28" name="Picture 27"/>
-          <p:cNvPicPr>
-            <a:picLocks noChangeAspect="1"/>
-          </p:cNvPicPr>
-          <p:nvPr/>
-        </p:nvPicPr>
-        <p:blipFill>
-          <a:blip r:embed="rId9">
-            <a:extLst>
-              <a:ext uri="{28A0092B-C50C-407E-A947-70E740481C1C}">
-                <a14:useLocalDpi xmlns:a14="http://schemas.microsoft.com/office/drawing/2010/main" val="0"/>
-              </a:ext>
-            </a:extLst>
-          </a:blip>
-          <a:stretch>
-            <a:fillRect/>
-          </a:stretch>
-        </p:blipFill>
-        <p:spPr>
-          <a:xfrm>
             <a:off x="1271080" y="37235067"/>
             <a:ext cx="6172200" cy="5480979"/>
           </a:xfrm>
@@ -6305,13 +6203,7 @@
               <a:rPr lang="en-US" dirty="0" smtClean="0">
                 <a:latin typeface="+mn-lt"/>
               </a:rPr>
-              <a:t>Provides </a:t>
-            </a:r>
-            <a:r>
-              <a:rPr lang="en-US" dirty="0" smtClean="0">
-                <a:latin typeface="+mn-lt"/>
-              </a:rPr>
-              <a:t>access to the </a:t>
+              <a:t>Provides access to the </a:t>
             </a:r>
             <a:r>
               <a:rPr lang="en-US" b="1" dirty="0" smtClean="0">
@@ -6508,13 +6400,7 @@
               <a:rPr lang="en-US" sz="2800" dirty="0" smtClean="0">
                 <a:latin typeface="+mn-lt"/>
               </a:rPr>
-              <a:t>LHCbPR </a:t>
-            </a:r>
-            <a:r>
-              <a:rPr lang="en-US" sz="2800" dirty="0" smtClean="0">
-                <a:latin typeface="+mn-lt"/>
-              </a:rPr>
-              <a:t>not coupled to the LHCb software stack and can be adapted for other experiments and projects</a:t>
+              <a:t>LHCbPR not coupled to the LHCb software stack and can be adapted for other experiments and projects</a:t>
             </a:r>
           </a:p>
           <a:p>
@@ -6558,20 +6444,7 @@
                 <a:effectLst/>
                 <a:latin typeface="+mn-lt"/>
               </a:rPr>
-              <a:t> are working on extending repository of web components and  analysis modules for web frontend</a:t>
-            </a:r>
-            <a:r>
-              <a:rPr kumimoji="0" lang="en-US" sz="2800" b="0" i="0" u="none" strike="noStrike" cap="none" normalizeH="0" dirty="0" smtClean="0">
-                <a:ln>
-                  <a:noFill/>
-                </a:ln>
-                <a:solidFill>
-                  <a:schemeClr val="tx1"/>
-                </a:solidFill>
-                <a:effectLst/>
-                <a:latin typeface="+mn-lt"/>
-              </a:rPr>
-              <a:t>.</a:t>
+              <a:t> are working on extending repository of web components and  analysis modules for web frontend.</a:t>
             </a:r>
           </a:p>
           <a:p>
@@ -7412,7 +7285,67 @@
       </p:sp>
       <p:pic>
         <p:nvPicPr>
-          <p:cNvPr id="17" name="Picture 16"/>
+          <p:cNvPr id="6" name="Picture 5"/>
+          <p:cNvPicPr>
+            <a:picLocks noChangeAspect="1"/>
+          </p:cNvPicPr>
+          <p:nvPr/>
+        </p:nvPicPr>
+        <p:blipFill>
+          <a:blip r:embed="rId8">
+            <a:extLst>
+              <a:ext uri="{28A0092B-C50C-407E-A947-70E740481C1C}">
+                <a14:useLocalDpi xmlns:a14="http://schemas.microsoft.com/office/drawing/2010/main" val="0"/>
+              </a:ext>
+            </a:extLst>
+          </a:blip>
+          <a:stretch>
+            <a:fillRect/>
+          </a:stretch>
+        </p:blipFill>
+        <p:spPr>
+          <a:xfrm>
+            <a:off x="19630500" y="22928360"/>
+            <a:ext cx="10015314" cy="5025383"/>
+          </a:xfrm>
+          <a:prstGeom prst="rect">
+            <a:avLst/>
+          </a:prstGeom>
+        </p:spPr>
+      </p:pic>
+      <p:pic>
+        <p:nvPicPr>
+          <p:cNvPr id="7" name="Picture 6"/>
+          <p:cNvPicPr>
+            <a:picLocks noChangeAspect="1"/>
+          </p:cNvPicPr>
+          <p:nvPr/>
+        </p:nvPicPr>
+        <p:blipFill>
+          <a:blip r:embed="rId9">
+            <a:extLst>
+              <a:ext uri="{28A0092B-C50C-407E-A947-70E740481C1C}">
+                <a14:useLocalDpi xmlns:a14="http://schemas.microsoft.com/office/drawing/2010/main" val="0"/>
+              </a:ext>
+            </a:extLst>
+          </a:blip>
+          <a:stretch>
+            <a:fillRect/>
+          </a:stretch>
+        </p:blipFill>
+        <p:spPr>
+          <a:xfrm>
+            <a:off x="19630500" y="28633511"/>
+            <a:ext cx="5177276" cy="6112026"/>
+          </a:xfrm>
+          <a:prstGeom prst="rect">
+            <a:avLst/>
+          </a:prstGeom>
+        </p:spPr>
+      </p:pic>
+      <p:pic>
+        <p:nvPicPr>
+          <p:cNvPr id="9" name="Picture 8"/>
           <p:cNvPicPr>
             <a:picLocks noChangeAspect="1"/>
           </p:cNvPicPr>
@@ -7426,7 +7359,7 @@
         </p:blipFill>
         <p:spPr>
           <a:xfrm>
-            <a:off x="10936288" y="22221411"/>
+            <a:off x="10935880" y="22171993"/>
             <a:ext cx="6756400" cy="8267700"/>
           </a:xfrm>
           <a:prstGeom prst="rect">
